--- a/presentations/FastGanTraining_Denisov_Pavel.pptx
+++ b/presentations/FastGanTraining_Denisov_Pavel.pptx
@@ -5,7 +5,7 @@
     <p:sldMasterId id="2147483672" r:id="rId1"/>
   </p:sldMasterIdLst>
   <p:notesMasterIdLst>
-    <p:notesMasterId r:id="rId19"/>
+    <p:notesMasterId r:id="rId27"/>
   </p:notesMasterIdLst>
   <p:sldIdLst>
     <p:sldId id="570" r:id="rId2"/>
@@ -16,15 +16,23 @@
     <p:sldId id="620" r:id="rId7"/>
     <p:sldId id="632" r:id="rId8"/>
     <p:sldId id="633" r:id="rId9"/>
-    <p:sldId id="634" r:id="rId10"/>
-    <p:sldId id="622" r:id="rId11"/>
-    <p:sldId id="638" r:id="rId12"/>
-    <p:sldId id="623" r:id="rId13"/>
-    <p:sldId id="635" r:id="rId14"/>
-    <p:sldId id="636" r:id="rId15"/>
-    <p:sldId id="637" r:id="rId16"/>
-    <p:sldId id="626" r:id="rId17"/>
-    <p:sldId id="569" r:id="rId18"/>
+    <p:sldId id="639" r:id="rId10"/>
+    <p:sldId id="640" r:id="rId11"/>
+    <p:sldId id="634" r:id="rId12"/>
+    <p:sldId id="622" r:id="rId13"/>
+    <p:sldId id="638" r:id="rId14"/>
+    <p:sldId id="623" r:id="rId15"/>
+    <p:sldId id="635" r:id="rId16"/>
+    <p:sldId id="636" r:id="rId17"/>
+    <p:sldId id="637" r:id="rId18"/>
+    <p:sldId id="641" r:id="rId19"/>
+    <p:sldId id="642" r:id="rId20"/>
+    <p:sldId id="643" r:id="rId21"/>
+    <p:sldId id="644" r:id="rId22"/>
+    <p:sldId id="645" r:id="rId23"/>
+    <p:sldId id="626" r:id="rId24"/>
+    <p:sldId id="646" r:id="rId25"/>
+    <p:sldId id="569" r:id="rId26"/>
   </p:sldIdLst>
   <p:sldSz cx="9144000" cy="6858000" type="screen4x3"/>
   <p:notesSz cx="6858000" cy="9144000"/>
@@ -231,7 +239,7 @@
             <a:fld id="{F66DAAEE-BF51-48CE-A7DD-F2FDAD4FC420}" type="datetimeFigureOut">
               <a:rPr lang="ru-RU" smtClean="0"/>
               <a:pPr/>
-              <a:t>18.02.2020</a:t>
+              <a:t>02.03.2020</a:t>
             </a:fld>
             <a:endParaRPr lang="ru-RU"/>
           </a:p>
@@ -650,7 +658,7 @@
             <a:fld id="{D96DAC94-F2BD-4D65-B7EB-B592A69BC432}" type="slidenum">
               <a:rPr lang="ru-RU" smtClean="0"/>
               <a:pPr/>
-              <a:t>17</a:t>
+              <a:t>25</a:t>
             </a:fld>
             <a:endParaRPr lang="ru-RU"/>
           </a:p>
@@ -813,7 +821,7 @@
             <a:fld id="{82DBD188-BED1-4886-9E59-E0CC76280C08}" type="datetime1">
               <a:rPr lang="ru-RU" smtClean="0"/>
               <a:pPr/>
-              <a:t>18.02.2020</a:t>
+              <a:t>02.03.2020</a:t>
             </a:fld>
             <a:endParaRPr lang="ru-RU"/>
           </a:p>
@@ -1174,7 +1182,7 @@
             <a:fld id="{AF1776C5-B470-4CA9-BE03-C3B96094F25A}" type="datetime1">
               <a:rPr lang="ru-RU" smtClean="0"/>
               <a:pPr/>
-              <a:t>18.02.2020</a:t>
+              <a:t>02.03.2020</a:t>
             </a:fld>
             <a:endParaRPr lang="ru-RU"/>
           </a:p>
@@ -1351,7 +1359,7 @@
             <a:fld id="{7658A491-86F9-440A-848C-E38F10B44719}" type="datetime1">
               <a:rPr lang="ru-RU" smtClean="0"/>
               <a:pPr/>
-              <a:t>18.02.2020</a:t>
+              <a:t>02.03.2020</a:t>
             </a:fld>
             <a:endParaRPr lang="ru-RU"/>
           </a:p>
@@ -1588,7 +1596,7 @@
             <a:fld id="{78384596-0AD4-43AB-9D91-AC154A6A2215}" type="datetime1">
               <a:rPr lang="ru-RU" smtClean="0"/>
               <a:pPr/>
-              <a:t>18.02.2020</a:t>
+              <a:t>02.03.2020</a:t>
             </a:fld>
             <a:endParaRPr lang="ru-RU"/>
           </a:p>
@@ -1859,7 +1867,7 @@
             <a:fld id="{1DC058EA-AE74-4A5D-8F0C-E9DE1DFC6AF6}" type="datetime1">
               <a:rPr lang="ru-RU" smtClean="0"/>
               <a:pPr/>
-              <a:t>18.02.2020</a:t>
+              <a:t>02.03.2020</a:t>
             </a:fld>
             <a:endParaRPr lang="ru-RU"/>
           </a:p>
@@ -2081,7 +2089,7 @@
             <a:fld id="{7D0E3516-C24B-4BA4-9701-D4C356C345F1}" type="datetime1">
               <a:rPr lang="ru-RU" smtClean="0"/>
               <a:pPr/>
-              <a:t>18.02.2020</a:t>
+              <a:t>02.03.2020</a:t>
             </a:fld>
             <a:endParaRPr lang="ru-RU"/>
           </a:p>
@@ -2435,7 +2443,7 @@
             <a:fld id="{D13D62BF-5F72-46BB-BF5C-AAE2E3F9E819}" type="datetime1">
               <a:rPr lang="ru-RU" smtClean="0"/>
               <a:pPr/>
-              <a:t>18.02.2020</a:t>
+              <a:t>02.03.2020</a:t>
             </a:fld>
             <a:endParaRPr lang="ru-RU"/>
           </a:p>
@@ -2669,7 +2677,7 @@
             <a:fld id="{4E0CA268-8BBB-48E1-98B7-5D27661798BD}" type="datetime1">
               <a:rPr lang="ru-RU" smtClean="0"/>
               <a:pPr/>
-              <a:t>18.02.2020</a:t>
+              <a:t>02.03.2020</a:t>
             </a:fld>
             <a:endParaRPr lang="ru-RU"/>
           </a:p>
@@ -2811,7 +2819,7 @@
             <a:fld id="{7197FD96-4922-4750-BBEB-ABC583489F13}" type="datetime1">
               <a:rPr lang="ru-RU" smtClean="0"/>
               <a:pPr/>
-              <a:t>18.02.2020</a:t>
+              <a:t>02.03.2020</a:t>
             </a:fld>
             <a:endParaRPr lang="ru-RU"/>
           </a:p>
@@ -3090,7 +3098,7 @@
             <a:fld id="{6C2E3649-A588-4AAB-B726-CBBCF6A35354}" type="datetime1">
               <a:rPr lang="ru-RU" smtClean="0"/>
               <a:pPr/>
-              <a:t>18.02.2020</a:t>
+              <a:t>02.03.2020</a:t>
             </a:fld>
             <a:endParaRPr lang="ru-RU"/>
           </a:p>
@@ -3499,7 +3507,7 @@
             <a:fld id="{294C204E-7519-4CEA-A151-B05B13BE4806}" type="datetime1">
               <a:rPr lang="ru-RU" smtClean="0"/>
               <a:pPr/>
-              <a:t>18.02.2020</a:t>
+              <a:t>02.03.2020</a:t>
             </a:fld>
             <a:endParaRPr lang="ru-RU"/>
           </a:p>
@@ -3839,7 +3847,7 @@
             <a:fld id="{3DB296AF-285F-4E29-90A1-D94656E095CA}" type="datetime1">
               <a:rPr lang="ru-RU" smtClean="0"/>
               <a:pPr/>
-              <a:t>18.02.2020</a:t>
+              <a:t>02.03.2020</a:t>
             </a:fld>
             <a:endParaRPr lang="ru-RU"/>
           </a:p>
@@ -4816,7 +4824,7 @@
             <a:fld id="{BD3664CD-45CF-4156-9C6C-7B30D687E7A3}" type="datetime1">
               <a:rPr lang="ru-RU" sz="2000" smtClean="0"/>
               <a:pPr/>
-              <a:t>18.02.2020</a:t>
+              <a:t>02.03.2020</a:t>
             </a:fld>
             <a:endParaRPr lang="ru-RU" dirty="0"/>
           </a:p>
@@ -4854,7 +4862,13 @@
       </p:grpSpPr>
       <p:sp>
         <p:nvSpPr>
-          <p:cNvPr id="2" name="Заголовок 1"/>
+          <p:cNvPr id="2" name="Заголовок 1">
+            <a:extLst>
+              <a:ext uri="{FF2B5EF4-FFF2-40B4-BE49-F238E27FC236}">
+                <a16:creationId xmlns:a16="http://schemas.microsoft.com/office/drawing/2014/main" id="{240E552E-D62D-4720-BA49-AD8B5122BD9D}"/>
+              </a:ext>
+            </a:extLst>
+          </p:cNvPr>
           <p:cNvSpPr>
             <a:spLocks noGrp="1"/>
           </p:cNvSpPr>
@@ -4868,15 +4882,22 @@
           <a:lstStyle/>
           <a:p>
             <a:r>
-              <a:rPr lang="ru-RU" dirty="0"/>
-              <a:t>Результаты обучения</a:t>
-            </a:r>
-          </a:p>
-        </p:txBody>
-      </p:sp>
-      <p:sp>
-        <p:nvSpPr>
-          <p:cNvPr id="3" name="Номер слайда 2"/>
+              <a:rPr lang="en-US" dirty="0"/>
+              <a:t>Sliced Wasserstein Distance</a:t>
+            </a:r>
+            <a:endParaRPr lang="ru-RU" dirty="0"/>
+          </a:p>
+        </p:txBody>
+      </p:sp>
+      <p:sp>
+        <p:nvSpPr>
+          <p:cNvPr id="3" name="Номер слайда 2">
+            <a:extLst>
+              <a:ext uri="{FF2B5EF4-FFF2-40B4-BE49-F238E27FC236}">
+                <a16:creationId xmlns:a16="http://schemas.microsoft.com/office/drawing/2014/main" id="{611DFF42-4422-4B02-9392-829907A43819}"/>
+              </a:ext>
+            </a:extLst>
+          </p:cNvPr>
           <p:cNvSpPr>
             <a:spLocks noGrp="1"/>
           </p:cNvSpPr>
@@ -4893,6 +4914,681 @@
               <a:rPr lang="ru-RU" smtClean="0"/>
               <a:pPr/>
               <a:t>10</a:t>
+            </a:fld>
+            <a:endParaRPr lang="ru-RU"/>
+          </a:p>
+        </p:txBody>
+      </p:sp>
+      <mc:AlternateContent xmlns:mc="http://schemas.openxmlformats.org/markup-compatibility/2006">
+        <mc:Choice xmlns:a14="http://schemas.microsoft.com/office/drawing/2010/main" Requires="a14">
+          <p:sp>
+            <p:nvSpPr>
+              <p:cNvPr id="4" name="Объект 3">
+                <a:extLst>
+                  <a:ext uri="{FF2B5EF4-FFF2-40B4-BE49-F238E27FC236}">
+                    <a16:creationId xmlns:a16="http://schemas.microsoft.com/office/drawing/2014/main" id="{BA949765-C99F-4D14-996A-F36538EB5EBE}"/>
+                  </a:ext>
+                </a:extLst>
+              </p:cNvPr>
+              <p:cNvSpPr>
+                <a:spLocks noGrp="1"/>
+              </p:cNvSpPr>
+              <p:nvPr>
+                <p:ph sz="quarter" idx="1"/>
+              </p:nvPr>
+            </p:nvSpPr>
+            <p:spPr/>
+            <p:txBody>
+              <a:bodyPr/>
+              <a:lstStyle/>
+              <a:p>
+                <a:pPr algn="just"/>
+                <a:r>
+                  <a:rPr lang="ru-RU" dirty="0"/>
+                  <a:t>Пример разделения двумерного распределения на два одномерных.</a:t>
+                </a:r>
+              </a:p>
+              <a:p>
+                <a:pPr algn="just"/>
+                <a:endParaRPr lang="ru-RU" dirty="0"/>
+              </a:p>
+              <a:p>
+                <a:pPr algn="just"/>
+                <a:endParaRPr lang="ru-RU" dirty="0"/>
+              </a:p>
+              <a:p>
+                <a:pPr algn="just"/>
+                <a:endParaRPr lang="ru-RU" dirty="0"/>
+              </a:p>
+              <a:p>
+                <a:pPr algn="just"/>
+                <a:endParaRPr lang="ru-RU" dirty="0"/>
+              </a:p>
+              <a:p>
+                <a:pPr algn="just"/>
+                <a:endParaRPr lang="ru-RU" dirty="0"/>
+              </a:p>
+              <a:p>
+                <a:pPr algn="just"/>
+                <a:endParaRPr lang="ru-RU" dirty="0"/>
+              </a:p>
+              <a:p>
+                <a:pPr algn="just"/>
+                <a:endParaRPr lang="ru-RU" dirty="0"/>
+              </a:p>
+              <a:p>
+                <a:pPr algn="just"/>
+                <a14:m>
+                  <m:oMath xmlns:m="http://schemas.openxmlformats.org/officeDocument/2006/math">
+                    <m:sSub>
+                      <m:sSubPr>
+                        <m:ctrlPr>
+                          <a:rPr lang="en-US" b="0" i="1" smtClean="0">
+                            <a:latin typeface="Cambria Math" panose="02040503050406030204" pitchFamily="18" charset="0"/>
+                            <a:ea typeface="Cambria Math" panose="02040503050406030204" pitchFamily="18" charset="0"/>
+                          </a:rPr>
+                        </m:ctrlPr>
+                      </m:sSubPr>
+                      <m:e>
+                        <m:r>
+                          <a:rPr lang="ru-RU" i="1" smtClean="0">
+                            <a:latin typeface="Cambria Math" panose="02040503050406030204" pitchFamily="18" charset="0"/>
+                            <a:ea typeface="Cambria Math" panose="02040503050406030204" pitchFamily="18" charset="0"/>
+                          </a:rPr>
+                          <m:t>ℛ</m:t>
+                        </m:r>
+                      </m:e>
+                      <m:sub>
+                        <m:sSub>
+                          <m:sSubPr>
+                            <m:ctrlPr>
+                              <a:rPr lang="en-US" b="0" i="1" smtClean="0">
+                                <a:latin typeface="Cambria Math" panose="02040503050406030204" pitchFamily="18" charset="0"/>
+                                <a:ea typeface="Cambria Math" panose="02040503050406030204" pitchFamily="18" charset="0"/>
+                              </a:rPr>
+                            </m:ctrlPr>
+                          </m:sSubPr>
+                          <m:e>
+                            <m:r>
+                              <a:rPr lang="en-US" b="0" i="1" smtClean="0">
+                                <a:latin typeface="Cambria Math" panose="02040503050406030204" pitchFamily="18" charset="0"/>
+                                <a:ea typeface="Cambria Math" panose="02040503050406030204" pitchFamily="18" charset="0"/>
+                              </a:rPr>
+                              <m:t>𝑝</m:t>
+                            </m:r>
+                          </m:e>
+                          <m:sub>
+                            <m:r>
+                              <a:rPr lang="en-US" b="0" i="1" smtClean="0">
+                                <a:latin typeface="Cambria Math" panose="02040503050406030204" pitchFamily="18" charset="0"/>
+                                <a:ea typeface="Cambria Math" panose="02040503050406030204" pitchFamily="18" charset="0"/>
+                              </a:rPr>
+                              <m:t>𝑋</m:t>
+                            </m:r>
+                          </m:sub>
+                        </m:sSub>
+                      </m:sub>
+                    </m:sSub>
+                    <m:d>
+                      <m:dPr>
+                        <m:ctrlPr>
+                          <a:rPr lang="en-US" b="0" i="1" smtClean="0">
+                            <a:latin typeface="Cambria Math" panose="02040503050406030204" pitchFamily="18" charset="0"/>
+                            <a:ea typeface="Cambria Math" panose="02040503050406030204" pitchFamily="18" charset="0"/>
+                          </a:rPr>
+                        </m:ctrlPr>
+                      </m:dPr>
+                      <m:e>
+                        <m:r>
+                          <a:rPr lang="en-US" b="0" i="1" smtClean="0">
+                            <a:latin typeface="Cambria Math" panose="02040503050406030204" pitchFamily="18" charset="0"/>
+                            <a:ea typeface="Cambria Math" panose="02040503050406030204" pitchFamily="18" charset="0"/>
+                          </a:rPr>
+                          <m:t>𝑡</m:t>
+                        </m:r>
+                        <m:r>
+                          <a:rPr lang="en-US" b="0" i="1" smtClean="0">
+                            <a:latin typeface="Cambria Math" panose="02040503050406030204" pitchFamily="18" charset="0"/>
+                            <a:ea typeface="Cambria Math" panose="02040503050406030204" pitchFamily="18" charset="0"/>
+                          </a:rPr>
+                          <m:t>;</m:t>
+                        </m:r>
+                        <m:r>
+                          <a:rPr lang="en-US" b="0" i="1" smtClean="0">
+                            <a:latin typeface="Cambria Math" panose="02040503050406030204" pitchFamily="18" charset="0"/>
+                            <a:ea typeface="Cambria Math" panose="02040503050406030204" pitchFamily="18" charset="0"/>
+                          </a:rPr>
+                          <m:t>𝜃</m:t>
+                        </m:r>
+                      </m:e>
+                    </m:d>
+                    <m:r>
+                      <a:rPr lang="en-US" b="0" i="1" smtClean="0">
+                        <a:latin typeface="Cambria Math" panose="02040503050406030204" pitchFamily="18" charset="0"/>
+                        <a:ea typeface="Cambria Math" panose="02040503050406030204" pitchFamily="18" charset="0"/>
+                      </a:rPr>
+                      <m:t>=</m:t>
+                    </m:r>
+                    <m:nary>
+                      <m:naryPr>
+                        <m:limLoc m:val="undOvr"/>
+                        <m:ctrlPr>
+                          <a:rPr lang="en-US" b="0" i="1" smtClean="0">
+                            <a:latin typeface="Cambria Math" panose="02040503050406030204" pitchFamily="18" charset="0"/>
+                            <a:ea typeface="Cambria Math" panose="02040503050406030204" pitchFamily="18" charset="0"/>
+                          </a:rPr>
+                        </m:ctrlPr>
+                      </m:naryPr>
+                      <m:sub>
+                        <m:r>
+                          <m:rPr>
+                            <m:brk m:alnAt="24"/>
+                          </m:rPr>
+                          <a:rPr lang="en-US" b="0" i="1" smtClean="0">
+                            <a:latin typeface="Cambria Math" panose="02040503050406030204" pitchFamily="18" charset="0"/>
+                            <a:ea typeface="Cambria Math" panose="02040503050406030204" pitchFamily="18" charset="0"/>
+                          </a:rPr>
+                          <m:t>𝑋</m:t>
+                        </m:r>
+                      </m:sub>
+                      <m:sup/>
+                      <m:e>
+                        <m:sSub>
+                          <m:sSubPr>
+                            <m:ctrlPr>
+                              <a:rPr lang="en-US" b="0" i="1" smtClean="0">
+                                <a:latin typeface="Cambria Math" panose="02040503050406030204" pitchFamily="18" charset="0"/>
+                                <a:ea typeface="Cambria Math" panose="02040503050406030204" pitchFamily="18" charset="0"/>
+                              </a:rPr>
+                            </m:ctrlPr>
+                          </m:sSubPr>
+                          <m:e>
+                            <m:r>
+                              <a:rPr lang="en-US" b="0" i="1" smtClean="0">
+                                <a:latin typeface="Cambria Math" panose="02040503050406030204" pitchFamily="18" charset="0"/>
+                                <a:ea typeface="Cambria Math" panose="02040503050406030204" pitchFamily="18" charset="0"/>
+                              </a:rPr>
+                              <m:t>𝑝</m:t>
+                            </m:r>
+                          </m:e>
+                          <m:sub>
+                            <m:r>
+                              <a:rPr lang="en-US" b="0" i="1" smtClean="0">
+                                <a:latin typeface="Cambria Math" panose="02040503050406030204" pitchFamily="18" charset="0"/>
+                                <a:ea typeface="Cambria Math" panose="02040503050406030204" pitchFamily="18" charset="0"/>
+                              </a:rPr>
+                              <m:t>𝑋</m:t>
+                            </m:r>
+                          </m:sub>
+                        </m:sSub>
+                        <m:d>
+                          <m:dPr>
+                            <m:ctrlPr>
+                              <a:rPr lang="en-US" b="0" i="1" smtClean="0">
+                                <a:latin typeface="Cambria Math" panose="02040503050406030204" pitchFamily="18" charset="0"/>
+                                <a:ea typeface="Cambria Math" panose="02040503050406030204" pitchFamily="18" charset="0"/>
+                              </a:rPr>
+                            </m:ctrlPr>
+                          </m:dPr>
+                          <m:e>
+                            <m:r>
+                              <a:rPr lang="en-US" b="0" i="1" smtClean="0">
+                                <a:latin typeface="Cambria Math" panose="02040503050406030204" pitchFamily="18" charset="0"/>
+                                <a:ea typeface="Cambria Math" panose="02040503050406030204" pitchFamily="18" charset="0"/>
+                              </a:rPr>
+                              <m:t>𝑥</m:t>
+                            </m:r>
+                          </m:e>
+                        </m:d>
+                        <m:r>
+                          <a:rPr lang="en-US" b="0" i="1" smtClean="0">
+                            <a:latin typeface="Cambria Math" panose="02040503050406030204" pitchFamily="18" charset="0"/>
+                            <a:ea typeface="Cambria Math" panose="02040503050406030204" pitchFamily="18" charset="0"/>
+                          </a:rPr>
+                          <m:t>𝛿</m:t>
+                        </m:r>
+                        <m:d>
+                          <m:dPr>
+                            <m:ctrlPr>
+                              <a:rPr lang="en-US" b="0" i="1" smtClean="0">
+                                <a:latin typeface="Cambria Math" panose="02040503050406030204" pitchFamily="18" charset="0"/>
+                                <a:ea typeface="Cambria Math" panose="02040503050406030204" pitchFamily="18" charset="0"/>
+                              </a:rPr>
+                            </m:ctrlPr>
+                          </m:dPr>
+                          <m:e>
+                            <m:r>
+                              <a:rPr lang="en-US" b="0" i="1" smtClean="0">
+                                <a:latin typeface="Cambria Math" panose="02040503050406030204" pitchFamily="18" charset="0"/>
+                                <a:ea typeface="Cambria Math" panose="02040503050406030204" pitchFamily="18" charset="0"/>
+                              </a:rPr>
+                              <m:t>𝑡</m:t>
+                            </m:r>
+                            <m:r>
+                              <a:rPr lang="en-US" b="0" i="1" smtClean="0">
+                                <a:latin typeface="Cambria Math" panose="02040503050406030204" pitchFamily="18" charset="0"/>
+                                <a:ea typeface="Cambria Math" panose="02040503050406030204" pitchFamily="18" charset="0"/>
+                              </a:rPr>
+                              <m:t>−</m:t>
+                            </m:r>
+                            <m:r>
+                              <a:rPr lang="en-US" b="0" i="1" smtClean="0">
+                                <a:latin typeface="Cambria Math" panose="02040503050406030204" pitchFamily="18" charset="0"/>
+                                <a:ea typeface="Cambria Math" panose="02040503050406030204" pitchFamily="18" charset="0"/>
+                              </a:rPr>
+                              <m:t>𝜃</m:t>
+                            </m:r>
+                            <m:r>
+                              <a:rPr lang="en-US" b="0" i="1" smtClean="0">
+                                <a:latin typeface="Cambria Math" panose="02040503050406030204" pitchFamily="18" charset="0"/>
+                                <a:ea typeface="Cambria Math" panose="02040503050406030204" pitchFamily="18" charset="0"/>
+                              </a:rPr>
+                              <m:t>𝑥</m:t>
+                            </m:r>
+                          </m:e>
+                        </m:d>
+                        <m:r>
+                          <a:rPr lang="en-US" b="0" i="1" smtClean="0">
+                            <a:latin typeface="Cambria Math" panose="02040503050406030204" pitchFamily="18" charset="0"/>
+                            <a:ea typeface="Cambria Math" panose="02040503050406030204" pitchFamily="18" charset="0"/>
+                          </a:rPr>
+                          <m:t>𝑑𝑥</m:t>
+                        </m:r>
+                        <m:r>
+                          <a:rPr lang="en-US" b="0" i="1" smtClean="0">
+                            <a:latin typeface="Cambria Math" panose="02040503050406030204" pitchFamily="18" charset="0"/>
+                            <a:ea typeface="Cambria Math" panose="02040503050406030204" pitchFamily="18" charset="0"/>
+                          </a:rPr>
+                          <m:t>, ∀</m:t>
+                        </m:r>
+                        <m:r>
+                          <a:rPr lang="en-US" b="0" i="1" smtClean="0">
+                            <a:latin typeface="Cambria Math" panose="02040503050406030204" pitchFamily="18" charset="0"/>
+                            <a:ea typeface="Cambria Math" panose="02040503050406030204" pitchFamily="18" charset="0"/>
+                          </a:rPr>
+                          <m:t>𝜃</m:t>
+                        </m:r>
+                        <m:r>
+                          <a:rPr lang="en-US" b="0" i="1" smtClean="0">
+                            <a:latin typeface="Cambria Math" panose="02040503050406030204" pitchFamily="18" charset="0"/>
+                            <a:ea typeface="Cambria Math" panose="02040503050406030204" pitchFamily="18" charset="0"/>
+                          </a:rPr>
+                          <m:t>∈</m:t>
+                        </m:r>
+                        <m:sSup>
+                          <m:sSupPr>
+                            <m:ctrlPr>
+                              <a:rPr lang="en-US" b="0" i="1" smtClean="0">
+                                <a:latin typeface="Cambria Math" panose="02040503050406030204" pitchFamily="18" charset="0"/>
+                                <a:ea typeface="Cambria Math" panose="02040503050406030204" pitchFamily="18" charset="0"/>
+                              </a:rPr>
+                            </m:ctrlPr>
+                          </m:sSupPr>
+                          <m:e>
+                            <m:r>
+                              <a:rPr lang="en-US" b="0" i="1" smtClean="0">
+                                <a:latin typeface="Cambria Math" panose="02040503050406030204" pitchFamily="18" charset="0"/>
+                                <a:ea typeface="Cambria Math" panose="02040503050406030204" pitchFamily="18" charset="0"/>
+                              </a:rPr>
+                              <m:t>𝕊</m:t>
+                            </m:r>
+                          </m:e>
+                          <m:sup>
+                            <m:r>
+                              <a:rPr lang="en-US" b="0" i="1" smtClean="0">
+                                <a:latin typeface="Cambria Math" panose="02040503050406030204" pitchFamily="18" charset="0"/>
+                                <a:ea typeface="Cambria Math" panose="02040503050406030204" pitchFamily="18" charset="0"/>
+                              </a:rPr>
+                              <m:t>𝑑</m:t>
+                            </m:r>
+                            <m:r>
+                              <a:rPr lang="en-US" b="0" i="1" smtClean="0">
+                                <a:latin typeface="Cambria Math" panose="02040503050406030204" pitchFamily="18" charset="0"/>
+                                <a:ea typeface="Cambria Math" panose="02040503050406030204" pitchFamily="18" charset="0"/>
+                              </a:rPr>
+                              <m:t>−1</m:t>
+                            </m:r>
+                          </m:sup>
+                        </m:sSup>
+                        <m:r>
+                          <a:rPr lang="en-US" b="0" i="1" smtClean="0">
+                            <a:latin typeface="Cambria Math" panose="02040503050406030204" pitchFamily="18" charset="0"/>
+                            <a:ea typeface="Cambria Math" panose="02040503050406030204" pitchFamily="18" charset="0"/>
+                          </a:rPr>
+                          <m:t>, ∀</m:t>
+                        </m:r>
+                        <m:r>
+                          <a:rPr lang="en-US" b="0" i="1" smtClean="0">
+                            <a:latin typeface="Cambria Math" panose="02040503050406030204" pitchFamily="18" charset="0"/>
+                            <a:ea typeface="Cambria Math" panose="02040503050406030204" pitchFamily="18" charset="0"/>
+                          </a:rPr>
+                          <m:t>𝑡</m:t>
+                        </m:r>
+                        <m:r>
+                          <a:rPr lang="en-US" b="0" i="1" smtClean="0">
+                            <a:latin typeface="Cambria Math" panose="02040503050406030204" pitchFamily="18" charset="0"/>
+                            <a:ea typeface="Cambria Math" panose="02040503050406030204" pitchFamily="18" charset="0"/>
+                          </a:rPr>
+                          <m:t>∈</m:t>
+                        </m:r>
+                        <m:r>
+                          <a:rPr lang="en-US" b="0" i="1" smtClean="0">
+                            <a:latin typeface="Cambria Math" panose="02040503050406030204" pitchFamily="18" charset="0"/>
+                            <a:ea typeface="Cambria Math" panose="02040503050406030204" pitchFamily="18" charset="0"/>
+                          </a:rPr>
+                          <m:t>ℝ</m:t>
+                        </m:r>
+                      </m:e>
+                    </m:nary>
+                  </m:oMath>
+                </a14:m>
+                <a:endParaRPr lang="ru-RU" dirty="0"/>
+              </a:p>
+            </p:txBody>
+          </p:sp>
+        </mc:Choice>
+        <mc:Fallback>
+          <p:sp>
+            <p:nvSpPr>
+              <p:cNvPr id="4" name="Объект 3">
+                <a:extLst>
+                  <a:ext uri="{FF2B5EF4-FFF2-40B4-BE49-F238E27FC236}">
+                    <a16:creationId xmlns:a16="http://schemas.microsoft.com/office/drawing/2014/main" id="{BA949765-C99F-4D14-996A-F36538EB5EBE}"/>
+                  </a:ext>
+                </a:extLst>
+              </p:cNvPr>
+              <p:cNvSpPr>
+                <a:spLocks noGrp="1" noRot="1" noChangeAspect="1" noMove="1" noResize="1" noEditPoints="1" noAdjustHandles="1" noChangeArrowheads="1" noChangeShapeType="1" noTextEdit="1"/>
+              </p:cNvSpPr>
+              <p:nvPr>
+                <p:ph sz="quarter" idx="1"/>
+              </p:nvPr>
+            </p:nvSpPr>
+            <p:spPr>
+              <a:blipFill>
+                <a:blip r:embed="rId2"/>
+                <a:stretch>
+                  <a:fillRect l="-667" t="-1111" r="-1333"/>
+                </a:stretch>
+              </a:blipFill>
+            </p:spPr>
+            <p:txBody>
+              <a:bodyPr/>
+              <a:lstStyle/>
+              <a:p>
+                <a:r>
+                  <a:rPr lang="ru-RU">
+                    <a:noFill/>
+                  </a:rPr>
+                  <a:t> </a:t>
+                </a:r>
+              </a:p>
+            </p:txBody>
+          </p:sp>
+        </mc:Fallback>
+      </mc:AlternateContent>
+      <p:pic>
+        <p:nvPicPr>
+          <p:cNvPr id="5" name="Рисунок 4">
+            <a:extLst>
+              <a:ext uri="{FF2B5EF4-FFF2-40B4-BE49-F238E27FC236}">
+                <a16:creationId xmlns:a16="http://schemas.microsoft.com/office/drawing/2014/main" id="{15A5CAC3-1DB3-4BE1-9F97-24C04CAC0C5A}"/>
+              </a:ext>
+            </a:extLst>
+          </p:cNvPr>
+          <p:cNvPicPr>
+            <a:picLocks noChangeAspect="1"/>
+          </p:cNvPicPr>
+          <p:nvPr/>
+        </p:nvPicPr>
+        <p:blipFill>
+          <a:blip r:embed="rId3"/>
+          <a:stretch>
+            <a:fillRect/>
+          </a:stretch>
+        </p:blipFill>
+        <p:spPr>
+          <a:xfrm>
+            <a:off x="611560" y="2060848"/>
+            <a:ext cx="7920880" cy="3218804"/>
+          </a:xfrm>
+          <a:prstGeom prst="rect">
+            <a:avLst/>
+          </a:prstGeom>
+        </p:spPr>
+      </p:pic>
+    </p:spTree>
+    <p:extLst>
+      <p:ext uri="{BB962C8B-B14F-4D97-AF65-F5344CB8AC3E}">
+        <p14:creationId xmlns:p14="http://schemas.microsoft.com/office/powerpoint/2010/main" val="3270070449"/>
+      </p:ext>
+    </p:extLst>
+  </p:cSld>
+  <p:clrMapOvr>
+    <a:masterClrMapping/>
+  </p:clrMapOvr>
+</p:sld>
+</file>
+
+<file path=ppt/slides/slide11.xml><?xml version="1.0" encoding="utf-8"?>
+<p:sld xmlns:a="http://schemas.openxmlformats.org/drawingml/2006/main" xmlns:r="http://schemas.openxmlformats.org/officeDocument/2006/relationships" xmlns:p="http://schemas.openxmlformats.org/presentationml/2006/main">
+  <p:cSld>
+    <p:spTree>
+      <p:nvGrpSpPr>
+        <p:cNvPr id="1" name=""/>
+        <p:cNvGrpSpPr/>
+        <p:nvPr/>
+      </p:nvGrpSpPr>
+      <p:grpSpPr>
+        <a:xfrm>
+          <a:off x="0" y="0"/>
+          <a:ext cx="0" cy="0"/>
+          <a:chOff x="0" y="0"/>
+          <a:chExt cx="0" cy="0"/>
+        </a:xfrm>
+      </p:grpSpPr>
+      <p:sp>
+        <p:nvSpPr>
+          <p:cNvPr id="2" name="Заголовок 1"/>
+          <p:cNvSpPr>
+            <a:spLocks noGrp="1"/>
+          </p:cNvSpPr>
+          <p:nvPr>
+            <p:ph type="title"/>
+          </p:nvPr>
+        </p:nvSpPr>
+        <p:spPr/>
+        <p:txBody>
+          <a:bodyPr/>
+          <a:lstStyle/>
+          <a:p>
+            <a:r>
+              <a:rPr lang="ru-RU" dirty="0"/>
+              <a:t>Процесс обучения</a:t>
+            </a:r>
+          </a:p>
+        </p:txBody>
+      </p:sp>
+      <p:sp>
+        <p:nvSpPr>
+          <p:cNvPr id="3" name="Номер слайда 2"/>
+          <p:cNvSpPr>
+            <a:spLocks noGrp="1"/>
+          </p:cNvSpPr>
+          <p:nvPr>
+            <p:ph type="sldNum" sz="quarter" idx="12"/>
+          </p:nvPr>
+        </p:nvSpPr>
+        <p:spPr/>
+        <p:txBody>
+          <a:bodyPr/>
+          <a:lstStyle/>
+          <a:p>
+            <a:fld id="{B19B0651-EE4F-4900-A07F-96A6BFA9D0F0}" type="slidenum">
+              <a:rPr lang="ru-RU" smtClean="0"/>
+              <a:pPr/>
+              <a:t>11</a:t>
+            </a:fld>
+            <a:endParaRPr lang="ru-RU"/>
+          </a:p>
+        </p:txBody>
+      </p:sp>
+      <p:sp>
+        <p:nvSpPr>
+          <p:cNvPr id="4" name="Объект 3"/>
+          <p:cNvSpPr>
+            <a:spLocks noGrp="1"/>
+          </p:cNvSpPr>
+          <p:nvPr>
+            <p:ph sz="quarter" idx="1"/>
+          </p:nvPr>
+        </p:nvSpPr>
+        <p:spPr/>
+        <p:txBody>
+          <a:bodyPr/>
+          <a:lstStyle/>
+          <a:p>
+            <a:r>
+              <a:rPr lang="ru-RU" dirty="0"/>
+              <a:t>Обучение всех </a:t>
+            </a:r>
+            <a:r>
+              <a:rPr lang="ru-RU" dirty="0" err="1"/>
+              <a:t>автокодеров</a:t>
+            </a:r>
+            <a:r>
+              <a:rPr lang="ru-RU" dirty="0"/>
+              <a:t> происходило с использованием библиотеки </a:t>
+            </a:r>
+            <a:r>
+              <a:rPr lang="en-US" i="1" dirty="0" err="1"/>
+              <a:t>Keras</a:t>
+            </a:r>
+            <a:r>
+              <a:rPr lang="ru-RU" i="1" dirty="0"/>
+              <a:t>.</a:t>
+            </a:r>
+          </a:p>
+          <a:p>
+            <a:r>
+              <a:rPr lang="ru-RU" dirty="0" err="1"/>
+              <a:t>Гиперпараметры</a:t>
+            </a:r>
+            <a:r>
+              <a:rPr lang="ru-RU" dirty="0"/>
+              <a:t>:</a:t>
+            </a:r>
+          </a:p>
+          <a:p>
+            <a:pPr lvl="1"/>
+            <a:r>
+              <a:rPr lang="ru-RU" dirty="0"/>
+              <a:t>Количество эпох – 200</a:t>
+            </a:r>
+          </a:p>
+          <a:p>
+            <a:pPr lvl="1"/>
+            <a:r>
+              <a:rPr lang="ru-RU" dirty="0"/>
+              <a:t>Размерность скрытого пространства – 2</a:t>
+            </a:r>
+          </a:p>
+          <a:p>
+            <a:pPr lvl="2"/>
+            <a:r>
+              <a:rPr lang="ru-RU" dirty="0"/>
+              <a:t>Была выбрана именно такая размерность для корректного отображения многообразия скрытого пространства</a:t>
+            </a:r>
+          </a:p>
+          <a:p>
+            <a:pPr lvl="1"/>
+            <a:r>
+              <a:rPr lang="ru-RU" dirty="0" err="1"/>
+              <a:t>Датасет</a:t>
+            </a:r>
+            <a:r>
+              <a:rPr lang="ru-RU" dirty="0"/>
+              <a:t> – рукописные цифры </a:t>
+            </a:r>
+            <a:r>
+              <a:rPr lang="en-US" dirty="0"/>
+              <a:t>MNIST</a:t>
+            </a:r>
+            <a:endParaRPr lang="ru-RU" dirty="0"/>
+          </a:p>
+        </p:txBody>
+      </p:sp>
+    </p:spTree>
+    <p:extLst>
+      <p:ext uri="{BB962C8B-B14F-4D97-AF65-F5344CB8AC3E}">
+        <p14:creationId xmlns:p14="http://schemas.microsoft.com/office/powerpoint/2010/main" val="3586998789"/>
+      </p:ext>
+    </p:extLst>
+  </p:cSld>
+  <p:clrMapOvr>
+    <a:masterClrMapping/>
+  </p:clrMapOvr>
+</p:sld>
+</file>
+
+<file path=ppt/slides/slide12.xml><?xml version="1.0" encoding="utf-8"?>
+<p:sld xmlns:a="http://schemas.openxmlformats.org/drawingml/2006/main" xmlns:r="http://schemas.openxmlformats.org/officeDocument/2006/relationships" xmlns:p="http://schemas.openxmlformats.org/presentationml/2006/main">
+  <p:cSld>
+    <p:spTree>
+      <p:nvGrpSpPr>
+        <p:cNvPr id="1" name=""/>
+        <p:cNvGrpSpPr/>
+        <p:nvPr/>
+      </p:nvGrpSpPr>
+      <p:grpSpPr>
+        <a:xfrm>
+          <a:off x="0" y="0"/>
+          <a:ext cx="0" cy="0"/>
+          <a:chOff x="0" y="0"/>
+          <a:chExt cx="0" cy="0"/>
+        </a:xfrm>
+      </p:grpSpPr>
+      <p:sp>
+        <p:nvSpPr>
+          <p:cNvPr id="2" name="Заголовок 1"/>
+          <p:cNvSpPr>
+            <a:spLocks noGrp="1"/>
+          </p:cNvSpPr>
+          <p:nvPr>
+            <p:ph type="title"/>
+          </p:nvPr>
+        </p:nvSpPr>
+        <p:spPr/>
+        <p:txBody>
+          <a:bodyPr/>
+          <a:lstStyle/>
+          <a:p>
+            <a:r>
+              <a:rPr lang="ru-RU" dirty="0"/>
+              <a:t>Результаты обучения</a:t>
+            </a:r>
+          </a:p>
+        </p:txBody>
+      </p:sp>
+      <p:sp>
+        <p:nvSpPr>
+          <p:cNvPr id="3" name="Номер слайда 2"/>
+          <p:cNvSpPr>
+            <a:spLocks noGrp="1"/>
+          </p:cNvSpPr>
+          <p:nvPr>
+            <p:ph type="sldNum" sz="quarter" idx="12"/>
+          </p:nvPr>
+        </p:nvSpPr>
+        <p:spPr/>
+        <p:txBody>
+          <a:bodyPr/>
+          <a:lstStyle/>
+          <a:p>
+            <a:fld id="{B19B0651-EE4F-4900-A07F-96A6BFA9D0F0}" type="slidenum">
+              <a:rPr lang="ru-RU" smtClean="0"/>
+              <a:pPr/>
+              <a:t>12</a:t>
             </a:fld>
             <a:endParaRPr lang="ru-RU"/>
           </a:p>
@@ -5145,7 +5841,7 @@
 </p:sld>
 </file>
 
-<file path=ppt/slides/slide11.xml><?xml version="1.0" encoding="utf-8"?>
+<file path=ppt/slides/slide13.xml><?xml version="1.0" encoding="utf-8"?>
 <p:sld xmlns:a="http://schemas.openxmlformats.org/drawingml/2006/main" xmlns:r="http://schemas.openxmlformats.org/officeDocument/2006/relationships" xmlns:p="http://schemas.openxmlformats.org/presentationml/2006/main">
   <p:cSld>
     <p:spTree>
@@ -5202,7 +5898,7 @@
             <a:fld id="{B19B0651-EE4F-4900-A07F-96A6BFA9D0F0}" type="slidenum">
               <a:rPr lang="ru-RU" smtClean="0"/>
               <a:pPr/>
-              <a:t>11</a:t>
+              <a:t>13</a:t>
             </a:fld>
             <a:endParaRPr lang="ru-RU"/>
           </a:p>
@@ -5530,7 +6226,7 @@
 </p:sld>
 </file>
 
-<file path=ppt/slides/slide12.xml><?xml version="1.0" encoding="utf-8"?>
+<file path=ppt/slides/slide14.xml><?xml version="1.0" encoding="utf-8"?>
 <p:sld xmlns:a="http://schemas.openxmlformats.org/drawingml/2006/main" xmlns:r="http://schemas.openxmlformats.org/officeDocument/2006/relationships" xmlns:p="http://schemas.openxmlformats.org/presentationml/2006/main">
   <p:cSld>
     <p:spTree>
@@ -5587,7 +6283,7 @@
             <a:fld id="{B19B0651-EE4F-4900-A07F-96A6BFA9D0F0}" type="slidenum">
               <a:rPr lang="ru-RU" smtClean="0"/>
               <a:pPr/>
-              <a:t>12</a:t>
+              <a:t>14</a:t>
             </a:fld>
             <a:endParaRPr lang="ru-RU"/>
           </a:p>
@@ -5754,7 +6450,7 @@
 </p:sld>
 </file>
 
-<file path=ppt/slides/slide13.xml><?xml version="1.0" encoding="utf-8"?>
+<file path=ppt/slides/slide15.xml><?xml version="1.0" encoding="utf-8"?>
 <p:sld xmlns:a="http://schemas.openxmlformats.org/drawingml/2006/main" xmlns:r="http://schemas.openxmlformats.org/officeDocument/2006/relationships" xmlns:p="http://schemas.openxmlformats.org/presentationml/2006/main">
   <p:cSld>
     <p:spTree>
@@ -5811,7 +6507,7 @@
             <a:fld id="{B19B0651-EE4F-4900-A07F-96A6BFA9D0F0}" type="slidenum">
               <a:rPr lang="ru-RU" smtClean="0"/>
               <a:pPr/>
-              <a:t>13</a:t>
+              <a:t>15</a:t>
             </a:fld>
             <a:endParaRPr lang="ru-RU"/>
           </a:p>
@@ -5947,7 +6643,7 @@
 </p:sld>
 </file>
 
-<file path=ppt/slides/slide14.xml><?xml version="1.0" encoding="utf-8"?>
+<file path=ppt/slides/slide16.xml><?xml version="1.0" encoding="utf-8"?>
 <p:sld xmlns:a="http://schemas.openxmlformats.org/drawingml/2006/main" xmlns:r="http://schemas.openxmlformats.org/officeDocument/2006/relationships" xmlns:p="http://schemas.openxmlformats.org/presentationml/2006/main">
   <p:cSld>
     <p:spTree>
@@ -6004,7 +6700,7 @@
             <a:fld id="{B19B0651-EE4F-4900-A07F-96A6BFA9D0F0}" type="slidenum">
               <a:rPr lang="ru-RU" smtClean="0"/>
               <a:pPr/>
-              <a:t>14</a:t>
+              <a:t>16</a:t>
             </a:fld>
             <a:endParaRPr lang="ru-RU"/>
           </a:p>
@@ -6177,7 +6873,7 @@
 </p:sld>
 </file>
 
-<file path=ppt/slides/slide15.xml><?xml version="1.0" encoding="utf-8"?>
+<file path=ppt/slides/slide17.xml><?xml version="1.0" encoding="utf-8"?>
 <p:sld xmlns:a="http://schemas.openxmlformats.org/drawingml/2006/main" xmlns:r="http://schemas.openxmlformats.org/officeDocument/2006/relationships" xmlns:p="http://schemas.openxmlformats.org/presentationml/2006/main">
   <p:cSld>
     <p:spTree>
@@ -6234,7 +6930,7 @@
             <a:fld id="{B19B0651-EE4F-4900-A07F-96A6BFA9D0F0}" type="slidenum">
               <a:rPr lang="ru-RU" smtClean="0"/>
               <a:pPr/>
-              <a:t>15</a:t>
+              <a:t>17</a:t>
             </a:fld>
             <a:endParaRPr lang="ru-RU"/>
           </a:p>
@@ -6351,7 +7047,7 @@
 </p:sld>
 </file>
 
-<file path=ppt/slides/slide16.xml><?xml version="1.0" encoding="utf-8"?>
+<file path=ppt/slides/slide18.xml><?xml version="1.0" encoding="utf-8"?>
 <p:sld xmlns:a="http://schemas.openxmlformats.org/drawingml/2006/main" xmlns:r="http://schemas.openxmlformats.org/officeDocument/2006/relationships" xmlns:p="http://schemas.openxmlformats.org/presentationml/2006/main">
   <p:cSld>
     <p:spTree>
@@ -6370,7 +7066,13 @@
       </p:grpSpPr>
       <p:sp>
         <p:nvSpPr>
-          <p:cNvPr id="2" name="Заголовок 1"/>
+          <p:cNvPr id="2" name="Заголовок 1">
+            <a:extLst>
+              <a:ext uri="{FF2B5EF4-FFF2-40B4-BE49-F238E27FC236}">
+                <a16:creationId xmlns:a16="http://schemas.microsoft.com/office/drawing/2014/main" id="{9102DFEE-3DD7-42B4-ACCD-30677C4B2EC8}"/>
+              </a:ext>
+            </a:extLst>
+          </p:cNvPr>
           <p:cNvSpPr>
             <a:spLocks noGrp="1"/>
           </p:cNvSpPr>
@@ -6380,29 +7082,25 @@
         </p:nvSpPr>
         <p:spPr/>
         <p:txBody>
-          <a:bodyPr>
-            <a:normAutofit fontScale="90000"/>
-          </a:bodyPr>
-          <a:lstStyle/>
-          <a:p>
-            <a:r>
-              <a:rPr lang="ru-RU" dirty="0"/>
-              <a:t>Результат обучения комбинации декодера </a:t>
-            </a:r>
-            <a:r>
-              <a:rPr lang="en-US" dirty="0"/>
-              <a:t>CVAE </a:t>
-            </a:r>
-            <a:r>
-              <a:rPr lang="ru-RU" dirty="0"/>
-              <a:t>и ГСС</a:t>
-            </a:r>
-          </a:p>
-        </p:txBody>
-      </p:sp>
-      <p:sp>
-        <p:nvSpPr>
-          <p:cNvPr id="3" name="Номер слайда 2"/>
+          <a:bodyPr/>
+          <a:lstStyle/>
+          <a:p>
+            <a:r>
+              <a:rPr lang="ru-RU" dirty="0"/>
+              <a:t>Результаты обучения</a:t>
+            </a:r>
+          </a:p>
+        </p:txBody>
+      </p:sp>
+      <p:sp>
+        <p:nvSpPr>
+          <p:cNvPr id="3" name="Номер слайда 2">
+            <a:extLst>
+              <a:ext uri="{FF2B5EF4-FFF2-40B4-BE49-F238E27FC236}">
+                <a16:creationId xmlns:a16="http://schemas.microsoft.com/office/drawing/2014/main" id="{CFF141A9-D8B1-4DAE-A521-F4EF94D14291}"/>
+              </a:ext>
+            </a:extLst>
+          </p:cNvPr>
           <p:cNvSpPr>
             <a:spLocks noGrp="1"/>
           </p:cNvSpPr>
@@ -6418,18 +7116,53 @@
             <a:fld id="{B19B0651-EE4F-4900-A07F-96A6BFA9D0F0}" type="slidenum">
               <a:rPr lang="ru-RU" smtClean="0"/>
               <a:pPr/>
-              <a:t>16</a:t>
+              <a:t>18</a:t>
             </a:fld>
             <a:endParaRPr lang="ru-RU"/>
           </a:p>
         </p:txBody>
       </p:sp>
+      <p:sp>
+        <p:nvSpPr>
+          <p:cNvPr id="4" name="Объект 3">
+            <a:extLst>
+              <a:ext uri="{FF2B5EF4-FFF2-40B4-BE49-F238E27FC236}">
+                <a16:creationId xmlns:a16="http://schemas.microsoft.com/office/drawing/2014/main" id="{B18BBA32-2202-47B3-BC24-51D1CB78DDBD}"/>
+              </a:ext>
+            </a:extLst>
+          </p:cNvPr>
+          <p:cNvSpPr>
+            <a:spLocks noGrp="1"/>
+          </p:cNvSpPr>
+          <p:nvPr>
+            <p:ph sz="quarter" idx="1"/>
+          </p:nvPr>
+        </p:nvSpPr>
+        <p:spPr/>
+        <p:txBody>
+          <a:bodyPr/>
+          <a:lstStyle/>
+          <a:p>
+            <a:r>
+              <a:rPr lang="en-US" dirty="0"/>
+              <a:t>Sliced Wasserstein Autoencoder (SWAE)</a:t>
+            </a:r>
+          </a:p>
+          <a:p>
+            <a:pPr lvl="1"/>
+            <a:r>
+              <a:rPr lang="ru-RU" dirty="0"/>
+              <a:t>Размерность скрытого пространства - 2</a:t>
+            </a:r>
+          </a:p>
+        </p:txBody>
+      </p:sp>
       <p:pic>
         <p:nvPicPr>
-          <p:cNvPr id="5" name="Рисунок 4" descr="Изображение выглядит как клавиатура&#10;&#10;Автоматически созданное описание">
+          <p:cNvPr id="6" name="Рисунок 5" descr="Изображение выглядит как электроника, клавиатура, компьютер, сидит&#10;&#10;Автоматически созданное описание">
             <a:extLst>
               <a:ext uri="{FF2B5EF4-FFF2-40B4-BE49-F238E27FC236}">
-                <a16:creationId xmlns:a16="http://schemas.microsoft.com/office/drawing/2014/main" id="{7112F075-DAF8-4063-9382-8829CF1DC04A}"/>
+                <a16:creationId xmlns:a16="http://schemas.microsoft.com/office/drawing/2014/main" id="{2A354FAD-41D7-483A-A064-84CEDC98EA71}"/>
               </a:ext>
             </a:extLst>
           </p:cNvPr>
@@ -6452,8 +7185,44 @@
         </p:blipFill>
         <p:spPr>
           <a:xfrm>
-            <a:off x="2123728" y="1301403"/>
-            <a:ext cx="4896544" cy="4896544"/>
+            <a:off x="643204" y="2132856"/>
+            <a:ext cx="3928796" cy="3888432"/>
+          </a:xfrm>
+          <a:prstGeom prst="rect">
+            <a:avLst/>
+          </a:prstGeom>
+        </p:spPr>
+      </p:pic>
+      <p:pic>
+        <p:nvPicPr>
+          <p:cNvPr id="8" name="Рисунок 7" descr="Изображение выглядит как снимок экрана&#10;&#10;Автоматически созданное описание">
+            <a:extLst>
+              <a:ext uri="{FF2B5EF4-FFF2-40B4-BE49-F238E27FC236}">
+                <a16:creationId xmlns:a16="http://schemas.microsoft.com/office/drawing/2014/main" id="{A139BA92-2F6B-4157-95CF-17FAFF076B81}"/>
+              </a:ext>
+            </a:extLst>
+          </p:cNvPr>
+          <p:cNvPicPr>
+            <a:picLocks noChangeAspect="1"/>
+          </p:cNvPicPr>
+          <p:nvPr/>
+        </p:nvPicPr>
+        <p:blipFill>
+          <a:blip r:embed="rId3">
+            <a:extLst>
+              <a:ext uri="{28A0092B-C50C-407E-A947-70E740481C1C}">
+                <a14:useLocalDpi xmlns:a14="http://schemas.microsoft.com/office/drawing/2010/main" val="0"/>
+              </a:ext>
+            </a:extLst>
+          </a:blip>
+          <a:stretch>
+            <a:fillRect/>
+          </a:stretch>
+        </p:blipFill>
+        <p:spPr>
+          <a:xfrm>
+            <a:off x="4629292" y="2183866"/>
+            <a:ext cx="3871504" cy="3790846"/>
           </a:xfrm>
           <a:prstGeom prst="rect">
             <a:avLst/>
@@ -6461,6 +7230,11 @@
         </p:spPr>
       </p:pic>
     </p:spTree>
+    <p:extLst>
+      <p:ext uri="{BB962C8B-B14F-4D97-AF65-F5344CB8AC3E}">
+        <p14:creationId xmlns:p14="http://schemas.microsoft.com/office/powerpoint/2010/main" val="2760546178"/>
+      </p:ext>
+    </p:extLst>
   </p:cSld>
   <p:clrMapOvr>
     <a:masterClrMapping/>
@@ -6468,7 +7242,7 @@
 </p:sld>
 </file>
 
-<file path=ppt/slides/slide17.xml><?xml version="1.0" encoding="utf-8"?>
+<file path=ppt/slides/slide19.xml><?xml version="1.0" encoding="utf-8"?>
 <p:sld xmlns:a="http://schemas.openxmlformats.org/drawingml/2006/main" xmlns:r="http://schemas.openxmlformats.org/officeDocument/2006/relationships" xmlns:p="http://schemas.openxmlformats.org/presentationml/2006/main">
   <p:cSld>
     <p:spTree>
@@ -6487,7 +7261,13 @@
       </p:grpSpPr>
       <p:sp>
         <p:nvSpPr>
-          <p:cNvPr id="2" name="Заголовок 1"/>
+          <p:cNvPr id="2" name="Заголовок 1">
+            <a:extLst>
+              <a:ext uri="{FF2B5EF4-FFF2-40B4-BE49-F238E27FC236}">
+                <a16:creationId xmlns:a16="http://schemas.microsoft.com/office/drawing/2014/main" id="{0AB20D01-14CE-4A86-95DB-1BF9E6A2267F}"/>
+              </a:ext>
+            </a:extLst>
+          </p:cNvPr>
           <p:cNvSpPr>
             <a:spLocks noGrp="1"/>
           </p:cNvSpPr>
@@ -6502,14 +7282,20 @@
           <a:p>
             <a:r>
               <a:rPr lang="ru-RU" dirty="0"/>
-              <a:t>Заключение и План работ</a:t>
-            </a:r>
-          </a:p>
-        </p:txBody>
-      </p:sp>
-      <p:sp>
-        <p:nvSpPr>
-          <p:cNvPr id="3" name="Номер слайда 2"/>
+              <a:t>Результаты обучения</a:t>
+            </a:r>
+          </a:p>
+        </p:txBody>
+      </p:sp>
+      <p:sp>
+        <p:nvSpPr>
+          <p:cNvPr id="3" name="Номер слайда 2">
+            <a:extLst>
+              <a:ext uri="{FF2B5EF4-FFF2-40B4-BE49-F238E27FC236}">
+                <a16:creationId xmlns:a16="http://schemas.microsoft.com/office/drawing/2014/main" id="{443416CE-CDBF-46B6-9DA6-BD41C98C55FC}"/>
+              </a:ext>
+            </a:extLst>
+          </p:cNvPr>
           <p:cNvSpPr>
             <a:spLocks noGrp="1"/>
           </p:cNvSpPr>
@@ -6525,7 +7311,7 @@
             <a:fld id="{B19B0651-EE4F-4900-A07F-96A6BFA9D0F0}" type="slidenum">
               <a:rPr lang="ru-RU" smtClean="0"/>
               <a:pPr/>
-              <a:t>17</a:t>
+              <a:t>19</a:t>
             </a:fld>
             <a:endParaRPr lang="ru-RU"/>
           </a:p>
@@ -6533,7 +7319,13 @@
       </p:sp>
       <p:sp>
         <p:nvSpPr>
-          <p:cNvPr id="4" name="Объект 3"/>
+          <p:cNvPr id="4" name="Объект 3">
+            <a:extLst>
+              <a:ext uri="{FF2B5EF4-FFF2-40B4-BE49-F238E27FC236}">
+                <a16:creationId xmlns:a16="http://schemas.microsoft.com/office/drawing/2014/main" id="{8C20E4AF-349C-40D4-9F51-970ACD835B80}"/>
+              </a:ext>
+            </a:extLst>
+          </p:cNvPr>
           <p:cNvSpPr>
             <a:spLocks noGrp="1"/>
           </p:cNvSpPr>
@@ -6543,97 +7335,99 @@
         </p:nvSpPr>
         <p:spPr/>
         <p:txBody>
-          <a:bodyPr>
-            <a:normAutofit/>
-          </a:bodyPr>
-          <a:lstStyle/>
-          <a:p>
-            <a:r>
-              <a:rPr lang="ru-RU" dirty="0"/>
-              <a:t>Были опробованы разные варианты </a:t>
-            </a:r>
-            <a:r>
-              <a:rPr lang="ru-RU" dirty="0" err="1"/>
-              <a:t>автокодеров</a:t>
-            </a:r>
-            <a:endParaRPr lang="ru-RU" dirty="0"/>
-          </a:p>
-          <a:p>
-            <a:r>
-              <a:rPr lang="ru-RU" dirty="0"/>
-              <a:t>Декодер был успешно внедрен в ГСС</a:t>
-            </a:r>
-          </a:p>
-          <a:p>
-            <a:r>
-              <a:rPr lang="ru-RU" dirty="0"/>
-              <a:t>План работы на будущее</a:t>
-            </a:r>
-          </a:p>
-          <a:p>
-            <a:pPr lvl="1" algn="just"/>
-            <a:r>
-              <a:rPr lang="ru-RU" dirty="0"/>
-              <a:t>Использовать метрики (например </a:t>
-            </a:r>
+          <a:bodyPr/>
+          <a:lstStyle/>
+          <a:p>
             <a:r>
               <a:rPr lang="en-US" dirty="0"/>
-              <a:t>MMD, FID) </a:t>
-            </a:r>
-            <a:r>
-              <a:rPr lang="ru-RU" dirty="0"/>
-              <a:t>для проверки «качества» выходных изображений, так как на данный момент «валидация» осуществляется «на глаз»</a:t>
-            </a:r>
-          </a:p>
-          <a:p>
-            <a:pPr lvl="1" algn="just"/>
-            <a:r>
-              <a:rPr lang="ru-RU" dirty="0"/>
-              <a:t>Разобраться с </a:t>
-            </a:r>
-            <a:r>
-              <a:rPr lang="en-US" dirty="0"/>
-              <a:t>WAE, CWAE, WGAN</a:t>
-            </a:r>
-            <a:endParaRPr lang="ru-RU" dirty="0"/>
-          </a:p>
-          <a:p>
-            <a:pPr lvl="1" algn="just"/>
-            <a:r>
-              <a:rPr lang="ru-RU" dirty="0"/>
-              <a:t>Попробовать комбинации </a:t>
-            </a:r>
-            <a:r>
-              <a:rPr lang="en-US" dirty="0"/>
-              <a:t>WAE + WGAN, CWAE + CWGAN, </a:t>
-            </a:r>
-            <a:r>
-              <a:rPr lang="ru-RU" dirty="0"/>
-              <a:t>сравнить их</a:t>
-            </a:r>
-          </a:p>
-          <a:p>
-            <a:pPr lvl="1" algn="just"/>
-            <a:r>
-              <a:rPr lang="ru-RU" dirty="0"/>
-              <a:t>Собрать статистику по обучению </a:t>
-            </a:r>
-            <a:r>
-              <a:rPr lang="ru-RU" dirty="0" err="1"/>
-              <a:t>автокодеров</a:t>
-            </a:r>
-            <a:r>
-              <a:rPr lang="ru-RU" dirty="0"/>
-              <a:t>/ГСС</a:t>
-            </a:r>
-            <a:endParaRPr lang="en-US" dirty="0"/>
-          </a:p>
-        </p:txBody>
-      </p:sp>
+              <a:t>Sliced Wasserstein Autoencoder (SWAE)</a:t>
+            </a:r>
+          </a:p>
+          <a:p>
+            <a:pPr lvl="1"/>
+            <a:r>
+              <a:rPr lang="ru-RU" dirty="0"/>
+              <a:t>Размерность скрытого пространства - 100</a:t>
+            </a:r>
+          </a:p>
+        </p:txBody>
+      </p:sp>
+      <p:pic>
+        <p:nvPicPr>
+          <p:cNvPr id="6" name="Рисунок 5" descr="Изображение выглядит как клавиатура, сидит, белый, компьютер&#10;&#10;Автоматически созданное описание">
+            <a:extLst>
+              <a:ext uri="{FF2B5EF4-FFF2-40B4-BE49-F238E27FC236}">
+                <a16:creationId xmlns:a16="http://schemas.microsoft.com/office/drawing/2014/main" id="{4DE05CE6-5115-4D86-8602-86AE1D1F9CA0}"/>
+              </a:ext>
+            </a:extLst>
+          </p:cNvPr>
+          <p:cNvPicPr>
+            <a:picLocks noChangeAspect="1"/>
+          </p:cNvPicPr>
+          <p:nvPr/>
+        </p:nvPicPr>
+        <p:blipFill>
+          <a:blip r:embed="rId2" cstate="print">
+            <a:extLst>
+              <a:ext uri="{28A0092B-C50C-407E-A947-70E740481C1C}">
+                <a14:useLocalDpi xmlns:a14="http://schemas.microsoft.com/office/drawing/2010/main" val="0"/>
+              </a:ext>
+            </a:extLst>
+          </a:blip>
+          <a:stretch>
+            <a:fillRect/>
+          </a:stretch>
+        </p:blipFill>
+        <p:spPr>
+          <a:xfrm>
+            <a:off x="677846" y="2132856"/>
+            <a:ext cx="3899734" cy="3899734"/>
+          </a:xfrm>
+          <a:prstGeom prst="rect">
+            <a:avLst/>
+          </a:prstGeom>
+        </p:spPr>
+      </p:pic>
+      <p:pic>
+        <p:nvPicPr>
+          <p:cNvPr id="8" name="Рисунок 7" descr="Изображение выглядит как птица&#10;&#10;Автоматически созданное описание">
+            <a:extLst>
+              <a:ext uri="{FF2B5EF4-FFF2-40B4-BE49-F238E27FC236}">
+                <a16:creationId xmlns:a16="http://schemas.microsoft.com/office/drawing/2014/main" id="{6EA491D2-CCF3-4EAC-AF4B-3C2345477B4C}"/>
+              </a:ext>
+            </a:extLst>
+          </p:cNvPr>
+          <p:cNvPicPr>
+            <a:picLocks noChangeAspect="1"/>
+          </p:cNvPicPr>
+          <p:nvPr/>
+        </p:nvPicPr>
+        <p:blipFill>
+          <a:blip r:embed="rId3">
+            <a:extLst>
+              <a:ext uri="{28A0092B-C50C-407E-A947-70E740481C1C}">
+                <a14:useLocalDpi xmlns:a14="http://schemas.microsoft.com/office/drawing/2010/main" val="0"/>
+              </a:ext>
+            </a:extLst>
+          </a:blip>
+          <a:stretch>
+            <a:fillRect/>
+          </a:stretch>
+        </p:blipFill>
+        <p:spPr>
+          <a:xfrm>
+            <a:off x="4572000" y="2090102"/>
+            <a:ext cx="4064296" cy="3985242"/>
+          </a:xfrm>
+          <a:prstGeom prst="rect">
+            <a:avLst/>
+          </a:prstGeom>
+        </p:spPr>
+      </p:pic>
     </p:spTree>
     <p:extLst>
       <p:ext uri="{BB962C8B-B14F-4D97-AF65-F5344CB8AC3E}">
-        <p14:creationId xmlns:p14="http://schemas.microsoft.com/office/powerpoint/2010/main" val="1074246837"/>
+        <p14:creationId xmlns:p14="http://schemas.microsoft.com/office/powerpoint/2010/main" val="2611659872"/>
       </p:ext>
     </p:extLst>
   </p:cSld>
@@ -6778,6 +7572,1071 @@
     <p:extLst>
       <p:ext uri="{BB962C8B-B14F-4D97-AF65-F5344CB8AC3E}">
         <p14:creationId xmlns:p14="http://schemas.microsoft.com/office/powerpoint/2010/main" val="1681532095"/>
+      </p:ext>
+    </p:extLst>
+  </p:cSld>
+  <p:clrMapOvr>
+    <a:masterClrMapping/>
+  </p:clrMapOvr>
+</p:sld>
+</file>
+
+<file path=ppt/slides/slide20.xml><?xml version="1.0" encoding="utf-8"?>
+<p:sld xmlns:a="http://schemas.openxmlformats.org/drawingml/2006/main" xmlns:r="http://schemas.openxmlformats.org/officeDocument/2006/relationships" xmlns:p="http://schemas.openxmlformats.org/presentationml/2006/main">
+  <p:cSld>
+    <p:spTree>
+      <p:nvGrpSpPr>
+        <p:cNvPr id="1" name=""/>
+        <p:cNvGrpSpPr/>
+        <p:nvPr/>
+      </p:nvGrpSpPr>
+      <p:grpSpPr>
+        <a:xfrm>
+          <a:off x="0" y="0"/>
+          <a:ext cx="0" cy="0"/>
+          <a:chOff x="0" y="0"/>
+          <a:chExt cx="0" cy="0"/>
+        </a:xfrm>
+      </p:grpSpPr>
+      <p:sp>
+        <p:nvSpPr>
+          <p:cNvPr id="2" name="Заголовок 1">
+            <a:extLst>
+              <a:ext uri="{FF2B5EF4-FFF2-40B4-BE49-F238E27FC236}">
+                <a16:creationId xmlns:a16="http://schemas.microsoft.com/office/drawing/2014/main" id="{B28F9BAA-6460-45E6-8A97-791C8574BC2A}"/>
+              </a:ext>
+            </a:extLst>
+          </p:cNvPr>
+          <p:cNvSpPr>
+            <a:spLocks noGrp="1"/>
+          </p:cNvSpPr>
+          <p:nvPr>
+            <p:ph type="title"/>
+          </p:nvPr>
+        </p:nvSpPr>
+        <p:spPr/>
+        <p:txBody>
+          <a:bodyPr/>
+          <a:lstStyle/>
+          <a:p>
+            <a:r>
+              <a:rPr lang="ru-RU" dirty="0"/>
+              <a:t>Комбинация декодера и ГСС</a:t>
+            </a:r>
+          </a:p>
+        </p:txBody>
+      </p:sp>
+      <p:sp>
+        <p:nvSpPr>
+          <p:cNvPr id="3" name="Номер слайда 2">
+            <a:extLst>
+              <a:ext uri="{FF2B5EF4-FFF2-40B4-BE49-F238E27FC236}">
+                <a16:creationId xmlns:a16="http://schemas.microsoft.com/office/drawing/2014/main" id="{C8DC7E43-D7B7-45F7-ABC4-4DED44B0B412}"/>
+              </a:ext>
+            </a:extLst>
+          </p:cNvPr>
+          <p:cNvSpPr>
+            <a:spLocks noGrp="1"/>
+          </p:cNvSpPr>
+          <p:nvPr>
+            <p:ph type="sldNum" sz="quarter" idx="12"/>
+          </p:nvPr>
+        </p:nvSpPr>
+        <p:spPr/>
+        <p:txBody>
+          <a:bodyPr/>
+          <a:lstStyle/>
+          <a:p>
+            <a:fld id="{B19B0651-EE4F-4900-A07F-96A6BFA9D0F0}" type="slidenum">
+              <a:rPr lang="ru-RU" smtClean="0"/>
+              <a:pPr/>
+              <a:t>20</a:t>
+            </a:fld>
+            <a:endParaRPr lang="ru-RU"/>
+          </a:p>
+        </p:txBody>
+      </p:sp>
+      <p:sp>
+        <p:nvSpPr>
+          <p:cNvPr id="4" name="Объект 3">
+            <a:extLst>
+              <a:ext uri="{FF2B5EF4-FFF2-40B4-BE49-F238E27FC236}">
+                <a16:creationId xmlns:a16="http://schemas.microsoft.com/office/drawing/2014/main" id="{1562EC21-8F26-44CF-AED4-4D50496FF80D}"/>
+              </a:ext>
+            </a:extLst>
+          </p:cNvPr>
+          <p:cNvSpPr>
+            <a:spLocks noGrp="1"/>
+          </p:cNvSpPr>
+          <p:nvPr>
+            <p:ph sz="quarter" idx="1"/>
+          </p:nvPr>
+        </p:nvSpPr>
+        <p:spPr/>
+        <p:txBody>
+          <a:bodyPr/>
+          <a:lstStyle/>
+          <a:p>
+            <a:pPr algn="just"/>
+            <a:r>
+              <a:rPr lang="ru-RU" dirty="0"/>
+              <a:t>Основная идея – использовать </a:t>
+            </a:r>
+            <a:r>
+              <a:rPr lang="ru-RU" dirty="0" err="1"/>
+              <a:t>предобученный</a:t>
+            </a:r>
+            <a:r>
+              <a:rPr lang="ru-RU" dirty="0"/>
+              <a:t> декодер как генератор в ГСС.</a:t>
+            </a:r>
+          </a:p>
+          <a:p>
+            <a:pPr algn="just"/>
+            <a:r>
+              <a:rPr lang="ru-RU" dirty="0"/>
+              <a:t>Рассмотренные ГСС:</a:t>
+            </a:r>
+          </a:p>
+          <a:p>
+            <a:pPr lvl="1" algn="just"/>
+            <a:r>
+              <a:rPr lang="ru-RU" dirty="0"/>
+              <a:t>Глубокая </a:t>
+            </a:r>
+            <a:r>
+              <a:rPr lang="ru-RU" dirty="0" err="1"/>
+              <a:t>сверточная</a:t>
+            </a:r>
+            <a:r>
+              <a:rPr lang="ru-RU" dirty="0"/>
+              <a:t> ГСС (</a:t>
+            </a:r>
+            <a:r>
+              <a:rPr lang="en-US" dirty="0"/>
+              <a:t>DCGAN)</a:t>
+            </a:r>
+          </a:p>
+          <a:p>
+            <a:pPr lvl="1" algn="just"/>
+            <a:r>
+              <a:rPr lang="ru-RU" dirty="0"/>
+              <a:t>Улучшенная версия </a:t>
+            </a:r>
+            <a:r>
+              <a:rPr lang="ru-RU" dirty="0" err="1"/>
+              <a:t>Вассерштейн</a:t>
+            </a:r>
+            <a:r>
+              <a:rPr lang="ru-RU" dirty="0"/>
+              <a:t> ГСС (</a:t>
+            </a:r>
+            <a:r>
+              <a:rPr lang="en-US" dirty="0"/>
+              <a:t>WGAN-GP)</a:t>
+            </a:r>
+            <a:endParaRPr lang="ru-RU" dirty="0"/>
+          </a:p>
+        </p:txBody>
+      </p:sp>
+    </p:spTree>
+    <p:extLst>
+      <p:ext uri="{BB962C8B-B14F-4D97-AF65-F5344CB8AC3E}">
+        <p14:creationId xmlns:p14="http://schemas.microsoft.com/office/powerpoint/2010/main" val="1512366969"/>
+      </p:ext>
+    </p:extLst>
+  </p:cSld>
+  <p:clrMapOvr>
+    <a:masterClrMapping/>
+  </p:clrMapOvr>
+</p:sld>
+</file>
+
+<file path=ppt/slides/slide21.xml><?xml version="1.0" encoding="utf-8"?>
+<p:sld xmlns:a="http://schemas.openxmlformats.org/drawingml/2006/main" xmlns:r="http://schemas.openxmlformats.org/officeDocument/2006/relationships" xmlns:p="http://schemas.openxmlformats.org/presentationml/2006/main">
+  <p:cSld>
+    <p:spTree>
+      <p:nvGrpSpPr>
+        <p:cNvPr id="1" name=""/>
+        <p:cNvGrpSpPr/>
+        <p:nvPr/>
+      </p:nvGrpSpPr>
+      <p:grpSpPr>
+        <a:xfrm>
+          <a:off x="0" y="0"/>
+          <a:ext cx="0" cy="0"/>
+          <a:chOff x="0" y="0"/>
+          <a:chExt cx="0" cy="0"/>
+        </a:xfrm>
+      </p:grpSpPr>
+      <p:sp>
+        <p:nvSpPr>
+          <p:cNvPr id="2" name="Заголовок 1">
+            <a:extLst>
+              <a:ext uri="{FF2B5EF4-FFF2-40B4-BE49-F238E27FC236}">
+                <a16:creationId xmlns:a16="http://schemas.microsoft.com/office/drawing/2014/main" id="{6D8E493B-BA62-4522-B5F8-9C3FEEF558A0}"/>
+              </a:ext>
+            </a:extLst>
+          </p:cNvPr>
+          <p:cNvSpPr>
+            <a:spLocks noGrp="1"/>
+          </p:cNvSpPr>
+          <p:nvPr>
+            <p:ph type="title"/>
+          </p:nvPr>
+        </p:nvSpPr>
+        <p:spPr/>
+        <p:txBody>
+          <a:bodyPr/>
+          <a:lstStyle/>
+          <a:p>
+            <a:r>
+              <a:rPr lang="en-US" dirty="0"/>
+              <a:t>WGAN-GP</a:t>
+            </a:r>
+            <a:endParaRPr lang="ru-RU" dirty="0"/>
+          </a:p>
+        </p:txBody>
+      </p:sp>
+      <p:sp>
+        <p:nvSpPr>
+          <p:cNvPr id="3" name="Номер слайда 2">
+            <a:extLst>
+              <a:ext uri="{FF2B5EF4-FFF2-40B4-BE49-F238E27FC236}">
+                <a16:creationId xmlns:a16="http://schemas.microsoft.com/office/drawing/2014/main" id="{F1BDAE38-6DAC-42A0-90D2-C89BCFA8F54C}"/>
+              </a:ext>
+            </a:extLst>
+          </p:cNvPr>
+          <p:cNvSpPr>
+            <a:spLocks noGrp="1"/>
+          </p:cNvSpPr>
+          <p:nvPr>
+            <p:ph type="sldNum" sz="quarter" idx="12"/>
+          </p:nvPr>
+        </p:nvSpPr>
+        <p:spPr/>
+        <p:txBody>
+          <a:bodyPr/>
+          <a:lstStyle/>
+          <a:p>
+            <a:fld id="{B19B0651-EE4F-4900-A07F-96A6BFA9D0F0}" type="slidenum">
+              <a:rPr lang="ru-RU" smtClean="0"/>
+              <a:pPr/>
+              <a:t>21</a:t>
+            </a:fld>
+            <a:endParaRPr lang="ru-RU"/>
+          </a:p>
+        </p:txBody>
+      </p:sp>
+      <p:sp>
+        <p:nvSpPr>
+          <p:cNvPr id="4" name="Объект 3">
+            <a:extLst>
+              <a:ext uri="{FF2B5EF4-FFF2-40B4-BE49-F238E27FC236}">
+                <a16:creationId xmlns:a16="http://schemas.microsoft.com/office/drawing/2014/main" id="{6BB0B705-974B-43E4-92B9-4A9839C9D029}"/>
+              </a:ext>
+            </a:extLst>
+          </p:cNvPr>
+          <p:cNvSpPr>
+            <a:spLocks noGrp="1"/>
+          </p:cNvSpPr>
+          <p:nvPr>
+            <p:ph sz="quarter" idx="1"/>
+          </p:nvPr>
+        </p:nvSpPr>
+        <p:spPr/>
+        <p:txBody>
+          <a:bodyPr/>
+          <a:lstStyle/>
+          <a:p>
+            <a:r>
+              <a:rPr lang="ru-RU" dirty="0" err="1"/>
+              <a:t>Гиперпараметры</a:t>
+            </a:r>
+            <a:r>
+              <a:rPr lang="ru-RU" dirty="0"/>
+              <a:t> обучения:</a:t>
+            </a:r>
+          </a:p>
+          <a:p>
+            <a:pPr lvl="1"/>
+            <a:r>
+              <a:rPr lang="ru-RU" dirty="0"/>
+              <a:t>Количество эпох обучения – 100</a:t>
+            </a:r>
+          </a:p>
+          <a:p>
+            <a:pPr lvl="1"/>
+            <a:r>
+              <a:rPr lang="ru-RU" dirty="0"/>
+              <a:t>Размерность скрытого пространства – 100</a:t>
+            </a:r>
+          </a:p>
+        </p:txBody>
+      </p:sp>
+      <p:pic>
+        <p:nvPicPr>
+          <p:cNvPr id="6" name="Рисунок 5" descr="Изображение выглядит как белый, клавиатура, стол, сторона&#10;&#10;Автоматически созданное описание">
+            <a:extLst>
+              <a:ext uri="{FF2B5EF4-FFF2-40B4-BE49-F238E27FC236}">
+                <a16:creationId xmlns:a16="http://schemas.microsoft.com/office/drawing/2014/main" id="{2356BF54-E229-4326-8AD9-16602E4482A6}"/>
+              </a:ext>
+            </a:extLst>
+          </p:cNvPr>
+          <p:cNvPicPr>
+            <a:picLocks noChangeAspect="1"/>
+          </p:cNvPicPr>
+          <p:nvPr/>
+        </p:nvPicPr>
+        <p:blipFill>
+          <a:blip r:embed="rId2" cstate="print">
+            <a:extLst>
+              <a:ext uri="{28A0092B-C50C-407E-A947-70E740481C1C}">
+                <a14:useLocalDpi xmlns:a14="http://schemas.microsoft.com/office/drawing/2010/main" val="0"/>
+              </a:ext>
+            </a:extLst>
+          </a:blip>
+          <a:stretch>
+            <a:fillRect/>
+          </a:stretch>
+        </p:blipFill>
+        <p:spPr>
+          <a:xfrm>
+            <a:off x="2593848" y="2528788"/>
+            <a:ext cx="3628172" cy="3628172"/>
+          </a:xfrm>
+          <a:prstGeom prst="rect">
+            <a:avLst/>
+          </a:prstGeom>
+        </p:spPr>
+      </p:pic>
+    </p:spTree>
+    <p:extLst>
+      <p:ext uri="{BB962C8B-B14F-4D97-AF65-F5344CB8AC3E}">
+        <p14:creationId xmlns:p14="http://schemas.microsoft.com/office/powerpoint/2010/main" val="1293365252"/>
+      </p:ext>
+    </p:extLst>
+  </p:cSld>
+  <p:clrMapOvr>
+    <a:masterClrMapping/>
+  </p:clrMapOvr>
+</p:sld>
+</file>
+
+<file path=ppt/slides/slide22.xml><?xml version="1.0" encoding="utf-8"?>
+<p:sld xmlns:a="http://schemas.openxmlformats.org/drawingml/2006/main" xmlns:r="http://schemas.openxmlformats.org/officeDocument/2006/relationships" xmlns:p="http://schemas.openxmlformats.org/presentationml/2006/main">
+  <p:cSld>
+    <p:spTree>
+      <p:nvGrpSpPr>
+        <p:cNvPr id="1" name=""/>
+        <p:cNvGrpSpPr/>
+        <p:nvPr/>
+      </p:nvGrpSpPr>
+      <p:grpSpPr>
+        <a:xfrm>
+          <a:off x="0" y="0"/>
+          <a:ext cx="0" cy="0"/>
+          <a:chOff x="0" y="0"/>
+          <a:chExt cx="0" cy="0"/>
+        </a:xfrm>
+      </p:grpSpPr>
+      <p:sp>
+        <p:nvSpPr>
+          <p:cNvPr id="2" name="Заголовок 1">
+            <a:extLst>
+              <a:ext uri="{FF2B5EF4-FFF2-40B4-BE49-F238E27FC236}">
+                <a16:creationId xmlns:a16="http://schemas.microsoft.com/office/drawing/2014/main" id="{E14F121B-4F72-4AF6-9D77-4ACEBE8F25FB}"/>
+              </a:ext>
+            </a:extLst>
+          </p:cNvPr>
+          <p:cNvSpPr>
+            <a:spLocks noGrp="1"/>
+          </p:cNvSpPr>
+          <p:nvPr>
+            <p:ph type="title"/>
+          </p:nvPr>
+        </p:nvSpPr>
+        <p:spPr/>
+        <p:txBody>
+          <a:bodyPr/>
+          <a:lstStyle/>
+          <a:p>
+            <a:r>
+              <a:rPr lang="en-US" dirty="0"/>
+              <a:t>WGAN-GP</a:t>
+            </a:r>
+            <a:endParaRPr lang="ru-RU" dirty="0"/>
+          </a:p>
+        </p:txBody>
+      </p:sp>
+      <p:sp>
+        <p:nvSpPr>
+          <p:cNvPr id="3" name="Номер слайда 2">
+            <a:extLst>
+              <a:ext uri="{FF2B5EF4-FFF2-40B4-BE49-F238E27FC236}">
+                <a16:creationId xmlns:a16="http://schemas.microsoft.com/office/drawing/2014/main" id="{A614470B-47F7-4178-BD08-2D62E8939083}"/>
+              </a:ext>
+            </a:extLst>
+          </p:cNvPr>
+          <p:cNvSpPr>
+            <a:spLocks noGrp="1"/>
+          </p:cNvSpPr>
+          <p:nvPr>
+            <p:ph type="sldNum" sz="quarter" idx="12"/>
+          </p:nvPr>
+        </p:nvSpPr>
+        <p:spPr/>
+        <p:txBody>
+          <a:bodyPr/>
+          <a:lstStyle/>
+          <a:p>
+            <a:fld id="{B19B0651-EE4F-4900-A07F-96A6BFA9D0F0}" type="slidenum">
+              <a:rPr lang="ru-RU" smtClean="0"/>
+              <a:pPr/>
+              <a:t>22</a:t>
+            </a:fld>
+            <a:endParaRPr lang="ru-RU"/>
+          </a:p>
+        </p:txBody>
+      </p:sp>
+      <p:sp>
+        <p:nvSpPr>
+          <p:cNvPr id="4" name="Объект 3">
+            <a:extLst>
+              <a:ext uri="{FF2B5EF4-FFF2-40B4-BE49-F238E27FC236}">
+                <a16:creationId xmlns:a16="http://schemas.microsoft.com/office/drawing/2014/main" id="{ED5C85A9-A8E0-46CB-BDAB-068337E5656E}"/>
+              </a:ext>
+            </a:extLst>
+          </p:cNvPr>
+          <p:cNvSpPr>
+            <a:spLocks noGrp="1"/>
+          </p:cNvSpPr>
+          <p:nvPr>
+            <p:ph sz="quarter" idx="1"/>
+          </p:nvPr>
+        </p:nvSpPr>
+        <p:spPr/>
+        <p:txBody>
+          <a:bodyPr/>
+          <a:lstStyle/>
+          <a:p>
+            <a:pPr algn="just"/>
+            <a:r>
+              <a:rPr lang="ru-RU" dirty="0"/>
+              <a:t>Графики функций потерь генератора и дискриминатора (слева направо)</a:t>
+            </a:r>
+          </a:p>
+        </p:txBody>
+      </p:sp>
+      <p:pic>
+        <p:nvPicPr>
+          <p:cNvPr id="6" name="Рисунок 5">
+            <a:extLst>
+              <a:ext uri="{FF2B5EF4-FFF2-40B4-BE49-F238E27FC236}">
+                <a16:creationId xmlns:a16="http://schemas.microsoft.com/office/drawing/2014/main" id="{ECFE7461-FE70-424C-8E69-8335E8E668E1}"/>
+              </a:ext>
+            </a:extLst>
+          </p:cNvPr>
+          <p:cNvPicPr>
+            <a:picLocks noChangeAspect="1"/>
+          </p:cNvPicPr>
+          <p:nvPr/>
+        </p:nvPicPr>
+        <p:blipFill>
+          <a:blip r:embed="rId2">
+            <a:extLst>
+              <a:ext uri="{28A0092B-C50C-407E-A947-70E740481C1C}">
+                <a14:useLocalDpi xmlns:a14="http://schemas.microsoft.com/office/drawing/2010/main" val="0"/>
+              </a:ext>
+            </a:extLst>
+          </a:blip>
+          <a:stretch>
+            <a:fillRect/>
+          </a:stretch>
+        </p:blipFill>
+        <p:spPr>
+          <a:xfrm>
+            <a:off x="488480" y="2187967"/>
+            <a:ext cx="4171722" cy="4015102"/>
+          </a:xfrm>
+          <a:prstGeom prst="rect">
+            <a:avLst/>
+          </a:prstGeom>
+        </p:spPr>
+      </p:pic>
+      <p:pic>
+        <p:nvPicPr>
+          <p:cNvPr id="8" name="Рисунок 7" descr="Изображение выглядит как снимок экрана, птица&#10;&#10;Автоматически созданное описание">
+            <a:extLst>
+              <a:ext uri="{FF2B5EF4-FFF2-40B4-BE49-F238E27FC236}">
+                <a16:creationId xmlns:a16="http://schemas.microsoft.com/office/drawing/2014/main" id="{B4C398BB-E7BC-4A22-9FD2-D9C336E3E51D}"/>
+              </a:ext>
+            </a:extLst>
+          </p:cNvPr>
+          <p:cNvPicPr>
+            <a:picLocks noChangeAspect="1"/>
+          </p:cNvPicPr>
+          <p:nvPr/>
+        </p:nvPicPr>
+        <p:blipFill>
+          <a:blip r:embed="rId3">
+            <a:extLst>
+              <a:ext uri="{28A0092B-C50C-407E-A947-70E740481C1C}">
+                <a14:useLocalDpi xmlns:a14="http://schemas.microsoft.com/office/drawing/2010/main" val="0"/>
+              </a:ext>
+            </a:extLst>
+          </a:blip>
+          <a:stretch>
+            <a:fillRect/>
+          </a:stretch>
+        </p:blipFill>
+        <p:spPr>
+          <a:xfrm>
+            <a:off x="4660202" y="2191706"/>
+            <a:ext cx="4176466" cy="4015102"/>
+          </a:xfrm>
+          <a:prstGeom prst="rect">
+            <a:avLst/>
+          </a:prstGeom>
+        </p:spPr>
+      </p:pic>
+    </p:spTree>
+    <p:extLst>
+      <p:ext uri="{BB962C8B-B14F-4D97-AF65-F5344CB8AC3E}">
+        <p14:creationId xmlns:p14="http://schemas.microsoft.com/office/powerpoint/2010/main" val="844442544"/>
+      </p:ext>
+    </p:extLst>
+  </p:cSld>
+  <p:clrMapOvr>
+    <a:masterClrMapping/>
+  </p:clrMapOvr>
+</p:sld>
+</file>
+
+<file path=ppt/slides/slide23.xml><?xml version="1.0" encoding="utf-8"?>
+<p:sld xmlns:a="http://schemas.openxmlformats.org/drawingml/2006/main" xmlns:r="http://schemas.openxmlformats.org/officeDocument/2006/relationships" xmlns:p="http://schemas.openxmlformats.org/presentationml/2006/main">
+  <p:cSld>
+    <p:spTree>
+      <p:nvGrpSpPr>
+        <p:cNvPr id="1" name=""/>
+        <p:cNvGrpSpPr/>
+        <p:nvPr/>
+      </p:nvGrpSpPr>
+      <p:grpSpPr>
+        <a:xfrm>
+          <a:off x="0" y="0"/>
+          <a:ext cx="0" cy="0"/>
+          <a:chOff x="0" y="0"/>
+          <a:chExt cx="0" cy="0"/>
+        </a:xfrm>
+      </p:grpSpPr>
+      <p:sp>
+        <p:nvSpPr>
+          <p:cNvPr id="2" name="Заголовок 1"/>
+          <p:cNvSpPr>
+            <a:spLocks noGrp="1"/>
+          </p:cNvSpPr>
+          <p:nvPr>
+            <p:ph type="title"/>
+          </p:nvPr>
+        </p:nvSpPr>
+        <p:spPr/>
+        <p:txBody>
+          <a:bodyPr>
+            <a:normAutofit fontScale="90000"/>
+          </a:bodyPr>
+          <a:lstStyle/>
+          <a:p>
+            <a:r>
+              <a:rPr lang="ru-RU" dirty="0"/>
+              <a:t>Результат обучения комбинации декодера </a:t>
+            </a:r>
+            <a:r>
+              <a:rPr lang="en-US" dirty="0"/>
+              <a:t>CVAE </a:t>
+            </a:r>
+            <a:r>
+              <a:rPr lang="ru-RU" dirty="0"/>
+              <a:t>и </a:t>
+            </a:r>
+            <a:r>
+              <a:rPr lang="en-US" dirty="0"/>
+              <a:t>DCGAN</a:t>
+            </a:r>
+            <a:endParaRPr lang="ru-RU" dirty="0"/>
+          </a:p>
+        </p:txBody>
+      </p:sp>
+      <p:sp>
+        <p:nvSpPr>
+          <p:cNvPr id="3" name="Номер слайда 2"/>
+          <p:cNvSpPr>
+            <a:spLocks noGrp="1"/>
+          </p:cNvSpPr>
+          <p:nvPr>
+            <p:ph type="sldNum" sz="quarter" idx="12"/>
+          </p:nvPr>
+        </p:nvSpPr>
+        <p:spPr/>
+        <p:txBody>
+          <a:bodyPr/>
+          <a:lstStyle/>
+          <a:p>
+            <a:fld id="{B19B0651-EE4F-4900-A07F-96A6BFA9D0F0}" type="slidenum">
+              <a:rPr lang="ru-RU" smtClean="0"/>
+              <a:pPr/>
+              <a:t>23</a:t>
+            </a:fld>
+            <a:endParaRPr lang="ru-RU"/>
+          </a:p>
+        </p:txBody>
+      </p:sp>
+      <p:pic>
+        <p:nvPicPr>
+          <p:cNvPr id="5" name="Рисунок 4" descr="Изображение выглядит как клавиатура&#10;&#10;Автоматически созданное описание">
+            <a:extLst>
+              <a:ext uri="{FF2B5EF4-FFF2-40B4-BE49-F238E27FC236}">
+                <a16:creationId xmlns:a16="http://schemas.microsoft.com/office/drawing/2014/main" id="{7112F075-DAF8-4063-9382-8829CF1DC04A}"/>
+              </a:ext>
+            </a:extLst>
+          </p:cNvPr>
+          <p:cNvPicPr>
+            <a:picLocks noChangeAspect="1"/>
+          </p:cNvPicPr>
+          <p:nvPr/>
+        </p:nvPicPr>
+        <p:blipFill>
+          <a:blip r:embed="rId2">
+            <a:extLst>
+              <a:ext uri="{28A0092B-C50C-407E-A947-70E740481C1C}">
+                <a14:useLocalDpi xmlns:a14="http://schemas.microsoft.com/office/drawing/2010/main" val="0"/>
+              </a:ext>
+            </a:extLst>
+          </a:blip>
+          <a:stretch>
+            <a:fillRect/>
+          </a:stretch>
+        </p:blipFill>
+        <p:spPr>
+          <a:xfrm>
+            <a:off x="593076" y="1301403"/>
+            <a:ext cx="4896544" cy="4896544"/>
+          </a:xfrm>
+          <a:prstGeom prst="rect">
+            <a:avLst/>
+          </a:prstGeom>
+        </p:spPr>
+      </p:pic>
+      <p:sp>
+        <p:nvSpPr>
+          <p:cNvPr id="4" name="TextBox 3">
+            <a:extLst>
+              <a:ext uri="{FF2B5EF4-FFF2-40B4-BE49-F238E27FC236}">
+                <a16:creationId xmlns:a16="http://schemas.microsoft.com/office/drawing/2014/main" id="{83FD55F3-B9C7-45A5-BFF2-954C1B82496A}"/>
+              </a:ext>
+            </a:extLst>
+          </p:cNvPr>
+          <p:cNvSpPr txBox="1"/>
+          <p:nvPr/>
+        </p:nvSpPr>
+        <p:spPr>
+          <a:xfrm>
+            <a:off x="5652120" y="1301403"/>
+            <a:ext cx="3034680" cy="1200329"/>
+          </a:xfrm>
+          <a:prstGeom prst="rect">
+            <a:avLst/>
+          </a:prstGeom>
+          <a:noFill/>
+        </p:spPr>
+        <p:txBody>
+          <a:bodyPr wrap="square" rtlCol="0">
+            <a:spAutoFit/>
+          </a:bodyPr>
+          <a:lstStyle/>
+          <a:p>
+            <a:pPr marL="342900" indent="-342900">
+              <a:buFont typeface="Wingdings" panose="05000000000000000000" pitchFamily="2" charset="2"/>
+              <a:buChar char="Ø"/>
+            </a:pPr>
+            <a:r>
+              <a:rPr lang="ru-RU" dirty="0">
+                <a:latin typeface="Times New Roman" panose="02020603050405020304" pitchFamily="18" charset="0"/>
+                <a:cs typeface="Times New Roman" panose="02020603050405020304" pitchFamily="18" charset="0"/>
+              </a:rPr>
+              <a:t>Размерность скрытого пространства – 2</a:t>
+            </a:r>
+          </a:p>
+          <a:p>
+            <a:pPr marL="342900" indent="-342900">
+              <a:buFont typeface="Wingdings" panose="05000000000000000000" pitchFamily="2" charset="2"/>
+              <a:buChar char="Ø"/>
+            </a:pPr>
+            <a:r>
+              <a:rPr lang="ru-RU" dirty="0">
+                <a:latin typeface="Times New Roman" panose="02020603050405020304" pitchFamily="18" charset="0"/>
+                <a:cs typeface="Times New Roman" panose="02020603050405020304" pitchFamily="18" charset="0"/>
+              </a:rPr>
+              <a:t>Количество периодов обучения – 4000</a:t>
+            </a:r>
+          </a:p>
+        </p:txBody>
+      </p:sp>
+    </p:spTree>
+  </p:cSld>
+  <p:clrMapOvr>
+    <a:masterClrMapping/>
+  </p:clrMapOvr>
+</p:sld>
+</file>
+
+<file path=ppt/slides/slide24.xml><?xml version="1.0" encoding="utf-8"?>
+<p:sld xmlns:a="http://schemas.openxmlformats.org/drawingml/2006/main" xmlns:r="http://schemas.openxmlformats.org/officeDocument/2006/relationships" xmlns:p="http://schemas.openxmlformats.org/presentationml/2006/main">
+  <p:cSld>
+    <p:spTree>
+      <p:nvGrpSpPr>
+        <p:cNvPr id="1" name=""/>
+        <p:cNvGrpSpPr/>
+        <p:nvPr/>
+      </p:nvGrpSpPr>
+      <p:grpSpPr>
+        <a:xfrm>
+          <a:off x="0" y="0"/>
+          <a:ext cx="0" cy="0"/>
+          <a:chOff x="0" y="0"/>
+          <a:chExt cx="0" cy="0"/>
+        </a:xfrm>
+      </p:grpSpPr>
+      <p:sp>
+        <p:nvSpPr>
+          <p:cNvPr id="2" name="Заголовок 1">
+            <a:extLst>
+              <a:ext uri="{FF2B5EF4-FFF2-40B4-BE49-F238E27FC236}">
+                <a16:creationId xmlns:a16="http://schemas.microsoft.com/office/drawing/2014/main" id="{3D30BE2A-7C96-4E1E-BC19-483D90611E64}"/>
+              </a:ext>
+            </a:extLst>
+          </p:cNvPr>
+          <p:cNvSpPr>
+            <a:spLocks noGrp="1"/>
+          </p:cNvSpPr>
+          <p:nvPr>
+            <p:ph type="title"/>
+          </p:nvPr>
+        </p:nvSpPr>
+        <p:spPr/>
+        <p:txBody>
+          <a:bodyPr>
+            <a:normAutofit fontScale="90000"/>
+          </a:bodyPr>
+          <a:lstStyle/>
+          <a:p>
+            <a:r>
+              <a:rPr lang="ru-RU" dirty="0"/>
+              <a:t>Результат обучения комбинации декодера </a:t>
+            </a:r>
+            <a:r>
+              <a:rPr lang="en-US" dirty="0"/>
+              <a:t>CVAE </a:t>
+            </a:r>
+            <a:r>
+              <a:rPr lang="ru-RU" dirty="0"/>
+              <a:t>и </a:t>
+            </a:r>
+            <a:r>
+              <a:rPr lang="en-US" dirty="0"/>
+              <a:t>DCGAN</a:t>
+            </a:r>
+            <a:endParaRPr lang="ru-RU" dirty="0"/>
+          </a:p>
+        </p:txBody>
+      </p:sp>
+      <p:sp>
+        <p:nvSpPr>
+          <p:cNvPr id="3" name="Номер слайда 2">
+            <a:extLst>
+              <a:ext uri="{FF2B5EF4-FFF2-40B4-BE49-F238E27FC236}">
+                <a16:creationId xmlns:a16="http://schemas.microsoft.com/office/drawing/2014/main" id="{B2DCCF92-57E4-43A7-B148-904265C0C74E}"/>
+              </a:ext>
+            </a:extLst>
+          </p:cNvPr>
+          <p:cNvSpPr>
+            <a:spLocks noGrp="1"/>
+          </p:cNvSpPr>
+          <p:nvPr>
+            <p:ph type="sldNum" sz="quarter" idx="12"/>
+          </p:nvPr>
+        </p:nvSpPr>
+        <p:spPr/>
+        <p:txBody>
+          <a:bodyPr/>
+          <a:lstStyle/>
+          <a:p>
+            <a:fld id="{B19B0651-EE4F-4900-A07F-96A6BFA9D0F0}" type="slidenum">
+              <a:rPr lang="ru-RU" smtClean="0"/>
+              <a:pPr/>
+              <a:t>24</a:t>
+            </a:fld>
+            <a:endParaRPr lang="ru-RU"/>
+          </a:p>
+        </p:txBody>
+      </p:sp>
+      <p:pic>
+        <p:nvPicPr>
+          <p:cNvPr id="6" name="Объект 5" descr="Изображение выглядит как клавиатура, компьютер&#10;&#10;Автоматически созданное описание">
+            <a:extLst>
+              <a:ext uri="{FF2B5EF4-FFF2-40B4-BE49-F238E27FC236}">
+                <a16:creationId xmlns:a16="http://schemas.microsoft.com/office/drawing/2014/main" id="{EB7AD522-5F74-4471-B23E-D570EF993C70}"/>
+              </a:ext>
+            </a:extLst>
+          </p:cNvPr>
+          <p:cNvPicPr>
+            <a:picLocks noGrp="1" noChangeAspect="1"/>
+          </p:cNvPicPr>
+          <p:nvPr>
+            <p:ph sz="quarter" idx="1"/>
+          </p:nvPr>
+        </p:nvPicPr>
+        <p:blipFill>
+          <a:blip r:embed="rId2">
+            <a:extLst>
+              <a:ext uri="{28A0092B-C50C-407E-A947-70E740481C1C}">
+                <a14:useLocalDpi xmlns:a14="http://schemas.microsoft.com/office/drawing/2010/main" val="0"/>
+              </a:ext>
+            </a:extLst>
+          </a:blip>
+          <a:stretch>
+            <a:fillRect/>
+          </a:stretch>
+        </p:blipFill>
+        <p:spPr>
+          <a:xfrm>
+            <a:off x="570979" y="1281112"/>
+            <a:ext cx="4937125" cy="4937125"/>
+          </a:xfrm>
+        </p:spPr>
+      </p:pic>
+      <p:sp>
+        <p:nvSpPr>
+          <p:cNvPr id="7" name="TextBox 6">
+            <a:extLst>
+              <a:ext uri="{FF2B5EF4-FFF2-40B4-BE49-F238E27FC236}">
+                <a16:creationId xmlns:a16="http://schemas.microsoft.com/office/drawing/2014/main" id="{8AECDC75-9A1D-4B37-9C28-2D5641DBE703}"/>
+              </a:ext>
+            </a:extLst>
+          </p:cNvPr>
+          <p:cNvSpPr txBox="1"/>
+          <p:nvPr/>
+        </p:nvSpPr>
+        <p:spPr>
+          <a:xfrm>
+            <a:off x="5652120" y="1301403"/>
+            <a:ext cx="3034680" cy="1200329"/>
+          </a:xfrm>
+          <a:prstGeom prst="rect">
+            <a:avLst/>
+          </a:prstGeom>
+          <a:noFill/>
+        </p:spPr>
+        <p:txBody>
+          <a:bodyPr wrap="square" rtlCol="0">
+            <a:spAutoFit/>
+          </a:bodyPr>
+          <a:lstStyle/>
+          <a:p>
+            <a:pPr marL="342900" indent="-342900">
+              <a:buFont typeface="Wingdings" panose="05000000000000000000" pitchFamily="2" charset="2"/>
+              <a:buChar char="Ø"/>
+            </a:pPr>
+            <a:r>
+              <a:rPr lang="ru-RU" dirty="0">
+                <a:latin typeface="Times New Roman" panose="02020603050405020304" pitchFamily="18" charset="0"/>
+                <a:cs typeface="Times New Roman" panose="02020603050405020304" pitchFamily="18" charset="0"/>
+              </a:rPr>
+              <a:t>Размерность скрытого пространства – 49</a:t>
+            </a:r>
+          </a:p>
+          <a:p>
+            <a:pPr marL="342900" indent="-342900">
+              <a:buFont typeface="Wingdings" panose="05000000000000000000" pitchFamily="2" charset="2"/>
+              <a:buChar char="Ø"/>
+            </a:pPr>
+            <a:r>
+              <a:rPr lang="ru-RU" dirty="0">
+                <a:latin typeface="Times New Roman" panose="02020603050405020304" pitchFamily="18" charset="0"/>
+                <a:cs typeface="Times New Roman" panose="02020603050405020304" pitchFamily="18" charset="0"/>
+              </a:rPr>
+              <a:t>Количество периодов обучения – 8000</a:t>
+            </a:r>
+          </a:p>
+        </p:txBody>
+      </p:sp>
+    </p:spTree>
+    <p:extLst>
+      <p:ext uri="{BB962C8B-B14F-4D97-AF65-F5344CB8AC3E}">
+        <p14:creationId xmlns:p14="http://schemas.microsoft.com/office/powerpoint/2010/main" val="189508857"/>
+      </p:ext>
+    </p:extLst>
+  </p:cSld>
+  <p:clrMapOvr>
+    <a:masterClrMapping/>
+  </p:clrMapOvr>
+</p:sld>
+</file>
+
+<file path=ppt/slides/slide25.xml><?xml version="1.0" encoding="utf-8"?>
+<p:sld xmlns:a="http://schemas.openxmlformats.org/drawingml/2006/main" xmlns:r="http://schemas.openxmlformats.org/officeDocument/2006/relationships" xmlns:p="http://schemas.openxmlformats.org/presentationml/2006/main">
+  <p:cSld>
+    <p:spTree>
+      <p:nvGrpSpPr>
+        <p:cNvPr id="1" name=""/>
+        <p:cNvGrpSpPr/>
+        <p:nvPr/>
+      </p:nvGrpSpPr>
+      <p:grpSpPr>
+        <a:xfrm>
+          <a:off x="0" y="0"/>
+          <a:ext cx="0" cy="0"/>
+          <a:chOff x="0" y="0"/>
+          <a:chExt cx="0" cy="0"/>
+        </a:xfrm>
+      </p:grpSpPr>
+      <p:sp>
+        <p:nvSpPr>
+          <p:cNvPr id="2" name="Заголовок 1"/>
+          <p:cNvSpPr>
+            <a:spLocks noGrp="1"/>
+          </p:cNvSpPr>
+          <p:nvPr>
+            <p:ph type="title"/>
+          </p:nvPr>
+        </p:nvSpPr>
+        <p:spPr/>
+        <p:txBody>
+          <a:bodyPr/>
+          <a:lstStyle/>
+          <a:p>
+            <a:r>
+              <a:rPr lang="ru-RU" dirty="0"/>
+              <a:t>Заключение и План работ</a:t>
+            </a:r>
+          </a:p>
+        </p:txBody>
+      </p:sp>
+      <p:sp>
+        <p:nvSpPr>
+          <p:cNvPr id="3" name="Номер слайда 2"/>
+          <p:cNvSpPr>
+            <a:spLocks noGrp="1"/>
+          </p:cNvSpPr>
+          <p:nvPr>
+            <p:ph type="sldNum" sz="quarter" idx="12"/>
+          </p:nvPr>
+        </p:nvSpPr>
+        <p:spPr/>
+        <p:txBody>
+          <a:bodyPr/>
+          <a:lstStyle/>
+          <a:p>
+            <a:fld id="{B19B0651-EE4F-4900-A07F-96A6BFA9D0F0}" type="slidenum">
+              <a:rPr lang="ru-RU" smtClean="0"/>
+              <a:pPr/>
+              <a:t>25</a:t>
+            </a:fld>
+            <a:endParaRPr lang="ru-RU"/>
+          </a:p>
+        </p:txBody>
+      </p:sp>
+      <p:sp>
+        <p:nvSpPr>
+          <p:cNvPr id="4" name="Объект 3"/>
+          <p:cNvSpPr>
+            <a:spLocks noGrp="1"/>
+          </p:cNvSpPr>
+          <p:nvPr>
+            <p:ph sz="quarter" idx="1"/>
+          </p:nvPr>
+        </p:nvSpPr>
+        <p:spPr/>
+        <p:txBody>
+          <a:bodyPr>
+            <a:normAutofit/>
+          </a:bodyPr>
+          <a:lstStyle/>
+          <a:p>
+            <a:r>
+              <a:rPr lang="ru-RU" dirty="0"/>
+              <a:t>Были опробованы разные варианты </a:t>
+            </a:r>
+            <a:r>
+              <a:rPr lang="ru-RU" dirty="0" err="1"/>
+              <a:t>автокодеров</a:t>
+            </a:r>
+            <a:endParaRPr lang="ru-RU" dirty="0"/>
+          </a:p>
+          <a:p>
+            <a:r>
+              <a:rPr lang="ru-RU" dirty="0"/>
+              <a:t>Декодер был успешно внедрен в ГСС (в какой-то мере успешно)</a:t>
+            </a:r>
+          </a:p>
+          <a:p>
+            <a:r>
+              <a:rPr lang="ru-RU" dirty="0"/>
+              <a:t>План работы на будущее</a:t>
+            </a:r>
+          </a:p>
+          <a:p>
+            <a:pPr lvl="1" algn="just"/>
+            <a:r>
+              <a:rPr lang="ru-RU" dirty="0"/>
+              <a:t>Использовать метрики (например </a:t>
+            </a:r>
+            <a:r>
+              <a:rPr lang="en-US" dirty="0"/>
+              <a:t>MMD, FID) </a:t>
+            </a:r>
+            <a:r>
+              <a:rPr lang="ru-RU" dirty="0"/>
+              <a:t>для проверки «качества» выходных изображений, так как на данный момент «валидация» осуществляется «на глаз»</a:t>
+            </a:r>
+          </a:p>
+          <a:p>
+            <a:pPr lvl="1" algn="just"/>
+            <a:r>
+              <a:rPr lang="ru-RU" dirty="0"/>
+              <a:t>Попробовать комбинации </a:t>
+            </a:r>
+            <a:r>
+              <a:rPr lang="en-US" dirty="0"/>
+              <a:t>WAE + WGAN, CWAE + CWGAN, </a:t>
+            </a:r>
+            <a:r>
+              <a:rPr lang="ru-RU" dirty="0"/>
+              <a:t>сравнить их</a:t>
+            </a:r>
+          </a:p>
+          <a:p>
+            <a:pPr lvl="1" algn="just"/>
+            <a:r>
+              <a:rPr lang="ru-RU" dirty="0"/>
+              <a:t>Собрать статистику по обучению </a:t>
+            </a:r>
+            <a:r>
+              <a:rPr lang="ru-RU" dirty="0" err="1"/>
+              <a:t>автокодеров</a:t>
+            </a:r>
+            <a:r>
+              <a:rPr lang="ru-RU" dirty="0"/>
+              <a:t>/ГСС</a:t>
+            </a:r>
+            <a:endParaRPr lang="en-US" dirty="0"/>
+          </a:p>
+        </p:txBody>
+      </p:sp>
+    </p:spTree>
+    <p:extLst>
+      <p:ext uri="{BB962C8B-B14F-4D97-AF65-F5344CB8AC3E}">
+        <p14:creationId xmlns:p14="http://schemas.microsoft.com/office/powerpoint/2010/main" val="1074246837"/>
       </p:ext>
     </p:extLst>
   </p:cSld>
@@ -7357,7 +9216,7 @@
         <p:spPr/>
         <p:txBody>
           <a:bodyPr>
-            <a:normAutofit lnSpcReduction="10000"/>
+            <a:normAutofit fontScale="92500" lnSpcReduction="20000"/>
           </a:bodyPr>
           <a:lstStyle/>
           <a:p>
@@ -7398,6 +9257,16 @@
             <a:r>
               <a:rPr lang="en-US" dirty="0"/>
               <a:t> (CVAE)</a:t>
+            </a:r>
+          </a:p>
+          <a:p>
+            <a:r>
+              <a:rPr lang="ru-RU" dirty="0"/>
+              <a:t>Так называемый </a:t>
+            </a:r>
+            <a:r>
+              <a:rPr lang="en-US" dirty="0"/>
+              <a:t>“Sliced Wasserstein Autoencoder” (SWAE)</a:t>
             </a:r>
             <a:endParaRPr lang="ru-RU" dirty="0"/>
           </a:p>
@@ -8007,7 +9876,13 @@
       </p:grpSpPr>
       <p:sp>
         <p:nvSpPr>
-          <p:cNvPr id="2" name="Заголовок 1"/>
+          <p:cNvPr id="2" name="Заголовок 1">
+            <a:extLst>
+              <a:ext uri="{FF2B5EF4-FFF2-40B4-BE49-F238E27FC236}">
+                <a16:creationId xmlns:a16="http://schemas.microsoft.com/office/drawing/2014/main" id="{552B8678-5173-4EAF-8A04-6F68BDC4A9C4}"/>
+              </a:ext>
+            </a:extLst>
+          </p:cNvPr>
           <p:cNvSpPr>
             <a:spLocks noGrp="1"/>
           </p:cNvSpPr>
@@ -8021,15 +9896,22 @@
           <a:lstStyle/>
           <a:p>
             <a:r>
-              <a:rPr lang="ru-RU" dirty="0"/>
-              <a:t>Процесс обучения</a:t>
-            </a:r>
-          </a:p>
-        </p:txBody>
-      </p:sp>
-      <p:sp>
-        <p:nvSpPr>
-          <p:cNvPr id="3" name="Номер слайда 2"/>
+              <a:rPr lang="en-US" dirty="0"/>
+              <a:t>Sliced Wasserstein Autoencoder (SWAE)</a:t>
+            </a:r>
+            <a:endParaRPr lang="ru-RU" dirty="0"/>
+          </a:p>
+        </p:txBody>
+      </p:sp>
+      <p:sp>
+        <p:nvSpPr>
+          <p:cNvPr id="3" name="Номер слайда 2">
+            <a:extLst>
+              <a:ext uri="{FF2B5EF4-FFF2-40B4-BE49-F238E27FC236}">
+                <a16:creationId xmlns:a16="http://schemas.microsoft.com/office/drawing/2014/main" id="{769AB2FC-8479-4A54-B548-CDCC288C53FE}"/>
+              </a:ext>
+            </a:extLst>
+          </p:cNvPr>
           <p:cNvSpPr>
             <a:spLocks noGrp="1"/>
           </p:cNvSpPr>
@@ -8053,7 +9935,13 @@
       </p:sp>
       <p:sp>
         <p:nvSpPr>
-          <p:cNvPr id="4" name="Объект 3"/>
+          <p:cNvPr id="4" name="Объект 3">
+            <a:extLst>
+              <a:ext uri="{FF2B5EF4-FFF2-40B4-BE49-F238E27FC236}">
+                <a16:creationId xmlns:a16="http://schemas.microsoft.com/office/drawing/2014/main" id="{DE374E55-057E-4BBC-B6B5-EDC1FC11EDBD}"/>
+              </a:ext>
+            </a:extLst>
+          </p:cNvPr>
           <p:cNvSpPr>
             <a:spLocks noGrp="1"/>
           </p:cNvSpPr>
@@ -8066,80 +9954,84 @@
           <a:bodyPr/>
           <a:lstStyle/>
           <a:p>
-            <a:r>
-              <a:rPr lang="ru-RU" dirty="0"/>
-              <a:t>Обучение всех </a:t>
+            <a:pPr algn="just"/>
+            <a:r>
+              <a:rPr lang="ru-RU" dirty="0"/>
+              <a:t>Архитектура такая же, как у глубокого </a:t>
             </a:r>
             <a:r>
               <a:rPr lang="ru-RU" dirty="0" err="1"/>
-              <a:t>автокодеров</a:t>
-            </a:r>
-            <a:r>
-              <a:rPr lang="ru-RU" dirty="0"/>
-              <a:t> происходило с использованием библиотеки </a:t>
-            </a:r>
-            <a:r>
-              <a:rPr lang="en-US" i="1" dirty="0" err="1"/>
-              <a:t>Keras</a:t>
-            </a:r>
-            <a:r>
-              <a:rPr lang="ru-RU" i="1" dirty="0"/>
-              <a:t>.</a:t>
-            </a:r>
-          </a:p>
-          <a:p>
+              <a:t>сверточного</a:t>
+            </a:r>
+            <a:r>
+              <a:rPr lang="ru-RU" dirty="0"/>
+              <a:t> </a:t>
+            </a:r>
             <a:r>
               <a:rPr lang="ru-RU" dirty="0" err="1"/>
-              <a:t>Гиперпараметры</a:t>
-            </a:r>
-            <a:r>
-              <a:rPr lang="ru-RU" dirty="0"/>
-              <a:t>:</a:t>
-            </a:r>
-          </a:p>
-          <a:p>
-            <a:pPr lvl="1"/>
-            <a:r>
-              <a:rPr lang="ru-RU" dirty="0"/>
-              <a:t>Количество эпох – 200</a:t>
-            </a:r>
-          </a:p>
-          <a:p>
-            <a:pPr lvl="1"/>
-            <a:r>
-              <a:rPr lang="ru-RU" dirty="0"/>
-              <a:t>Размерность скрытого пространства – 2</a:t>
-            </a:r>
-          </a:p>
-          <a:p>
-            <a:pPr lvl="2"/>
-            <a:r>
-              <a:rPr lang="ru-RU" dirty="0"/>
-              <a:t>Была выбрана именно такая размерность для корректного отображения многообразия скрытого пространства</a:t>
-            </a:r>
-          </a:p>
-          <a:p>
-            <a:pPr lvl="1"/>
+              <a:t>автокодера</a:t>
+            </a:r>
+            <a:r>
+              <a:rPr lang="ru-RU" dirty="0"/>
+              <a:t>. Отличается схема обучения.</a:t>
+            </a:r>
+          </a:p>
+          <a:p>
+            <a:pPr algn="just"/>
+            <a:r>
+              <a:rPr lang="ru-RU" dirty="0"/>
+              <a:t>Расстояние </a:t>
+            </a:r>
             <a:r>
               <a:rPr lang="ru-RU" dirty="0" err="1"/>
-              <a:t>Датасет</a:t>
-            </a:r>
-            <a:r>
-              <a:rPr lang="ru-RU" dirty="0"/>
-              <a:t> – рукописные цифры </a:t>
+              <a:t>Вассерштейна</a:t>
+            </a:r>
+            <a:r>
+              <a:rPr lang="ru-RU" dirty="0"/>
+              <a:t> (</a:t>
             </a:r>
             <a:r>
               <a:rPr lang="en-US" dirty="0"/>
-              <a:t>MNIST</a:t>
-            </a:r>
-            <a:endParaRPr lang="ru-RU" dirty="0"/>
+              <a:t>Wasserstein Distance)</a:t>
+            </a:r>
+          </a:p>
+          <a:p>
+            <a:pPr algn="just"/>
+            <a:r>
+              <a:rPr lang="en-US" dirty="0"/>
+              <a:t>Sliced Wasserstein Distance – </a:t>
+            </a:r>
+            <a:r>
+              <a:rPr lang="ru-RU" dirty="0"/>
+              <a:t>разбиваем два </a:t>
+            </a:r>
+            <a:r>
+              <a:rPr lang="en-US" i="1" dirty="0"/>
+              <a:t>n</a:t>
+            </a:r>
+            <a:r>
+              <a:rPr lang="en-US" dirty="0"/>
+              <a:t>-</a:t>
+            </a:r>
+            <a:r>
+              <a:rPr lang="ru-RU" dirty="0"/>
+              <a:t>мерных распределений на множество одномерных и сравниваем их друг с другом, используя </a:t>
+            </a:r>
+            <a:r>
+              <a:rPr lang="en-US" dirty="0"/>
+              <a:t>Wasserstein Distance </a:t>
+            </a:r>
+            <a:r>
+              <a:rPr lang="ru-RU" dirty="0"/>
+              <a:t>для одномерного случая</a:t>
+            </a:r>
           </a:p>
         </p:txBody>
       </p:sp>
     </p:spTree>
     <p:extLst>
       <p:ext uri="{BB962C8B-B14F-4D97-AF65-F5344CB8AC3E}">
-        <p14:creationId xmlns:p14="http://schemas.microsoft.com/office/powerpoint/2010/main" val="3586998789"/>
+        <p14:creationId xmlns:p14="http://schemas.microsoft.com/office/powerpoint/2010/main" val="4205654514"/>
       </p:ext>
     </p:extLst>
   </p:cSld>

--- a/presentations/FastGanTraining_Denisov_Pavel.pptx
+++ b/presentations/FastGanTraining_Denisov_Pavel.pptx
@@ -5,34 +5,35 @@
     <p:sldMasterId id="2147483672" r:id="rId1"/>
   </p:sldMasterIdLst>
   <p:notesMasterIdLst>
-    <p:notesMasterId r:id="rId27"/>
+    <p:notesMasterId r:id="rId28"/>
   </p:notesMasterIdLst>
   <p:sldIdLst>
     <p:sldId id="570" r:id="rId2"/>
     <p:sldId id="629" r:id="rId3"/>
-    <p:sldId id="630" r:id="rId4"/>
-    <p:sldId id="628" r:id="rId5"/>
-    <p:sldId id="631" r:id="rId6"/>
-    <p:sldId id="620" r:id="rId7"/>
-    <p:sldId id="632" r:id="rId8"/>
-    <p:sldId id="633" r:id="rId9"/>
-    <p:sldId id="639" r:id="rId10"/>
-    <p:sldId id="640" r:id="rId11"/>
-    <p:sldId id="634" r:id="rId12"/>
-    <p:sldId id="622" r:id="rId13"/>
-    <p:sldId id="638" r:id="rId14"/>
-    <p:sldId id="623" r:id="rId15"/>
-    <p:sldId id="635" r:id="rId16"/>
-    <p:sldId id="636" r:id="rId17"/>
-    <p:sldId id="637" r:id="rId18"/>
-    <p:sldId id="641" r:id="rId19"/>
-    <p:sldId id="642" r:id="rId20"/>
-    <p:sldId id="643" r:id="rId21"/>
-    <p:sldId id="644" r:id="rId22"/>
-    <p:sldId id="645" r:id="rId23"/>
-    <p:sldId id="626" r:id="rId24"/>
-    <p:sldId id="646" r:id="rId25"/>
-    <p:sldId id="569" r:id="rId26"/>
+    <p:sldId id="650" r:id="rId4"/>
+    <p:sldId id="651" r:id="rId5"/>
+    <p:sldId id="628" r:id="rId6"/>
+    <p:sldId id="631" r:id="rId7"/>
+    <p:sldId id="620" r:id="rId8"/>
+    <p:sldId id="632" r:id="rId9"/>
+    <p:sldId id="633" r:id="rId10"/>
+    <p:sldId id="639" r:id="rId11"/>
+    <p:sldId id="640" r:id="rId12"/>
+    <p:sldId id="634" r:id="rId13"/>
+    <p:sldId id="622" r:id="rId14"/>
+    <p:sldId id="638" r:id="rId15"/>
+    <p:sldId id="623" r:id="rId16"/>
+    <p:sldId id="635" r:id="rId17"/>
+    <p:sldId id="636" r:id="rId18"/>
+    <p:sldId id="637" r:id="rId19"/>
+    <p:sldId id="641" r:id="rId20"/>
+    <p:sldId id="642" r:id="rId21"/>
+    <p:sldId id="643" r:id="rId22"/>
+    <p:sldId id="644" r:id="rId23"/>
+    <p:sldId id="645" r:id="rId24"/>
+    <p:sldId id="626" r:id="rId25"/>
+    <p:sldId id="646" r:id="rId26"/>
+    <p:sldId id="569" r:id="rId27"/>
   </p:sldIdLst>
   <p:sldSz cx="9144000" cy="6858000" type="screen4x3"/>
   <p:notesSz cx="6858000" cy="9144000"/>
@@ -133,7 +134,7 @@
   </p:defaultTextStyle>
   <p:extLst>
     <p:ext uri="{EFAFB233-063F-42B5-8137-9DF3F51BA10A}">
-      <p15:sldGuideLst xmlns:p15="http://schemas.microsoft.com/office/powerpoint/2012/main">
+      <p15:sldGuideLst xmlns="" xmlns:p15="http://schemas.microsoft.com/office/powerpoint/2012/main">
         <p15:guide id="1" orient="horz" pos="2160">
           <p15:clr>
             <a:srgbClr val="A4A3A4"/>
@@ -239,7 +240,7 @@
             <a:fld id="{F66DAAEE-BF51-48CE-A7DD-F2FDAD4FC420}" type="datetimeFigureOut">
               <a:rPr lang="ru-RU" smtClean="0"/>
               <a:pPr/>
-              <a:t>02.03.2020</a:t>
+              <a:t>23.03.2020</a:t>
             </a:fld>
             <a:endParaRPr lang="ru-RU"/>
           </a:p>
@@ -407,7 +408,7 @@
     </p:spTree>
     <p:extLst>
       <p:ext uri="{BB962C8B-B14F-4D97-AF65-F5344CB8AC3E}">
-        <p14:creationId xmlns:p14="http://schemas.microsoft.com/office/powerpoint/2010/main" val="2409474536"/>
+        <p14:creationId xmlns="" xmlns:p14="http://schemas.microsoft.com/office/powerpoint/2010/main" val="2409474536"/>
       </p:ext>
     </p:extLst>
   </p:cSld>
@@ -582,7 +583,7 @@
     </p:spTree>
     <p:extLst>
       <p:ext uri="{BB962C8B-B14F-4D97-AF65-F5344CB8AC3E}">
-        <p14:creationId xmlns:p14="http://schemas.microsoft.com/office/powerpoint/2010/main" val="2245756188"/>
+        <p14:creationId xmlns="" xmlns:p14="http://schemas.microsoft.com/office/powerpoint/2010/main" val="2245756188"/>
       </p:ext>
     </p:extLst>
   </p:cSld>
@@ -658,7 +659,7 @@
             <a:fld id="{D96DAC94-F2BD-4D65-B7EB-B592A69BC432}" type="slidenum">
               <a:rPr lang="ru-RU" smtClean="0"/>
               <a:pPr/>
-              <a:t>25</a:t>
+              <a:t>26</a:t>
             </a:fld>
             <a:endParaRPr lang="ru-RU"/>
           </a:p>
@@ -667,7 +668,7 @@
     </p:spTree>
     <p:extLst>
       <p:ext uri="{BB962C8B-B14F-4D97-AF65-F5344CB8AC3E}">
-        <p14:creationId xmlns:p14="http://schemas.microsoft.com/office/powerpoint/2010/main" val="607118862"/>
+        <p14:creationId xmlns="" xmlns:p14="http://schemas.microsoft.com/office/powerpoint/2010/main" val="607118862"/>
       </p:ext>
     </p:extLst>
   </p:cSld>
@@ -821,7 +822,7 @@
             <a:fld id="{82DBD188-BED1-4886-9E59-E0CC76280C08}" type="datetime1">
               <a:rPr lang="ru-RU" smtClean="0"/>
               <a:pPr/>
-              <a:t>02.03.2020</a:t>
+              <a:t>23.03.2020</a:t>
             </a:fld>
             <a:endParaRPr lang="ru-RU"/>
           </a:p>
@@ -1182,7 +1183,7 @@
             <a:fld id="{AF1776C5-B470-4CA9-BE03-C3B96094F25A}" type="datetime1">
               <a:rPr lang="ru-RU" smtClean="0"/>
               <a:pPr/>
-              <a:t>02.03.2020</a:t>
+              <a:t>23.03.2020</a:t>
             </a:fld>
             <a:endParaRPr lang="ru-RU"/>
           </a:p>
@@ -1359,7 +1360,7 @@
             <a:fld id="{7658A491-86F9-440A-848C-E38F10B44719}" type="datetime1">
               <a:rPr lang="ru-RU" smtClean="0"/>
               <a:pPr/>
-              <a:t>02.03.2020</a:t>
+              <a:t>23.03.2020</a:t>
             </a:fld>
             <a:endParaRPr lang="ru-RU"/>
           </a:p>
@@ -1596,7 +1597,7 @@
             <a:fld id="{78384596-0AD4-43AB-9D91-AC154A6A2215}" type="datetime1">
               <a:rPr lang="ru-RU" smtClean="0"/>
               <a:pPr/>
-              <a:t>02.03.2020</a:t>
+              <a:t>23.03.2020</a:t>
             </a:fld>
             <a:endParaRPr lang="ru-RU"/>
           </a:p>
@@ -1867,7 +1868,7 @@
             <a:fld id="{1DC058EA-AE74-4A5D-8F0C-E9DE1DFC6AF6}" type="datetime1">
               <a:rPr lang="ru-RU" smtClean="0"/>
               <a:pPr/>
-              <a:t>02.03.2020</a:t>
+              <a:t>23.03.2020</a:t>
             </a:fld>
             <a:endParaRPr lang="ru-RU"/>
           </a:p>
@@ -2089,7 +2090,7 @@
             <a:fld id="{7D0E3516-C24B-4BA4-9701-D4C356C345F1}" type="datetime1">
               <a:rPr lang="ru-RU" smtClean="0"/>
               <a:pPr/>
-              <a:t>02.03.2020</a:t>
+              <a:t>23.03.2020</a:t>
             </a:fld>
             <a:endParaRPr lang="ru-RU"/>
           </a:p>
@@ -2443,7 +2444,7 @@
             <a:fld id="{D13D62BF-5F72-46BB-BF5C-AAE2E3F9E819}" type="datetime1">
               <a:rPr lang="ru-RU" smtClean="0"/>
               <a:pPr/>
-              <a:t>02.03.2020</a:t>
+              <a:t>23.03.2020</a:t>
             </a:fld>
             <a:endParaRPr lang="ru-RU"/>
           </a:p>
@@ -2677,7 +2678,7 @@
             <a:fld id="{4E0CA268-8BBB-48E1-98B7-5D27661798BD}" type="datetime1">
               <a:rPr lang="ru-RU" smtClean="0"/>
               <a:pPr/>
-              <a:t>02.03.2020</a:t>
+              <a:t>23.03.2020</a:t>
             </a:fld>
             <a:endParaRPr lang="ru-RU"/>
           </a:p>
@@ -2819,7 +2820,7 @@
             <a:fld id="{7197FD96-4922-4750-BBEB-ABC583489F13}" type="datetime1">
               <a:rPr lang="ru-RU" smtClean="0"/>
               <a:pPr/>
-              <a:t>02.03.2020</a:t>
+              <a:t>23.03.2020</a:t>
             </a:fld>
             <a:endParaRPr lang="ru-RU"/>
           </a:p>
@@ -3098,7 +3099,7 @@
             <a:fld id="{6C2E3649-A588-4AAB-B726-CBBCF6A35354}" type="datetime1">
               <a:rPr lang="ru-RU" smtClean="0"/>
               <a:pPr/>
-              <a:t>02.03.2020</a:t>
+              <a:t>23.03.2020</a:t>
             </a:fld>
             <a:endParaRPr lang="ru-RU"/>
           </a:p>
@@ -3507,7 +3508,7 @@
             <a:fld id="{294C204E-7519-4CEA-A151-B05B13BE4806}" type="datetime1">
               <a:rPr lang="ru-RU" smtClean="0"/>
               <a:pPr/>
-              <a:t>02.03.2020</a:t>
+              <a:t>23.03.2020</a:t>
             </a:fld>
             <a:endParaRPr lang="ru-RU"/>
           </a:p>
@@ -3847,7 +3848,7 @@
             <a:fld id="{3DB296AF-285F-4E29-90A1-D94656E095CA}" type="datetime1">
               <a:rPr lang="ru-RU" smtClean="0"/>
               <a:pPr/>
-              <a:t>02.03.2020</a:t>
+              <a:t>23.03.2020</a:t>
             </a:fld>
             <a:endParaRPr lang="ru-RU"/>
           </a:p>
@@ -4402,14 +4403,14 @@
           </a:ln>
           <a:extLst>
             <a:ext uri="{909E8E84-426E-40DD-AFC4-6F175D3DCCD1}">
-              <a14:hiddenFill xmlns:a14="http://schemas.microsoft.com/office/drawing/2010/main">
+              <a14:hiddenFill xmlns="" xmlns:a14="http://schemas.microsoft.com/office/drawing/2010/main">
                 <a:solidFill>
                   <a:srgbClr val="FFFFFF"/>
                 </a:solidFill>
               </a14:hiddenFill>
             </a:ext>
             <a:ext uri="{91240B29-F687-4F45-9708-019B960494DF}">
-              <a14:hiddenLine xmlns:a14="http://schemas.microsoft.com/office/drawing/2010/main" w="9525">
+              <a14:hiddenLine xmlns="" xmlns:a14="http://schemas.microsoft.com/office/drawing/2010/main" w="9525">
                 <a:solidFill>
                   <a:srgbClr val="000000"/>
                 </a:solidFill>
@@ -4586,14 +4587,14 @@
           </a:ln>
           <a:extLst>
             <a:ext uri="{909E8E84-426E-40DD-AFC4-6F175D3DCCD1}">
-              <a14:hiddenFill xmlns:a14="http://schemas.microsoft.com/office/drawing/2010/main">
+              <a14:hiddenFill xmlns="" xmlns:a14="http://schemas.microsoft.com/office/drawing/2010/main">
                 <a:solidFill>
                   <a:srgbClr val="FFFFFF"/>
                 </a:solidFill>
               </a14:hiddenFill>
             </a:ext>
             <a:ext uri="{91240B29-F687-4F45-9708-019B960494DF}">
-              <a14:hiddenLine xmlns:a14="http://schemas.microsoft.com/office/drawing/2010/main" w="9525">
+              <a14:hiddenLine xmlns="" xmlns:a14="http://schemas.microsoft.com/office/drawing/2010/main" w="9525">
                 <a:solidFill>
                   <a:srgbClr val="000000"/>
                 </a:solidFill>
@@ -4800,7 +4801,7 @@
           <p:cNvPr id="3" name="Дата 2">
             <a:extLst>
               <a:ext uri="{FF2B5EF4-FFF2-40B4-BE49-F238E27FC236}">
-                <a16:creationId xmlns:a16="http://schemas.microsoft.com/office/drawing/2014/main" id="{56A18D28-07FE-4153-8137-9C08B4B3B82F}"/>
+                <a16:creationId xmlns="" xmlns:a16="http://schemas.microsoft.com/office/drawing/2014/main" id="{56A18D28-07FE-4153-8137-9C08B4B3B82F}"/>
               </a:ext>
             </a:extLst>
           </p:cNvPr>
@@ -4824,7 +4825,7 @@
             <a:fld id="{BD3664CD-45CF-4156-9C6C-7B30D687E7A3}" type="datetime1">
               <a:rPr lang="ru-RU" sz="2000" smtClean="0"/>
               <a:pPr/>
-              <a:t>02.03.2020</a:t>
+              <a:t>23.03.2020</a:t>
             </a:fld>
             <a:endParaRPr lang="ru-RU" dirty="0"/>
           </a:p>
@@ -4833,7 +4834,7 @@
     </p:spTree>
     <p:extLst>
       <p:ext uri="{BB962C8B-B14F-4D97-AF65-F5344CB8AC3E}">
-        <p14:creationId xmlns:p14="http://schemas.microsoft.com/office/powerpoint/2010/main" val="2421062628"/>
+        <p14:creationId xmlns="" xmlns:p14="http://schemas.microsoft.com/office/powerpoint/2010/main" val="2421062628"/>
       </p:ext>
     </p:extLst>
   </p:cSld>
@@ -4865,7 +4866,7 @@
           <p:cNvPr id="2" name="Заголовок 1">
             <a:extLst>
               <a:ext uri="{FF2B5EF4-FFF2-40B4-BE49-F238E27FC236}">
-                <a16:creationId xmlns:a16="http://schemas.microsoft.com/office/drawing/2014/main" id="{240E552E-D62D-4720-BA49-AD8B5122BD9D}"/>
+                <a16:creationId xmlns="" xmlns:a16="http://schemas.microsoft.com/office/drawing/2014/main" id="{552B8678-5173-4EAF-8A04-6F68BDC4A9C4}"/>
               </a:ext>
             </a:extLst>
           </p:cNvPr>
@@ -4883,7 +4884,7 @@
           <a:p>
             <a:r>
               <a:rPr lang="en-US" dirty="0"/>
-              <a:t>Sliced Wasserstein Distance</a:t>
+              <a:t>Sliced Wasserstein Autoencoder (SWAE)</a:t>
             </a:r>
             <a:endParaRPr lang="ru-RU" dirty="0"/>
           </a:p>
@@ -4894,7 +4895,7 @@
           <p:cNvPr id="3" name="Номер слайда 2">
             <a:extLst>
               <a:ext uri="{FF2B5EF4-FFF2-40B4-BE49-F238E27FC236}">
-                <a16:creationId xmlns:a16="http://schemas.microsoft.com/office/drawing/2014/main" id="{611DFF42-4422-4B02-9392-829907A43819}"/>
+                <a16:creationId xmlns="" xmlns:a16="http://schemas.microsoft.com/office/drawing/2014/main" id="{769AB2FC-8479-4A54-B548-CDCC288C53FE}"/>
               </a:ext>
             </a:extLst>
           </p:cNvPr>
@@ -4919,448 +4920,105 @@
           </a:p>
         </p:txBody>
       </p:sp>
-      <mc:AlternateContent xmlns:mc="http://schemas.openxmlformats.org/markup-compatibility/2006">
-        <mc:Choice xmlns:a14="http://schemas.microsoft.com/office/drawing/2010/main" Requires="a14">
-          <p:sp>
-            <p:nvSpPr>
-              <p:cNvPr id="4" name="Объект 3">
-                <a:extLst>
-                  <a:ext uri="{FF2B5EF4-FFF2-40B4-BE49-F238E27FC236}">
-                    <a16:creationId xmlns:a16="http://schemas.microsoft.com/office/drawing/2014/main" id="{BA949765-C99F-4D14-996A-F36538EB5EBE}"/>
-                  </a:ext>
-                </a:extLst>
-              </p:cNvPr>
-              <p:cNvSpPr>
-                <a:spLocks noGrp="1"/>
-              </p:cNvSpPr>
-              <p:nvPr>
-                <p:ph sz="quarter" idx="1"/>
-              </p:nvPr>
-            </p:nvSpPr>
-            <p:spPr/>
-            <p:txBody>
-              <a:bodyPr/>
-              <a:lstStyle/>
-              <a:p>
-                <a:pPr algn="just"/>
-                <a:r>
-                  <a:rPr lang="ru-RU" dirty="0"/>
-                  <a:t>Пример разделения двумерного распределения на два одномерных.</a:t>
-                </a:r>
-              </a:p>
-              <a:p>
-                <a:pPr algn="just"/>
-                <a:endParaRPr lang="ru-RU" dirty="0"/>
-              </a:p>
-              <a:p>
-                <a:pPr algn="just"/>
-                <a:endParaRPr lang="ru-RU" dirty="0"/>
-              </a:p>
-              <a:p>
-                <a:pPr algn="just"/>
-                <a:endParaRPr lang="ru-RU" dirty="0"/>
-              </a:p>
-              <a:p>
-                <a:pPr algn="just"/>
-                <a:endParaRPr lang="ru-RU" dirty="0"/>
-              </a:p>
-              <a:p>
-                <a:pPr algn="just"/>
-                <a:endParaRPr lang="ru-RU" dirty="0"/>
-              </a:p>
-              <a:p>
-                <a:pPr algn="just"/>
-                <a:endParaRPr lang="ru-RU" dirty="0"/>
-              </a:p>
-              <a:p>
-                <a:pPr algn="just"/>
-                <a:endParaRPr lang="ru-RU" dirty="0"/>
-              </a:p>
-              <a:p>
-                <a:pPr algn="just"/>
-                <a14:m>
-                  <m:oMath xmlns:m="http://schemas.openxmlformats.org/officeDocument/2006/math">
-                    <m:sSub>
-                      <m:sSubPr>
-                        <m:ctrlPr>
-                          <a:rPr lang="en-US" b="0" i="1" smtClean="0">
-                            <a:latin typeface="Cambria Math" panose="02040503050406030204" pitchFamily="18" charset="0"/>
-                            <a:ea typeface="Cambria Math" panose="02040503050406030204" pitchFamily="18" charset="0"/>
-                          </a:rPr>
-                        </m:ctrlPr>
-                      </m:sSubPr>
-                      <m:e>
-                        <m:r>
-                          <a:rPr lang="ru-RU" i="1" smtClean="0">
-                            <a:latin typeface="Cambria Math" panose="02040503050406030204" pitchFamily="18" charset="0"/>
-                            <a:ea typeface="Cambria Math" panose="02040503050406030204" pitchFamily="18" charset="0"/>
-                          </a:rPr>
-                          <m:t>ℛ</m:t>
-                        </m:r>
-                      </m:e>
-                      <m:sub>
-                        <m:sSub>
-                          <m:sSubPr>
-                            <m:ctrlPr>
-                              <a:rPr lang="en-US" b="0" i="1" smtClean="0">
-                                <a:latin typeface="Cambria Math" panose="02040503050406030204" pitchFamily="18" charset="0"/>
-                                <a:ea typeface="Cambria Math" panose="02040503050406030204" pitchFamily="18" charset="0"/>
-                              </a:rPr>
-                            </m:ctrlPr>
-                          </m:sSubPr>
-                          <m:e>
-                            <m:r>
-                              <a:rPr lang="en-US" b="0" i="1" smtClean="0">
-                                <a:latin typeface="Cambria Math" panose="02040503050406030204" pitchFamily="18" charset="0"/>
-                                <a:ea typeface="Cambria Math" panose="02040503050406030204" pitchFamily="18" charset="0"/>
-                              </a:rPr>
-                              <m:t>𝑝</m:t>
-                            </m:r>
-                          </m:e>
-                          <m:sub>
-                            <m:r>
-                              <a:rPr lang="en-US" b="0" i="1" smtClean="0">
-                                <a:latin typeface="Cambria Math" panose="02040503050406030204" pitchFamily="18" charset="0"/>
-                                <a:ea typeface="Cambria Math" panose="02040503050406030204" pitchFamily="18" charset="0"/>
-                              </a:rPr>
-                              <m:t>𝑋</m:t>
-                            </m:r>
-                          </m:sub>
-                        </m:sSub>
-                      </m:sub>
-                    </m:sSub>
-                    <m:d>
-                      <m:dPr>
-                        <m:ctrlPr>
-                          <a:rPr lang="en-US" b="0" i="1" smtClean="0">
-                            <a:latin typeface="Cambria Math" panose="02040503050406030204" pitchFamily="18" charset="0"/>
-                            <a:ea typeface="Cambria Math" panose="02040503050406030204" pitchFamily="18" charset="0"/>
-                          </a:rPr>
-                        </m:ctrlPr>
-                      </m:dPr>
-                      <m:e>
-                        <m:r>
-                          <a:rPr lang="en-US" b="0" i="1" smtClean="0">
-                            <a:latin typeface="Cambria Math" panose="02040503050406030204" pitchFamily="18" charset="0"/>
-                            <a:ea typeface="Cambria Math" panose="02040503050406030204" pitchFamily="18" charset="0"/>
-                          </a:rPr>
-                          <m:t>𝑡</m:t>
-                        </m:r>
-                        <m:r>
-                          <a:rPr lang="en-US" b="0" i="1" smtClean="0">
-                            <a:latin typeface="Cambria Math" panose="02040503050406030204" pitchFamily="18" charset="0"/>
-                            <a:ea typeface="Cambria Math" panose="02040503050406030204" pitchFamily="18" charset="0"/>
-                          </a:rPr>
-                          <m:t>;</m:t>
-                        </m:r>
-                        <m:r>
-                          <a:rPr lang="en-US" b="0" i="1" smtClean="0">
-                            <a:latin typeface="Cambria Math" panose="02040503050406030204" pitchFamily="18" charset="0"/>
-                            <a:ea typeface="Cambria Math" panose="02040503050406030204" pitchFamily="18" charset="0"/>
-                          </a:rPr>
-                          <m:t>𝜃</m:t>
-                        </m:r>
-                      </m:e>
-                    </m:d>
-                    <m:r>
-                      <a:rPr lang="en-US" b="0" i="1" smtClean="0">
-                        <a:latin typeface="Cambria Math" panose="02040503050406030204" pitchFamily="18" charset="0"/>
-                        <a:ea typeface="Cambria Math" panose="02040503050406030204" pitchFamily="18" charset="0"/>
-                      </a:rPr>
-                      <m:t>=</m:t>
-                    </m:r>
-                    <m:nary>
-                      <m:naryPr>
-                        <m:limLoc m:val="undOvr"/>
-                        <m:ctrlPr>
-                          <a:rPr lang="en-US" b="0" i="1" smtClean="0">
-                            <a:latin typeface="Cambria Math" panose="02040503050406030204" pitchFamily="18" charset="0"/>
-                            <a:ea typeface="Cambria Math" panose="02040503050406030204" pitchFamily="18" charset="0"/>
-                          </a:rPr>
-                        </m:ctrlPr>
-                      </m:naryPr>
-                      <m:sub>
-                        <m:r>
-                          <m:rPr>
-                            <m:brk m:alnAt="24"/>
-                          </m:rPr>
-                          <a:rPr lang="en-US" b="0" i="1" smtClean="0">
-                            <a:latin typeface="Cambria Math" panose="02040503050406030204" pitchFamily="18" charset="0"/>
-                            <a:ea typeface="Cambria Math" panose="02040503050406030204" pitchFamily="18" charset="0"/>
-                          </a:rPr>
-                          <m:t>𝑋</m:t>
-                        </m:r>
-                      </m:sub>
-                      <m:sup/>
-                      <m:e>
-                        <m:sSub>
-                          <m:sSubPr>
-                            <m:ctrlPr>
-                              <a:rPr lang="en-US" b="0" i="1" smtClean="0">
-                                <a:latin typeface="Cambria Math" panose="02040503050406030204" pitchFamily="18" charset="0"/>
-                                <a:ea typeface="Cambria Math" panose="02040503050406030204" pitchFamily="18" charset="0"/>
-                              </a:rPr>
-                            </m:ctrlPr>
-                          </m:sSubPr>
-                          <m:e>
-                            <m:r>
-                              <a:rPr lang="en-US" b="0" i="1" smtClean="0">
-                                <a:latin typeface="Cambria Math" panose="02040503050406030204" pitchFamily="18" charset="0"/>
-                                <a:ea typeface="Cambria Math" panose="02040503050406030204" pitchFamily="18" charset="0"/>
-                              </a:rPr>
-                              <m:t>𝑝</m:t>
-                            </m:r>
-                          </m:e>
-                          <m:sub>
-                            <m:r>
-                              <a:rPr lang="en-US" b="0" i="1" smtClean="0">
-                                <a:latin typeface="Cambria Math" panose="02040503050406030204" pitchFamily="18" charset="0"/>
-                                <a:ea typeface="Cambria Math" panose="02040503050406030204" pitchFamily="18" charset="0"/>
-                              </a:rPr>
-                              <m:t>𝑋</m:t>
-                            </m:r>
-                          </m:sub>
-                        </m:sSub>
-                        <m:d>
-                          <m:dPr>
-                            <m:ctrlPr>
-                              <a:rPr lang="en-US" b="0" i="1" smtClean="0">
-                                <a:latin typeface="Cambria Math" panose="02040503050406030204" pitchFamily="18" charset="0"/>
-                                <a:ea typeface="Cambria Math" panose="02040503050406030204" pitchFamily="18" charset="0"/>
-                              </a:rPr>
-                            </m:ctrlPr>
-                          </m:dPr>
-                          <m:e>
-                            <m:r>
-                              <a:rPr lang="en-US" b="0" i="1" smtClean="0">
-                                <a:latin typeface="Cambria Math" panose="02040503050406030204" pitchFamily="18" charset="0"/>
-                                <a:ea typeface="Cambria Math" panose="02040503050406030204" pitchFamily="18" charset="0"/>
-                              </a:rPr>
-                              <m:t>𝑥</m:t>
-                            </m:r>
-                          </m:e>
-                        </m:d>
-                        <m:r>
-                          <a:rPr lang="en-US" b="0" i="1" smtClean="0">
-                            <a:latin typeface="Cambria Math" panose="02040503050406030204" pitchFamily="18" charset="0"/>
-                            <a:ea typeface="Cambria Math" panose="02040503050406030204" pitchFamily="18" charset="0"/>
-                          </a:rPr>
-                          <m:t>𝛿</m:t>
-                        </m:r>
-                        <m:d>
-                          <m:dPr>
-                            <m:ctrlPr>
-                              <a:rPr lang="en-US" b="0" i="1" smtClean="0">
-                                <a:latin typeface="Cambria Math" panose="02040503050406030204" pitchFamily="18" charset="0"/>
-                                <a:ea typeface="Cambria Math" panose="02040503050406030204" pitchFamily="18" charset="0"/>
-                              </a:rPr>
-                            </m:ctrlPr>
-                          </m:dPr>
-                          <m:e>
-                            <m:r>
-                              <a:rPr lang="en-US" b="0" i="1" smtClean="0">
-                                <a:latin typeface="Cambria Math" panose="02040503050406030204" pitchFamily="18" charset="0"/>
-                                <a:ea typeface="Cambria Math" panose="02040503050406030204" pitchFamily="18" charset="0"/>
-                              </a:rPr>
-                              <m:t>𝑡</m:t>
-                            </m:r>
-                            <m:r>
-                              <a:rPr lang="en-US" b="0" i="1" smtClean="0">
-                                <a:latin typeface="Cambria Math" panose="02040503050406030204" pitchFamily="18" charset="0"/>
-                                <a:ea typeface="Cambria Math" panose="02040503050406030204" pitchFamily="18" charset="0"/>
-                              </a:rPr>
-                              <m:t>−</m:t>
-                            </m:r>
-                            <m:r>
-                              <a:rPr lang="en-US" b="0" i="1" smtClean="0">
-                                <a:latin typeface="Cambria Math" panose="02040503050406030204" pitchFamily="18" charset="0"/>
-                                <a:ea typeface="Cambria Math" panose="02040503050406030204" pitchFamily="18" charset="0"/>
-                              </a:rPr>
-                              <m:t>𝜃</m:t>
-                            </m:r>
-                            <m:r>
-                              <a:rPr lang="en-US" b="0" i="1" smtClean="0">
-                                <a:latin typeface="Cambria Math" panose="02040503050406030204" pitchFamily="18" charset="0"/>
-                                <a:ea typeface="Cambria Math" panose="02040503050406030204" pitchFamily="18" charset="0"/>
-                              </a:rPr>
-                              <m:t>𝑥</m:t>
-                            </m:r>
-                          </m:e>
-                        </m:d>
-                        <m:r>
-                          <a:rPr lang="en-US" b="0" i="1" smtClean="0">
-                            <a:latin typeface="Cambria Math" panose="02040503050406030204" pitchFamily="18" charset="0"/>
-                            <a:ea typeface="Cambria Math" panose="02040503050406030204" pitchFamily="18" charset="0"/>
-                          </a:rPr>
-                          <m:t>𝑑𝑥</m:t>
-                        </m:r>
-                        <m:r>
-                          <a:rPr lang="en-US" b="0" i="1" smtClean="0">
-                            <a:latin typeface="Cambria Math" panose="02040503050406030204" pitchFamily="18" charset="0"/>
-                            <a:ea typeface="Cambria Math" panose="02040503050406030204" pitchFamily="18" charset="0"/>
-                          </a:rPr>
-                          <m:t>, ∀</m:t>
-                        </m:r>
-                        <m:r>
-                          <a:rPr lang="en-US" b="0" i="1" smtClean="0">
-                            <a:latin typeface="Cambria Math" panose="02040503050406030204" pitchFamily="18" charset="0"/>
-                            <a:ea typeface="Cambria Math" panose="02040503050406030204" pitchFamily="18" charset="0"/>
-                          </a:rPr>
-                          <m:t>𝜃</m:t>
-                        </m:r>
-                        <m:r>
-                          <a:rPr lang="en-US" b="0" i="1" smtClean="0">
-                            <a:latin typeface="Cambria Math" panose="02040503050406030204" pitchFamily="18" charset="0"/>
-                            <a:ea typeface="Cambria Math" panose="02040503050406030204" pitchFamily="18" charset="0"/>
-                          </a:rPr>
-                          <m:t>∈</m:t>
-                        </m:r>
-                        <m:sSup>
-                          <m:sSupPr>
-                            <m:ctrlPr>
-                              <a:rPr lang="en-US" b="0" i="1" smtClean="0">
-                                <a:latin typeface="Cambria Math" panose="02040503050406030204" pitchFamily="18" charset="0"/>
-                                <a:ea typeface="Cambria Math" panose="02040503050406030204" pitchFamily="18" charset="0"/>
-                              </a:rPr>
-                            </m:ctrlPr>
-                          </m:sSupPr>
-                          <m:e>
-                            <m:r>
-                              <a:rPr lang="en-US" b="0" i="1" smtClean="0">
-                                <a:latin typeface="Cambria Math" panose="02040503050406030204" pitchFamily="18" charset="0"/>
-                                <a:ea typeface="Cambria Math" panose="02040503050406030204" pitchFamily="18" charset="0"/>
-                              </a:rPr>
-                              <m:t>𝕊</m:t>
-                            </m:r>
-                          </m:e>
-                          <m:sup>
-                            <m:r>
-                              <a:rPr lang="en-US" b="0" i="1" smtClean="0">
-                                <a:latin typeface="Cambria Math" panose="02040503050406030204" pitchFamily="18" charset="0"/>
-                                <a:ea typeface="Cambria Math" panose="02040503050406030204" pitchFamily="18" charset="0"/>
-                              </a:rPr>
-                              <m:t>𝑑</m:t>
-                            </m:r>
-                            <m:r>
-                              <a:rPr lang="en-US" b="0" i="1" smtClean="0">
-                                <a:latin typeface="Cambria Math" panose="02040503050406030204" pitchFamily="18" charset="0"/>
-                                <a:ea typeface="Cambria Math" panose="02040503050406030204" pitchFamily="18" charset="0"/>
-                              </a:rPr>
-                              <m:t>−1</m:t>
-                            </m:r>
-                          </m:sup>
-                        </m:sSup>
-                        <m:r>
-                          <a:rPr lang="en-US" b="0" i="1" smtClean="0">
-                            <a:latin typeface="Cambria Math" panose="02040503050406030204" pitchFamily="18" charset="0"/>
-                            <a:ea typeface="Cambria Math" panose="02040503050406030204" pitchFamily="18" charset="0"/>
-                          </a:rPr>
-                          <m:t>, ∀</m:t>
-                        </m:r>
-                        <m:r>
-                          <a:rPr lang="en-US" b="0" i="1" smtClean="0">
-                            <a:latin typeface="Cambria Math" panose="02040503050406030204" pitchFamily="18" charset="0"/>
-                            <a:ea typeface="Cambria Math" panose="02040503050406030204" pitchFamily="18" charset="0"/>
-                          </a:rPr>
-                          <m:t>𝑡</m:t>
-                        </m:r>
-                        <m:r>
-                          <a:rPr lang="en-US" b="0" i="1" smtClean="0">
-                            <a:latin typeface="Cambria Math" panose="02040503050406030204" pitchFamily="18" charset="0"/>
-                            <a:ea typeface="Cambria Math" panose="02040503050406030204" pitchFamily="18" charset="0"/>
-                          </a:rPr>
-                          <m:t>∈</m:t>
-                        </m:r>
-                        <m:r>
-                          <a:rPr lang="en-US" b="0" i="1" smtClean="0">
-                            <a:latin typeface="Cambria Math" panose="02040503050406030204" pitchFamily="18" charset="0"/>
-                            <a:ea typeface="Cambria Math" panose="02040503050406030204" pitchFamily="18" charset="0"/>
-                          </a:rPr>
-                          <m:t>ℝ</m:t>
-                        </m:r>
-                      </m:e>
-                    </m:nary>
-                  </m:oMath>
-                </a14:m>
-                <a:endParaRPr lang="ru-RU" dirty="0"/>
-              </a:p>
-            </p:txBody>
-          </p:sp>
-        </mc:Choice>
-        <mc:Fallback>
-          <p:sp>
-            <p:nvSpPr>
-              <p:cNvPr id="4" name="Объект 3">
-                <a:extLst>
-                  <a:ext uri="{FF2B5EF4-FFF2-40B4-BE49-F238E27FC236}">
-                    <a16:creationId xmlns:a16="http://schemas.microsoft.com/office/drawing/2014/main" id="{BA949765-C99F-4D14-996A-F36538EB5EBE}"/>
-                  </a:ext>
-                </a:extLst>
-              </p:cNvPr>
-              <p:cNvSpPr>
-                <a:spLocks noGrp="1" noRot="1" noChangeAspect="1" noMove="1" noResize="1" noEditPoints="1" noAdjustHandles="1" noChangeArrowheads="1" noChangeShapeType="1" noTextEdit="1"/>
-              </p:cNvSpPr>
-              <p:nvPr>
-                <p:ph sz="quarter" idx="1"/>
-              </p:nvPr>
-            </p:nvSpPr>
-            <p:spPr>
-              <a:blipFill>
-                <a:blip r:embed="rId2"/>
-                <a:stretch>
-                  <a:fillRect l="-667" t="-1111" r="-1333"/>
-                </a:stretch>
-              </a:blipFill>
-            </p:spPr>
-            <p:txBody>
-              <a:bodyPr/>
-              <a:lstStyle/>
-              <a:p>
-                <a:r>
-                  <a:rPr lang="ru-RU">
-                    <a:noFill/>
-                  </a:rPr>
-                  <a:t> </a:t>
-                </a:r>
-              </a:p>
-            </p:txBody>
-          </p:sp>
-        </mc:Fallback>
-      </mc:AlternateContent>
-      <p:pic>
-        <p:nvPicPr>
-          <p:cNvPr id="5" name="Рисунок 4">
+      <p:sp>
+        <p:nvSpPr>
+          <p:cNvPr id="4" name="Объект 3">
             <a:extLst>
               <a:ext uri="{FF2B5EF4-FFF2-40B4-BE49-F238E27FC236}">
-                <a16:creationId xmlns:a16="http://schemas.microsoft.com/office/drawing/2014/main" id="{15A5CAC3-1DB3-4BE1-9F97-24C04CAC0C5A}"/>
+                <a16:creationId xmlns="" xmlns:a16="http://schemas.microsoft.com/office/drawing/2014/main" id="{DE374E55-057E-4BBC-B6B5-EDC1FC11EDBD}"/>
               </a:ext>
             </a:extLst>
           </p:cNvPr>
-          <p:cNvPicPr>
-            <a:picLocks noChangeAspect="1"/>
-          </p:cNvPicPr>
-          <p:nvPr/>
-        </p:nvPicPr>
-        <p:blipFill>
-          <a:blip r:embed="rId3"/>
-          <a:stretch>
-            <a:fillRect/>
-          </a:stretch>
-        </p:blipFill>
-        <p:spPr>
-          <a:xfrm>
-            <a:off x="611560" y="2060848"/>
-            <a:ext cx="7920880" cy="3218804"/>
-          </a:xfrm>
-          <a:prstGeom prst="rect">
-            <a:avLst/>
-          </a:prstGeom>
-        </p:spPr>
-      </p:pic>
+          <p:cNvSpPr>
+            <a:spLocks noGrp="1"/>
+          </p:cNvSpPr>
+          <p:nvPr>
+            <p:ph sz="quarter" idx="1"/>
+          </p:nvPr>
+        </p:nvSpPr>
+        <p:spPr/>
+        <p:txBody>
+          <a:bodyPr/>
+          <a:lstStyle/>
+          <a:p>
+            <a:pPr algn="just"/>
+            <a:r>
+              <a:rPr lang="ru-RU" dirty="0"/>
+              <a:t>Архитектура такая же, как у глубокого </a:t>
+            </a:r>
+            <a:r>
+              <a:rPr lang="ru-RU" dirty="0" err="1"/>
+              <a:t>сверточного</a:t>
+            </a:r>
+            <a:r>
+              <a:rPr lang="ru-RU" dirty="0"/>
+              <a:t> </a:t>
+            </a:r>
+            <a:r>
+              <a:rPr lang="ru-RU" dirty="0" err="1"/>
+              <a:t>автокодера</a:t>
+            </a:r>
+            <a:r>
+              <a:rPr lang="ru-RU" dirty="0"/>
+              <a:t>. Отличается схема обучения.</a:t>
+            </a:r>
+          </a:p>
+          <a:p>
+            <a:pPr algn="just"/>
+            <a:r>
+              <a:rPr lang="ru-RU" dirty="0"/>
+              <a:t>Расстояние </a:t>
+            </a:r>
+            <a:r>
+              <a:rPr lang="ru-RU" dirty="0" err="1"/>
+              <a:t>Вассерштейна</a:t>
+            </a:r>
+            <a:r>
+              <a:rPr lang="ru-RU" dirty="0"/>
+              <a:t> (</a:t>
+            </a:r>
+            <a:r>
+              <a:rPr lang="en-US" dirty="0"/>
+              <a:t>Wasserstein Distance)</a:t>
+            </a:r>
+          </a:p>
+          <a:p>
+            <a:pPr algn="just"/>
+            <a:r>
+              <a:rPr lang="en-US" dirty="0"/>
+              <a:t>Sliced Wasserstein Distance – </a:t>
+            </a:r>
+            <a:r>
+              <a:rPr lang="ru-RU" dirty="0"/>
+              <a:t>разбиваем два </a:t>
+            </a:r>
+            <a:r>
+              <a:rPr lang="en-US" i="1" dirty="0"/>
+              <a:t>n</a:t>
+            </a:r>
+            <a:r>
+              <a:rPr lang="en-US" dirty="0"/>
+              <a:t>-</a:t>
+            </a:r>
+            <a:r>
+              <a:rPr lang="ru-RU" dirty="0"/>
+              <a:t>мерных распределений на множество одномерных и сравниваем их друг с другом, используя </a:t>
+            </a:r>
+            <a:r>
+              <a:rPr lang="en-US" dirty="0"/>
+              <a:t>Wasserstein Distance </a:t>
+            </a:r>
+            <a:r>
+              <a:rPr lang="ru-RU" dirty="0"/>
+              <a:t>для одномерного случая</a:t>
+            </a:r>
+          </a:p>
+        </p:txBody>
+      </p:sp>
     </p:spTree>
     <p:extLst>
       <p:ext uri="{BB962C8B-B14F-4D97-AF65-F5344CB8AC3E}">
-        <p14:creationId xmlns:p14="http://schemas.microsoft.com/office/powerpoint/2010/main" val="3270070449"/>
+        <p14:creationId xmlns="" xmlns:p14="http://schemas.microsoft.com/office/powerpoint/2010/main" val="4205654514"/>
       </p:ext>
     </p:extLst>
   </p:cSld>
@@ -5389,7 +5047,13 @@
       </p:grpSpPr>
       <p:sp>
         <p:nvSpPr>
-          <p:cNvPr id="2" name="Заголовок 1"/>
+          <p:cNvPr id="2" name="Заголовок 1">
+            <a:extLst>
+              <a:ext uri="{FF2B5EF4-FFF2-40B4-BE49-F238E27FC236}">
+                <a16:creationId xmlns="" xmlns:a16="http://schemas.microsoft.com/office/drawing/2014/main" id="{240E552E-D62D-4720-BA49-AD8B5122BD9D}"/>
+              </a:ext>
+            </a:extLst>
+          </p:cNvPr>
           <p:cNvSpPr>
             <a:spLocks noGrp="1"/>
           </p:cNvSpPr>
@@ -5403,15 +5067,22 @@
           <a:lstStyle/>
           <a:p>
             <a:r>
-              <a:rPr lang="ru-RU" dirty="0"/>
-              <a:t>Процесс обучения</a:t>
-            </a:r>
-          </a:p>
-        </p:txBody>
-      </p:sp>
-      <p:sp>
-        <p:nvSpPr>
-          <p:cNvPr id="3" name="Номер слайда 2"/>
+              <a:rPr lang="en-US" dirty="0"/>
+              <a:t>Sliced Wasserstein Distance</a:t>
+            </a:r>
+            <a:endParaRPr lang="ru-RU" dirty="0"/>
+          </a:p>
+        </p:txBody>
+      </p:sp>
+      <p:sp>
+        <p:nvSpPr>
+          <p:cNvPr id="3" name="Номер слайда 2">
+            <a:extLst>
+              <a:ext uri="{FF2B5EF4-FFF2-40B4-BE49-F238E27FC236}">
+                <a16:creationId xmlns="" xmlns:a16="http://schemas.microsoft.com/office/drawing/2014/main" id="{611DFF42-4422-4B02-9392-829907A43819}"/>
+              </a:ext>
+            </a:extLst>
+          </p:cNvPr>
           <p:cNvSpPr>
             <a:spLocks noGrp="1"/>
           </p:cNvSpPr>
@@ -5435,93 +5106,75 @@
       </p:sp>
       <p:sp>
         <p:nvSpPr>
-          <p:cNvPr id="4" name="Объект 3"/>
-          <p:cNvSpPr>
-            <a:spLocks noGrp="1"/>
+          <p:cNvPr id="4" name="Объект 3">
+            <a:extLst>
+              <a:ext uri="{FF2B5EF4-FFF2-40B4-BE49-F238E27FC236}">
+                <a16:creationId xmlns="" xmlns:mc="http://schemas.openxmlformats.org/markup-compatibility/2006" xmlns:a16="http://schemas.microsoft.com/office/drawing/2014/main" id="{BA949765-C99F-4D14-996A-F36538EB5EBE}"/>
+              </a:ext>
+            </a:extLst>
+          </p:cNvPr>
+          <p:cNvSpPr>
+            <a:spLocks noGrp="1" noRot="1" noChangeAspect="1" noMove="1" noResize="1" noEditPoints="1" noAdjustHandles="1" noChangeArrowheads="1" noChangeShapeType="1" noTextEdit="1"/>
           </p:cNvSpPr>
           <p:nvPr>
             <p:ph sz="quarter" idx="1"/>
           </p:nvPr>
         </p:nvSpPr>
-        <p:spPr/>
-        <p:txBody>
-          <a:bodyPr/>
-          <a:lstStyle/>
-          <a:p>
-            <a:r>
-              <a:rPr lang="ru-RU" dirty="0"/>
-              <a:t>Обучение всех </a:t>
-            </a:r>
-            <a:r>
-              <a:rPr lang="ru-RU" dirty="0" err="1"/>
-              <a:t>автокодеров</a:t>
-            </a:r>
-            <a:r>
-              <a:rPr lang="ru-RU" dirty="0"/>
-              <a:t> происходило с использованием библиотеки </a:t>
-            </a:r>
-            <a:r>
-              <a:rPr lang="en-US" i="1" dirty="0" err="1"/>
-              <a:t>Keras</a:t>
-            </a:r>
-            <a:r>
-              <a:rPr lang="ru-RU" i="1" dirty="0"/>
-              <a:t>.</a:t>
-            </a:r>
-          </a:p>
-          <a:p>
-            <a:r>
-              <a:rPr lang="ru-RU" dirty="0" err="1"/>
-              <a:t>Гиперпараметры</a:t>
-            </a:r>
-            <a:r>
-              <a:rPr lang="ru-RU" dirty="0"/>
-              <a:t>:</a:t>
-            </a:r>
-          </a:p>
-          <a:p>
-            <a:pPr lvl="1"/>
-            <a:r>
-              <a:rPr lang="ru-RU" dirty="0"/>
-              <a:t>Количество эпох – 200</a:t>
-            </a:r>
-          </a:p>
-          <a:p>
-            <a:pPr lvl="1"/>
-            <a:r>
-              <a:rPr lang="ru-RU" dirty="0"/>
-              <a:t>Размерность скрытого пространства – 2</a:t>
-            </a:r>
-          </a:p>
-          <a:p>
-            <a:pPr lvl="2"/>
-            <a:r>
-              <a:rPr lang="ru-RU" dirty="0"/>
-              <a:t>Была выбрана именно такая размерность для корректного отображения многообразия скрытого пространства</a:t>
-            </a:r>
-          </a:p>
-          <a:p>
-            <a:pPr lvl="1"/>
-            <a:r>
-              <a:rPr lang="ru-RU" dirty="0" err="1"/>
-              <a:t>Датасет</a:t>
-            </a:r>
-            <a:r>
-              <a:rPr lang="ru-RU" dirty="0"/>
-              <a:t> – рукописные цифры </a:t>
-            </a:r>
-            <a:r>
-              <a:rPr lang="en-US" dirty="0"/>
-              <a:t>MNIST</a:t>
-            </a:r>
-            <a:endParaRPr lang="ru-RU" dirty="0"/>
-          </a:p>
-        </p:txBody>
-      </p:sp>
+        <p:spPr>
+          <a:blipFill>
+            <a:blip r:embed="rId2" cstate="print"/>
+            <a:stretch>
+              <a:fillRect l="-667" t="-1111" r="-1333"/>
+            </a:stretch>
+          </a:blipFill>
+        </p:spPr>
+        <p:txBody>
+          <a:bodyPr/>
+          <a:lstStyle/>
+          <a:p>
+            <a:r>
+              <a:rPr lang="ru-RU" dirty="0">
+                <a:noFill/>
+              </a:rPr>
+              <a:t> </a:t>
+            </a:r>
+          </a:p>
+        </p:txBody>
+      </p:sp>
+      <p:pic>
+        <p:nvPicPr>
+          <p:cNvPr id="5" name="Рисунок 4">
+            <a:extLst>
+              <a:ext uri="{FF2B5EF4-FFF2-40B4-BE49-F238E27FC236}">
+                <a16:creationId xmlns="" xmlns:a16="http://schemas.microsoft.com/office/drawing/2014/main" id="{15A5CAC3-1DB3-4BE1-9F97-24C04CAC0C5A}"/>
+              </a:ext>
+            </a:extLst>
+          </p:cNvPr>
+          <p:cNvPicPr>
+            <a:picLocks noChangeAspect="1"/>
+          </p:cNvPicPr>
+          <p:nvPr/>
+        </p:nvPicPr>
+        <p:blipFill>
+          <a:blip r:embed="rId3" cstate="print"/>
+          <a:stretch>
+            <a:fillRect/>
+          </a:stretch>
+        </p:blipFill>
+        <p:spPr>
+          <a:xfrm>
+            <a:off x="611560" y="2060848"/>
+            <a:ext cx="7920880" cy="3218804"/>
+          </a:xfrm>
+          <a:prstGeom prst="rect">
+            <a:avLst/>
+          </a:prstGeom>
+        </p:spPr>
+      </p:pic>
     </p:spTree>
     <p:extLst>
       <p:ext uri="{BB962C8B-B14F-4D97-AF65-F5344CB8AC3E}">
-        <p14:creationId xmlns:p14="http://schemas.microsoft.com/office/powerpoint/2010/main" val="3586998789"/>
+        <p14:creationId xmlns="" xmlns:p14="http://schemas.microsoft.com/office/powerpoint/2010/main" val="3270070449"/>
       </p:ext>
     </p:extLst>
   </p:cSld>
@@ -5565,7 +5218,7 @@
           <a:p>
             <a:r>
               <a:rPr lang="ru-RU" dirty="0"/>
-              <a:t>Результаты обучения</a:t>
+              <a:t>Процесс обучения</a:t>
             </a:r>
           </a:p>
         </p:txBody>
@@ -5596,244 +5249,95 @@
       </p:sp>
       <p:sp>
         <p:nvSpPr>
-          <p:cNvPr id="7" name="Содержимое 3"/>
-          <p:cNvSpPr txBox="1">
-            <a:spLocks/>
-          </p:cNvSpPr>
-          <p:nvPr/>
-        </p:nvSpPr>
-        <p:spPr>
-          <a:xfrm>
-            <a:off x="457200" y="1219200"/>
-            <a:ext cx="8229600" cy="4937760"/>
-          </a:xfrm>
-          <a:prstGeom prst="rect">
-            <a:avLst/>
-          </a:prstGeom>
-        </p:spPr>
-        <p:txBody>
-          <a:bodyPr vert="horz">
-            <a:normAutofit/>
-          </a:bodyPr>
-          <a:lstStyle/>
-          <a:p>
-            <a:pPr marL="274320" marR="0" lvl="0" indent="-274320" algn="l" defTabSz="914400" rtl="0" eaLnBrk="1" fontAlgn="auto" latinLnBrk="0" hangingPunct="1">
-              <a:lnSpc>
-                <a:spcPct val="100000"/>
-              </a:lnSpc>
-              <a:spcBef>
-                <a:spcPts val="600"/>
-              </a:spcBef>
-              <a:spcAft>
-                <a:spcPts val="0"/>
-              </a:spcAft>
-              <a:buClr>
-                <a:schemeClr val="accent1"/>
-              </a:buClr>
-              <a:buSzPct val="76000"/>
-              <a:buFont typeface="Wingdings 3"/>
-              <a:buChar char=""/>
-              <a:tabLst/>
-              <a:defRPr/>
-            </a:pPr>
-            <a:r>
-              <a:rPr kumimoji="0" lang="ru-RU" sz="2600" b="0" i="0" u="none" strike="noStrike" kern="1200" cap="none" spc="0" normalizeH="0" baseline="0" noProof="0" dirty="0">
-                <a:ln>
-                  <a:noFill/>
-                </a:ln>
-                <a:solidFill>
-                  <a:schemeClr val="tx1"/>
-                </a:solidFill>
-                <a:effectLst/>
-                <a:uLnTx/>
-                <a:uFillTx/>
-                <a:latin typeface="+mn-lt"/>
-                <a:ea typeface="+mn-ea"/>
-                <a:cs typeface="+mn-cs"/>
-              </a:rPr>
-              <a:t>Глубокий </a:t>
-            </a:r>
-            <a:r>
-              <a:rPr kumimoji="0" lang="ru-RU" sz="2600" b="0" i="0" u="none" strike="noStrike" kern="1200" cap="none" spc="0" normalizeH="0" baseline="0" noProof="0" dirty="0" err="1">
-                <a:ln>
-                  <a:noFill/>
-                </a:ln>
-                <a:solidFill>
-                  <a:schemeClr val="tx1"/>
-                </a:solidFill>
-                <a:effectLst/>
-                <a:uLnTx/>
-                <a:uFillTx/>
-                <a:latin typeface="+mn-lt"/>
-                <a:ea typeface="+mn-ea"/>
-                <a:cs typeface="+mn-cs"/>
-              </a:rPr>
-              <a:t>сверточный</a:t>
-            </a:r>
-            <a:r>
-              <a:rPr kumimoji="0" lang="ru-RU" sz="2600" b="0" i="0" u="none" strike="noStrike" kern="1200" cap="none" spc="0" normalizeH="0" baseline="0" noProof="0" dirty="0">
-                <a:ln>
-                  <a:noFill/>
-                </a:ln>
-                <a:solidFill>
-                  <a:schemeClr val="tx1"/>
-                </a:solidFill>
-                <a:effectLst/>
-                <a:uLnTx/>
-                <a:uFillTx/>
-                <a:latin typeface="+mn-lt"/>
-                <a:ea typeface="+mn-ea"/>
-                <a:cs typeface="+mn-cs"/>
-              </a:rPr>
-              <a:t> </a:t>
-            </a:r>
-            <a:r>
-              <a:rPr kumimoji="0" lang="ru-RU" sz="2600" b="0" i="0" u="none" strike="noStrike" kern="1200" cap="none" spc="0" normalizeH="0" baseline="0" noProof="0" dirty="0" err="1">
-                <a:ln>
-                  <a:noFill/>
-                </a:ln>
-                <a:solidFill>
-                  <a:schemeClr val="tx1"/>
-                </a:solidFill>
-                <a:effectLst/>
-                <a:uLnTx/>
-                <a:uFillTx/>
-                <a:latin typeface="+mn-lt"/>
-                <a:ea typeface="+mn-ea"/>
-                <a:cs typeface="+mn-cs"/>
-              </a:rPr>
-              <a:t>автокодер</a:t>
-            </a:r>
-            <a:endParaRPr kumimoji="0" lang="en-US" sz="2600" b="0" i="0" u="none" strike="noStrike" kern="1200" cap="none" spc="0" normalizeH="0" baseline="0" noProof="0" dirty="0">
-              <a:ln>
-                <a:noFill/>
-              </a:ln>
-              <a:solidFill>
-                <a:schemeClr val="tx1"/>
-              </a:solidFill>
-              <a:effectLst/>
-              <a:uLnTx/>
-              <a:uFillTx/>
-              <a:latin typeface="+mn-lt"/>
-              <a:ea typeface="+mn-ea"/>
-              <a:cs typeface="+mn-cs"/>
-            </a:endParaRPr>
-          </a:p>
-          <a:p>
-            <a:pPr marL="731520" lvl="1" indent="-274320">
-              <a:spcBef>
-                <a:spcPts val="600"/>
-              </a:spcBef>
-              <a:buClr>
-                <a:schemeClr val="accent1"/>
-              </a:buClr>
-              <a:buSzPct val="76000"/>
-              <a:buFont typeface="Wingdings 3"/>
-              <a:buChar char=""/>
-              <a:defRPr/>
-            </a:pPr>
-            <a:r>
-              <a:rPr lang="ru-RU" sz="2300" dirty="0">
-                <a:solidFill>
-                  <a:schemeClr val="tx2"/>
-                </a:solidFill>
-              </a:rPr>
-              <a:t>График функции потерь</a:t>
-            </a:r>
-          </a:p>
-        </p:txBody>
-      </p:sp>
-      <p:pic>
-        <p:nvPicPr>
-          <p:cNvPr id="6" name="Рисунок 5"/>
-          <p:cNvPicPr>
-            <a:picLocks noChangeAspect="1"/>
-          </p:cNvPicPr>
-          <p:nvPr/>
-        </p:nvPicPr>
-        <p:blipFill>
-          <a:blip r:embed="rId2">
-            <a:extLst>
-              <a:ext uri="{28A0092B-C50C-407E-A947-70E740481C1C}">
-                <a14:useLocalDpi xmlns:a14="http://schemas.microsoft.com/office/drawing/2010/main" val="0"/>
-              </a:ext>
-            </a:extLst>
-          </a:blip>
-          <a:stretch>
-            <a:fillRect/>
-          </a:stretch>
-        </p:blipFill>
-        <p:spPr>
-          <a:xfrm>
-            <a:off x="1528762" y="2204864"/>
-            <a:ext cx="6086475" cy="3810000"/>
-          </a:xfrm>
-          <a:prstGeom prst="rect">
-            <a:avLst/>
-          </a:prstGeom>
-        </p:spPr>
-      </p:pic>
-      <p:sp>
-        <p:nvSpPr>
-          <p:cNvPr id="9" name="TextBox 8"/>
-          <p:cNvSpPr txBox="1"/>
-          <p:nvPr/>
-        </p:nvSpPr>
-        <p:spPr>
-          <a:xfrm>
-            <a:off x="4175955" y="6014864"/>
-            <a:ext cx="792088" cy="369332"/>
-          </a:xfrm>
-          <a:prstGeom prst="rect">
-            <a:avLst/>
-          </a:prstGeom>
-          <a:noFill/>
-        </p:spPr>
-        <p:txBody>
-          <a:bodyPr wrap="square" rtlCol="0">
-            <a:spAutoFit/>
-          </a:bodyPr>
-          <a:lstStyle/>
-          <a:p>
+          <p:cNvPr id="4" name="Объект 3"/>
+          <p:cNvSpPr>
+            <a:spLocks noGrp="1"/>
+          </p:cNvSpPr>
+          <p:nvPr>
+            <p:ph sz="quarter" idx="1"/>
+          </p:nvPr>
+        </p:nvSpPr>
+        <p:spPr/>
+        <p:txBody>
+          <a:bodyPr/>
+          <a:lstStyle/>
+          <a:p>
+            <a:r>
+              <a:rPr lang="ru-RU" dirty="0"/>
+              <a:t>Обучение всех </a:t>
+            </a:r>
+            <a:r>
+              <a:rPr lang="ru-RU" dirty="0" err="1"/>
+              <a:t>автокодеров</a:t>
+            </a:r>
+            <a:r>
+              <a:rPr lang="ru-RU" dirty="0"/>
+              <a:t> происходило с использованием библиотеки </a:t>
+            </a:r>
+            <a:r>
+              <a:rPr lang="en-US" i="1" dirty="0" err="1"/>
+              <a:t>Keras</a:t>
+            </a:r>
+            <a:r>
+              <a:rPr lang="ru-RU" i="1" dirty="0"/>
+              <a:t>.</a:t>
+            </a:r>
+          </a:p>
+          <a:p>
+            <a:r>
+              <a:rPr lang="ru-RU" dirty="0" err="1"/>
+              <a:t>Гиперпараметры</a:t>
+            </a:r>
+            <a:r>
+              <a:rPr lang="ru-RU" dirty="0"/>
+              <a:t>:</a:t>
+            </a:r>
+          </a:p>
+          <a:p>
+            <a:pPr lvl="1"/>
+            <a:r>
+              <a:rPr lang="ru-RU" dirty="0"/>
+              <a:t>Количество эпох – 200</a:t>
+            </a:r>
+          </a:p>
+          <a:p>
+            <a:pPr lvl="1"/>
+            <a:r>
+              <a:rPr lang="ru-RU" dirty="0"/>
+              <a:t>Размерность скрытого пространства – 2</a:t>
+            </a:r>
+          </a:p>
+          <a:p>
+            <a:pPr lvl="2"/>
+            <a:r>
+              <a:rPr lang="ru-RU" dirty="0"/>
+              <a:t>Была выбрана именно такая размерность для корректного отображения многообразия скрытого пространства</a:t>
+            </a:r>
+          </a:p>
+          <a:p>
+            <a:pPr lvl="1"/>
+            <a:r>
+              <a:rPr lang="ru-RU" dirty="0" err="1"/>
+              <a:t>Датасет</a:t>
+            </a:r>
+            <a:r>
+              <a:rPr lang="ru-RU" dirty="0"/>
+              <a:t> – рукописные цифры </a:t>
+            </a:r>
             <a:r>
               <a:rPr lang="en-US" dirty="0"/>
-              <a:t>Epoch</a:t>
+              <a:t>MNIST</a:t>
             </a:r>
             <a:endParaRPr lang="ru-RU" dirty="0"/>
           </a:p>
         </p:txBody>
       </p:sp>
-      <p:sp>
-        <p:nvSpPr>
-          <p:cNvPr id="10" name="TextBox 9"/>
-          <p:cNvSpPr txBox="1"/>
-          <p:nvPr/>
-        </p:nvSpPr>
-        <p:spPr>
-          <a:xfrm rot="16200000">
-            <a:off x="1094546" y="3925198"/>
-            <a:ext cx="648072" cy="369332"/>
-          </a:xfrm>
-          <a:prstGeom prst="rect">
-            <a:avLst/>
-          </a:prstGeom>
-          <a:noFill/>
-        </p:spPr>
-        <p:txBody>
-          <a:bodyPr wrap="square" rtlCol="0">
-            <a:spAutoFit/>
-          </a:bodyPr>
-          <a:lstStyle/>
-          <a:p>
-            <a:r>
-              <a:rPr lang="en-US" dirty="0"/>
-              <a:t>Loss</a:t>
-            </a:r>
-            <a:endParaRPr lang="ru-RU" dirty="0"/>
-          </a:p>
-        </p:txBody>
-      </p:sp>
     </p:spTree>
+    <p:extLst>
+      <p:ext uri="{BB962C8B-B14F-4D97-AF65-F5344CB8AC3E}">
+        <p14:creationId xmlns="" xmlns:p14="http://schemas.microsoft.com/office/powerpoint/2010/main" val="3586998789"/>
+      </p:ext>
+    </p:extLst>
   </p:cSld>
   <p:clrMapOvr>
     <a:masterClrMapping/>
@@ -5899,6 +5403,316 @@
               <a:rPr lang="ru-RU" smtClean="0"/>
               <a:pPr/>
               <a:t>13</a:t>
+            </a:fld>
+            <a:endParaRPr lang="ru-RU"/>
+          </a:p>
+        </p:txBody>
+      </p:sp>
+      <p:sp>
+        <p:nvSpPr>
+          <p:cNvPr id="7" name="Содержимое 3"/>
+          <p:cNvSpPr txBox="1">
+            <a:spLocks/>
+          </p:cNvSpPr>
+          <p:nvPr/>
+        </p:nvSpPr>
+        <p:spPr>
+          <a:xfrm>
+            <a:off x="457200" y="1219200"/>
+            <a:ext cx="8229600" cy="4937760"/>
+          </a:xfrm>
+          <a:prstGeom prst="rect">
+            <a:avLst/>
+          </a:prstGeom>
+        </p:spPr>
+        <p:txBody>
+          <a:bodyPr vert="horz">
+            <a:normAutofit/>
+          </a:bodyPr>
+          <a:lstStyle/>
+          <a:p>
+            <a:pPr marL="274320" marR="0" lvl="0" indent="-274320" algn="l" defTabSz="914400" rtl="0" eaLnBrk="1" fontAlgn="auto" latinLnBrk="0" hangingPunct="1">
+              <a:lnSpc>
+                <a:spcPct val="100000"/>
+              </a:lnSpc>
+              <a:spcBef>
+                <a:spcPts val="600"/>
+              </a:spcBef>
+              <a:spcAft>
+                <a:spcPts val="0"/>
+              </a:spcAft>
+              <a:buClr>
+                <a:schemeClr val="accent1"/>
+              </a:buClr>
+              <a:buSzPct val="76000"/>
+              <a:buFont typeface="Wingdings 3"/>
+              <a:buChar char=""/>
+              <a:tabLst/>
+              <a:defRPr/>
+            </a:pPr>
+            <a:r>
+              <a:rPr kumimoji="0" lang="ru-RU" sz="2600" b="0" i="0" u="none" strike="noStrike" kern="1200" cap="none" spc="0" normalizeH="0" baseline="0" noProof="0" dirty="0">
+                <a:ln>
+                  <a:noFill/>
+                </a:ln>
+                <a:solidFill>
+                  <a:schemeClr val="tx1"/>
+                </a:solidFill>
+                <a:effectLst/>
+                <a:uLnTx/>
+                <a:uFillTx/>
+                <a:latin typeface="+mn-lt"/>
+                <a:ea typeface="+mn-ea"/>
+                <a:cs typeface="+mn-cs"/>
+              </a:rPr>
+              <a:t>Глубокий </a:t>
+            </a:r>
+            <a:r>
+              <a:rPr kumimoji="0" lang="ru-RU" sz="2600" b="0" i="0" u="none" strike="noStrike" kern="1200" cap="none" spc="0" normalizeH="0" baseline="0" noProof="0" dirty="0" err="1">
+                <a:ln>
+                  <a:noFill/>
+                </a:ln>
+                <a:solidFill>
+                  <a:schemeClr val="tx1"/>
+                </a:solidFill>
+                <a:effectLst/>
+                <a:uLnTx/>
+                <a:uFillTx/>
+                <a:latin typeface="+mn-lt"/>
+                <a:ea typeface="+mn-ea"/>
+                <a:cs typeface="+mn-cs"/>
+              </a:rPr>
+              <a:t>сверточный</a:t>
+            </a:r>
+            <a:r>
+              <a:rPr kumimoji="0" lang="ru-RU" sz="2600" b="0" i="0" u="none" strike="noStrike" kern="1200" cap="none" spc="0" normalizeH="0" baseline="0" noProof="0" dirty="0">
+                <a:ln>
+                  <a:noFill/>
+                </a:ln>
+                <a:solidFill>
+                  <a:schemeClr val="tx1"/>
+                </a:solidFill>
+                <a:effectLst/>
+                <a:uLnTx/>
+                <a:uFillTx/>
+                <a:latin typeface="+mn-lt"/>
+                <a:ea typeface="+mn-ea"/>
+                <a:cs typeface="+mn-cs"/>
+              </a:rPr>
+              <a:t> </a:t>
+            </a:r>
+            <a:r>
+              <a:rPr kumimoji="0" lang="ru-RU" sz="2600" b="0" i="0" u="none" strike="noStrike" kern="1200" cap="none" spc="0" normalizeH="0" baseline="0" noProof="0" dirty="0" err="1">
+                <a:ln>
+                  <a:noFill/>
+                </a:ln>
+                <a:solidFill>
+                  <a:schemeClr val="tx1"/>
+                </a:solidFill>
+                <a:effectLst/>
+                <a:uLnTx/>
+                <a:uFillTx/>
+                <a:latin typeface="+mn-lt"/>
+                <a:ea typeface="+mn-ea"/>
+                <a:cs typeface="+mn-cs"/>
+              </a:rPr>
+              <a:t>автокодер</a:t>
+            </a:r>
+            <a:endParaRPr kumimoji="0" lang="en-US" sz="2600" b="0" i="0" u="none" strike="noStrike" kern="1200" cap="none" spc="0" normalizeH="0" baseline="0" noProof="0" dirty="0">
+              <a:ln>
+                <a:noFill/>
+              </a:ln>
+              <a:solidFill>
+                <a:schemeClr val="tx1"/>
+              </a:solidFill>
+              <a:effectLst/>
+              <a:uLnTx/>
+              <a:uFillTx/>
+              <a:latin typeface="+mn-lt"/>
+              <a:ea typeface="+mn-ea"/>
+              <a:cs typeface="+mn-cs"/>
+            </a:endParaRPr>
+          </a:p>
+          <a:p>
+            <a:pPr marL="731520" lvl="1" indent="-274320">
+              <a:spcBef>
+                <a:spcPts val="600"/>
+              </a:spcBef>
+              <a:buClr>
+                <a:schemeClr val="accent1"/>
+              </a:buClr>
+              <a:buSzPct val="76000"/>
+              <a:buFont typeface="Wingdings 3"/>
+              <a:buChar char=""/>
+              <a:defRPr/>
+            </a:pPr>
+            <a:r>
+              <a:rPr lang="ru-RU" sz="2300" dirty="0">
+                <a:solidFill>
+                  <a:schemeClr val="tx2"/>
+                </a:solidFill>
+              </a:rPr>
+              <a:t>График функции потерь</a:t>
+            </a:r>
+          </a:p>
+        </p:txBody>
+      </p:sp>
+      <p:pic>
+        <p:nvPicPr>
+          <p:cNvPr id="6" name="Рисунок 5"/>
+          <p:cNvPicPr>
+            <a:picLocks noChangeAspect="1"/>
+          </p:cNvPicPr>
+          <p:nvPr/>
+        </p:nvPicPr>
+        <p:blipFill>
+          <a:blip r:embed="rId2" cstate="print">
+            <a:extLst>
+              <a:ext uri="{28A0092B-C50C-407E-A947-70E740481C1C}">
+                <a14:useLocalDpi xmlns="" xmlns:a14="http://schemas.microsoft.com/office/drawing/2010/main" val="0"/>
+              </a:ext>
+            </a:extLst>
+          </a:blip>
+          <a:stretch>
+            <a:fillRect/>
+          </a:stretch>
+        </p:blipFill>
+        <p:spPr>
+          <a:xfrm>
+            <a:off x="1528762" y="2204864"/>
+            <a:ext cx="6086475" cy="3810000"/>
+          </a:xfrm>
+          <a:prstGeom prst="rect">
+            <a:avLst/>
+          </a:prstGeom>
+        </p:spPr>
+      </p:pic>
+      <p:sp>
+        <p:nvSpPr>
+          <p:cNvPr id="9" name="TextBox 8"/>
+          <p:cNvSpPr txBox="1"/>
+          <p:nvPr/>
+        </p:nvSpPr>
+        <p:spPr>
+          <a:xfrm>
+            <a:off x="4175955" y="6014864"/>
+            <a:ext cx="792088" cy="369332"/>
+          </a:xfrm>
+          <a:prstGeom prst="rect">
+            <a:avLst/>
+          </a:prstGeom>
+          <a:noFill/>
+        </p:spPr>
+        <p:txBody>
+          <a:bodyPr wrap="square" rtlCol="0">
+            <a:spAutoFit/>
+          </a:bodyPr>
+          <a:lstStyle/>
+          <a:p>
+            <a:r>
+              <a:rPr lang="en-US" dirty="0"/>
+              <a:t>Epoch</a:t>
+            </a:r>
+            <a:endParaRPr lang="ru-RU" dirty="0"/>
+          </a:p>
+        </p:txBody>
+      </p:sp>
+      <p:sp>
+        <p:nvSpPr>
+          <p:cNvPr id="10" name="TextBox 9"/>
+          <p:cNvSpPr txBox="1"/>
+          <p:nvPr/>
+        </p:nvSpPr>
+        <p:spPr>
+          <a:xfrm rot="16200000">
+            <a:off x="1094546" y="3925198"/>
+            <a:ext cx="648072" cy="369332"/>
+          </a:xfrm>
+          <a:prstGeom prst="rect">
+            <a:avLst/>
+          </a:prstGeom>
+          <a:noFill/>
+        </p:spPr>
+        <p:txBody>
+          <a:bodyPr wrap="square" rtlCol="0">
+            <a:spAutoFit/>
+          </a:bodyPr>
+          <a:lstStyle/>
+          <a:p>
+            <a:r>
+              <a:rPr lang="en-US" dirty="0"/>
+              <a:t>Loss</a:t>
+            </a:r>
+            <a:endParaRPr lang="ru-RU" dirty="0"/>
+          </a:p>
+        </p:txBody>
+      </p:sp>
+    </p:spTree>
+  </p:cSld>
+  <p:clrMapOvr>
+    <a:masterClrMapping/>
+  </p:clrMapOvr>
+</p:sld>
+</file>
+
+<file path=ppt/slides/slide14.xml><?xml version="1.0" encoding="utf-8"?>
+<p:sld xmlns:a="http://schemas.openxmlformats.org/drawingml/2006/main" xmlns:r="http://schemas.openxmlformats.org/officeDocument/2006/relationships" xmlns:p="http://schemas.openxmlformats.org/presentationml/2006/main">
+  <p:cSld>
+    <p:spTree>
+      <p:nvGrpSpPr>
+        <p:cNvPr id="1" name=""/>
+        <p:cNvGrpSpPr/>
+        <p:nvPr/>
+      </p:nvGrpSpPr>
+      <p:grpSpPr>
+        <a:xfrm>
+          <a:off x="0" y="0"/>
+          <a:ext cx="0" cy="0"/>
+          <a:chOff x="0" y="0"/>
+          <a:chExt cx="0" cy="0"/>
+        </a:xfrm>
+      </p:grpSpPr>
+      <p:sp>
+        <p:nvSpPr>
+          <p:cNvPr id="2" name="Заголовок 1"/>
+          <p:cNvSpPr>
+            <a:spLocks noGrp="1"/>
+          </p:cNvSpPr>
+          <p:nvPr>
+            <p:ph type="title"/>
+          </p:nvPr>
+        </p:nvSpPr>
+        <p:spPr/>
+        <p:txBody>
+          <a:bodyPr/>
+          <a:lstStyle/>
+          <a:p>
+            <a:r>
+              <a:rPr lang="ru-RU" dirty="0"/>
+              <a:t>Результаты обучения</a:t>
+            </a:r>
+          </a:p>
+        </p:txBody>
+      </p:sp>
+      <p:sp>
+        <p:nvSpPr>
+          <p:cNvPr id="3" name="Номер слайда 2"/>
+          <p:cNvSpPr>
+            <a:spLocks noGrp="1"/>
+          </p:cNvSpPr>
+          <p:nvPr>
+            <p:ph type="sldNum" sz="quarter" idx="12"/>
+          </p:nvPr>
+        </p:nvSpPr>
+        <p:spPr/>
+        <p:txBody>
+          <a:bodyPr/>
+          <a:lstStyle/>
+          <a:p>
+            <a:fld id="{B19B0651-EE4F-4900-A07F-96A6BFA9D0F0}" type="slidenum">
+              <a:rPr lang="ru-RU" smtClean="0"/>
+              <a:pPr/>
+              <a:t>14</a:t>
             </a:fld>
             <a:endParaRPr lang="ru-RU"/>
           </a:p>
@@ -6192,10 +6006,10 @@
           <p:nvPr/>
         </p:nvPicPr>
         <p:blipFill>
-          <a:blip r:embed="rId2">
+          <a:blip r:embed="rId2" cstate="print">
             <a:extLst>
               <a:ext uri="{28A0092B-C50C-407E-A947-70E740481C1C}">
-                <a14:useLocalDpi xmlns:a14="http://schemas.microsoft.com/office/drawing/2010/main" val="0"/>
+                <a14:useLocalDpi xmlns="" xmlns:a14="http://schemas.microsoft.com/office/drawing/2010/main" val="0"/>
               </a:ext>
             </a:extLst>
           </a:blip>
@@ -6216,233 +6030,9 @@
     </p:spTree>
     <p:extLst>
       <p:ext uri="{BB962C8B-B14F-4D97-AF65-F5344CB8AC3E}">
-        <p14:creationId xmlns:p14="http://schemas.microsoft.com/office/powerpoint/2010/main" val="2422354100"/>
+        <p14:creationId xmlns="" xmlns:p14="http://schemas.microsoft.com/office/powerpoint/2010/main" val="2422354100"/>
       </p:ext>
     </p:extLst>
-  </p:cSld>
-  <p:clrMapOvr>
-    <a:masterClrMapping/>
-  </p:clrMapOvr>
-</p:sld>
-</file>
-
-<file path=ppt/slides/slide14.xml><?xml version="1.0" encoding="utf-8"?>
-<p:sld xmlns:a="http://schemas.openxmlformats.org/drawingml/2006/main" xmlns:r="http://schemas.openxmlformats.org/officeDocument/2006/relationships" xmlns:p="http://schemas.openxmlformats.org/presentationml/2006/main">
-  <p:cSld>
-    <p:spTree>
-      <p:nvGrpSpPr>
-        <p:cNvPr id="1" name=""/>
-        <p:cNvGrpSpPr/>
-        <p:nvPr/>
-      </p:nvGrpSpPr>
-      <p:grpSpPr>
-        <a:xfrm>
-          <a:off x="0" y="0"/>
-          <a:ext cx="0" cy="0"/>
-          <a:chOff x="0" y="0"/>
-          <a:chExt cx="0" cy="0"/>
-        </a:xfrm>
-      </p:grpSpPr>
-      <p:sp>
-        <p:nvSpPr>
-          <p:cNvPr id="2" name="Заголовок 1"/>
-          <p:cNvSpPr>
-            <a:spLocks noGrp="1"/>
-          </p:cNvSpPr>
-          <p:nvPr>
-            <p:ph type="title"/>
-          </p:nvPr>
-        </p:nvSpPr>
-        <p:spPr/>
-        <p:txBody>
-          <a:bodyPr/>
-          <a:lstStyle/>
-          <a:p>
-            <a:r>
-              <a:rPr lang="ru-RU" dirty="0"/>
-              <a:t>Результаты обучения</a:t>
-            </a:r>
-          </a:p>
-        </p:txBody>
-      </p:sp>
-      <p:sp>
-        <p:nvSpPr>
-          <p:cNvPr id="3" name="Номер слайда 2"/>
-          <p:cNvSpPr>
-            <a:spLocks noGrp="1"/>
-          </p:cNvSpPr>
-          <p:nvPr>
-            <p:ph type="sldNum" sz="quarter" idx="12"/>
-          </p:nvPr>
-        </p:nvSpPr>
-        <p:spPr/>
-        <p:txBody>
-          <a:bodyPr/>
-          <a:lstStyle/>
-          <a:p>
-            <a:fld id="{B19B0651-EE4F-4900-A07F-96A6BFA9D0F0}" type="slidenum">
-              <a:rPr lang="ru-RU" smtClean="0"/>
-              <a:pPr/>
-              <a:t>14</a:t>
-            </a:fld>
-            <a:endParaRPr lang="ru-RU"/>
-          </a:p>
-        </p:txBody>
-      </p:sp>
-      <p:sp>
-        <p:nvSpPr>
-          <p:cNvPr id="4" name="Содержимое 3"/>
-          <p:cNvSpPr>
-            <a:spLocks noGrp="1"/>
-          </p:cNvSpPr>
-          <p:nvPr>
-            <p:ph sz="quarter" idx="1"/>
-          </p:nvPr>
-        </p:nvSpPr>
-        <p:spPr/>
-        <p:txBody>
-          <a:bodyPr/>
-          <a:lstStyle/>
-          <a:p>
-            <a:r>
-              <a:rPr lang="ru-RU" dirty="0"/>
-              <a:t>Вариационный </a:t>
-            </a:r>
-            <a:r>
-              <a:rPr lang="ru-RU" dirty="0" err="1"/>
-              <a:t>автокодер</a:t>
-            </a:r>
-            <a:r>
-              <a:rPr lang="ru-RU" dirty="0"/>
-              <a:t> </a:t>
-            </a:r>
-            <a:r>
-              <a:rPr lang="en-US" dirty="0"/>
-              <a:t>(VAE)</a:t>
-            </a:r>
-          </a:p>
-          <a:p>
-            <a:pPr lvl="1"/>
-            <a:r>
-              <a:rPr lang="ru-RU" dirty="0"/>
-              <a:t>График функции потерь</a:t>
-            </a:r>
-          </a:p>
-          <a:p>
-            <a:pPr lvl="1"/>
-            <a:endParaRPr lang="ru-RU" dirty="0"/>
-          </a:p>
-        </p:txBody>
-      </p:sp>
-      <p:pic>
-        <p:nvPicPr>
-          <p:cNvPr id="6" name="Рисунок 5" descr="Изображение выглядит как легкий, красный&#10;&#10;Автоматически созданное описание">
-            <a:extLst>
-              <a:ext uri="{FF2B5EF4-FFF2-40B4-BE49-F238E27FC236}">
-                <a16:creationId xmlns:a16="http://schemas.microsoft.com/office/drawing/2014/main" id="{083F550E-1E2C-4B57-9883-57039B91B74F}"/>
-              </a:ext>
-            </a:extLst>
-          </p:cNvPr>
-          <p:cNvPicPr>
-            <a:picLocks noChangeAspect="1"/>
-          </p:cNvPicPr>
-          <p:nvPr/>
-        </p:nvPicPr>
-        <p:blipFill>
-          <a:blip r:embed="rId2">
-            <a:extLst>
-              <a:ext uri="{28A0092B-C50C-407E-A947-70E740481C1C}">
-                <a14:useLocalDpi xmlns:a14="http://schemas.microsoft.com/office/drawing/2010/main" val="0"/>
-              </a:ext>
-            </a:extLst>
-          </a:blip>
-          <a:stretch>
-            <a:fillRect/>
-          </a:stretch>
-        </p:blipFill>
-        <p:spPr>
-          <a:xfrm>
-            <a:off x="1691679" y="2276872"/>
-            <a:ext cx="5760642" cy="3606036"/>
-          </a:xfrm>
-          <a:prstGeom prst="rect">
-            <a:avLst/>
-          </a:prstGeom>
-        </p:spPr>
-      </p:pic>
-      <p:sp>
-        <p:nvSpPr>
-          <p:cNvPr id="7" name="TextBox 6">
-            <a:extLst>
-              <a:ext uri="{FF2B5EF4-FFF2-40B4-BE49-F238E27FC236}">
-                <a16:creationId xmlns:a16="http://schemas.microsoft.com/office/drawing/2014/main" id="{662DDB6C-68D4-44FF-9FD7-15327269057F}"/>
-              </a:ext>
-            </a:extLst>
-          </p:cNvPr>
-          <p:cNvSpPr txBox="1"/>
-          <p:nvPr/>
-        </p:nvSpPr>
-        <p:spPr>
-          <a:xfrm>
-            <a:off x="4175956" y="5972294"/>
-            <a:ext cx="792088" cy="369332"/>
-          </a:xfrm>
-          <a:prstGeom prst="rect">
-            <a:avLst/>
-          </a:prstGeom>
-          <a:noFill/>
-        </p:spPr>
-        <p:txBody>
-          <a:bodyPr wrap="square" rtlCol="0">
-            <a:spAutoFit/>
-          </a:bodyPr>
-          <a:lstStyle/>
-          <a:p>
-            <a:r>
-              <a:rPr lang="en-US" dirty="0"/>
-              <a:t>Epoch</a:t>
-            </a:r>
-            <a:endParaRPr lang="ru-RU" dirty="0"/>
-          </a:p>
-        </p:txBody>
-      </p:sp>
-      <p:sp>
-        <p:nvSpPr>
-          <p:cNvPr id="8" name="TextBox 7">
-            <a:extLst>
-              <a:ext uri="{FF2B5EF4-FFF2-40B4-BE49-F238E27FC236}">
-                <a16:creationId xmlns:a16="http://schemas.microsoft.com/office/drawing/2014/main" id="{6A450B3F-365B-42F0-B027-4FC0C96DEB3D}"/>
-              </a:ext>
-            </a:extLst>
-          </p:cNvPr>
-          <p:cNvSpPr txBox="1"/>
-          <p:nvPr/>
-        </p:nvSpPr>
-        <p:spPr>
-          <a:xfrm rot="16200000">
-            <a:off x="1217040" y="3895224"/>
-            <a:ext cx="648072" cy="369332"/>
-          </a:xfrm>
-          <a:prstGeom prst="rect">
-            <a:avLst/>
-          </a:prstGeom>
-          <a:noFill/>
-        </p:spPr>
-        <p:txBody>
-          <a:bodyPr wrap="square" rtlCol="0">
-            <a:spAutoFit/>
-          </a:bodyPr>
-          <a:lstStyle/>
-          <a:p>
-            <a:r>
-              <a:rPr lang="en-US" dirty="0"/>
-              <a:t>Loss</a:t>
-            </a:r>
-            <a:endParaRPr lang="ru-RU" dirty="0"/>
-          </a:p>
-        </p:txBody>
-      </p:sp>
-    </p:spTree>
   </p:cSld>
   <p:clrMapOvr>
     <a:masterClrMapping/>
@@ -6515,7 +6105,7 @@
       </p:sp>
       <p:sp>
         <p:nvSpPr>
-          <p:cNvPr id="4" name="Объект 3"/>
+          <p:cNvPr id="4" name="Содержимое 3"/>
           <p:cNvSpPr>
             <a:spLocks noGrp="1"/>
           </p:cNvSpPr>
@@ -6538,68 +6128,32 @@
             </a:r>
             <a:r>
               <a:rPr lang="ru-RU" dirty="0"/>
-              <a:t> (</a:t>
+              <a:t> </a:t>
             </a:r>
             <a:r>
               <a:rPr lang="en-US" dirty="0"/>
-              <a:t>VAE)</a:t>
-            </a:r>
-            <a:endParaRPr lang="ru-RU" dirty="0"/>
+              <a:t>(VAE)</a:t>
+            </a:r>
           </a:p>
           <a:p>
             <a:pPr lvl="1"/>
             <a:r>
               <a:rPr lang="ru-RU" dirty="0"/>
-              <a:t>Выход декодера при подаче ему </a:t>
-            </a:r>
-            <a:r>
-              <a:rPr lang="ru-RU" dirty="0" err="1"/>
-              <a:t>рандомного</a:t>
-            </a:r>
-            <a:r>
-              <a:rPr lang="ru-RU" dirty="0"/>
-              <a:t> нормально </a:t>
-            </a:r>
-            <a:r>
-              <a:rPr lang="ru-RU" dirty="0" err="1"/>
-              <a:t>сгенеренного</a:t>
-            </a:r>
-            <a:r>
-              <a:rPr lang="ru-RU" dirty="0"/>
-              <a:t> кода</a:t>
+              <a:t>График функции потерь</a:t>
             </a:r>
           </a:p>
           <a:p>
             <a:pPr lvl="1"/>
             <a:endParaRPr lang="ru-RU" dirty="0"/>
           </a:p>
-          <a:p>
-            <a:pPr lvl="1"/>
-            <a:endParaRPr lang="ru-RU" dirty="0"/>
-          </a:p>
-          <a:p>
-            <a:pPr lvl="1"/>
-            <a:endParaRPr lang="ru-RU" dirty="0"/>
-          </a:p>
-          <a:p>
-            <a:pPr lvl="1"/>
-            <a:r>
-              <a:rPr lang="ru-RU" dirty="0"/>
-              <a:t>Проглядываются какие-то очертания, но все равно что-то непонятное</a:t>
-            </a:r>
-          </a:p>
-          <a:p>
-            <a:pPr lvl="1"/>
-            <a:endParaRPr lang="ru-RU" dirty="0"/>
-          </a:p>
         </p:txBody>
       </p:sp>
       <p:pic>
         <p:nvPicPr>
-          <p:cNvPr id="6" name="Рисунок 5" descr="Изображение выглядит как сидит, рисунок, белый&#10;&#10;Автоматически созданное описание">
+          <p:cNvPr id="6" name="Рисунок 5" descr="Изображение выглядит как легкий, красный&#10;&#10;Автоматически созданное описание">
             <a:extLst>
               <a:ext uri="{FF2B5EF4-FFF2-40B4-BE49-F238E27FC236}">
-                <a16:creationId xmlns:a16="http://schemas.microsoft.com/office/drawing/2014/main" id="{9AC82B66-C038-46C2-9C11-1FA15E48AD29}"/>
+                <a16:creationId xmlns="" xmlns:a16="http://schemas.microsoft.com/office/drawing/2014/main" id="{083F550E-1E2C-4B57-9883-57039B91B74F}"/>
               </a:ext>
             </a:extLst>
           </p:cNvPr>
@@ -6609,10 +6163,10 @@
           <p:nvPr/>
         </p:nvPicPr>
         <p:blipFill>
-          <a:blip r:embed="rId2">
+          <a:blip r:embed="rId2" cstate="print">
             <a:extLst>
               <a:ext uri="{28A0092B-C50C-407E-A947-70E740481C1C}">
-                <a14:useLocalDpi xmlns:a14="http://schemas.microsoft.com/office/drawing/2010/main" val="0"/>
+                <a14:useLocalDpi xmlns="" xmlns:a14="http://schemas.microsoft.com/office/drawing/2010/main" val="0"/>
               </a:ext>
             </a:extLst>
           </a:blip>
@@ -6622,20 +6176,87 @@
         </p:blipFill>
         <p:spPr>
           <a:xfrm>
-            <a:off x="539552" y="2636912"/>
-            <a:ext cx="8064896" cy="919616"/>
+            <a:off x="1691679" y="2276872"/>
+            <a:ext cx="5760642" cy="3606036"/>
           </a:xfrm>
           <a:prstGeom prst="rect">
             <a:avLst/>
           </a:prstGeom>
         </p:spPr>
       </p:pic>
+      <p:sp>
+        <p:nvSpPr>
+          <p:cNvPr id="7" name="TextBox 6">
+            <a:extLst>
+              <a:ext uri="{FF2B5EF4-FFF2-40B4-BE49-F238E27FC236}">
+                <a16:creationId xmlns="" xmlns:a16="http://schemas.microsoft.com/office/drawing/2014/main" id="{662DDB6C-68D4-44FF-9FD7-15327269057F}"/>
+              </a:ext>
+            </a:extLst>
+          </p:cNvPr>
+          <p:cNvSpPr txBox="1"/>
+          <p:nvPr/>
+        </p:nvSpPr>
+        <p:spPr>
+          <a:xfrm>
+            <a:off x="4175956" y="5972294"/>
+            <a:ext cx="792088" cy="369332"/>
+          </a:xfrm>
+          <a:prstGeom prst="rect">
+            <a:avLst/>
+          </a:prstGeom>
+          <a:noFill/>
+        </p:spPr>
+        <p:txBody>
+          <a:bodyPr wrap="square" rtlCol="0">
+            <a:spAutoFit/>
+          </a:bodyPr>
+          <a:lstStyle/>
+          <a:p>
+            <a:r>
+              <a:rPr lang="en-US" dirty="0"/>
+              <a:t>Epoch</a:t>
+            </a:r>
+            <a:endParaRPr lang="ru-RU" dirty="0"/>
+          </a:p>
+        </p:txBody>
+      </p:sp>
+      <p:sp>
+        <p:nvSpPr>
+          <p:cNvPr id="8" name="TextBox 7">
+            <a:extLst>
+              <a:ext uri="{FF2B5EF4-FFF2-40B4-BE49-F238E27FC236}">
+                <a16:creationId xmlns="" xmlns:a16="http://schemas.microsoft.com/office/drawing/2014/main" id="{6A450B3F-365B-42F0-B027-4FC0C96DEB3D}"/>
+              </a:ext>
+            </a:extLst>
+          </p:cNvPr>
+          <p:cNvSpPr txBox="1"/>
+          <p:nvPr/>
+        </p:nvSpPr>
+        <p:spPr>
+          <a:xfrm rot="16200000">
+            <a:off x="1217040" y="3895224"/>
+            <a:ext cx="648072" cy="369332"/>
+          </a:xfrm>
+          <a:prstGeom prst="rect">
+            <a:avLst/>
+          </a:prstGeom>
+          <a:noFill/>
+        </p:spPr>
+        <p:txBody>
+          <a:bodyPr wrap="square" rtlCol="0">
+            <a:spAutoFit/>
+          </a:bodyPr>
+          <a:lstStyle/>
+          <a:p>
+            <a:r>
+              <a:rPr lang="en-US" dirty="0"/>
+              <a:t>Loss</a:t>
+            </a:r>
+            <a:endParaRPr lang="ru-RU" dirty="0"/>
+          </a:p>
+        </p:txBody>
+      </p:sp>
     </p:spTree>
-    <p:extLst>
-      <p:ext uri="{BB962C8B-B14F-4D97-AF65-F5344CB8AC3E}">
-        <p14:creationId xmlns:p14="http://schemas.microsoft.com/office/powerpoint/2010/main" val="1852978300"/>
-      </p:ext>
-    </p:extLst>
   </p:cSld>
   <p:clrMapOvr>
     <a:masterClrMapping/>
@@ -6723,7 +6344,7 @@
           <a:p>
             <a:r>
               <a:rPr lang="ru-RU" dirty="0"/>
-              <a:t>Условный вариационный </a:t>
+              <a:t>Вариационный </a:t>
             </a:r>
             <a:r>
               <a:rPr lang="ru-RU" dirty="0" err="1"/>
@@ -6735,7 +6356,7 @@
             </a:r>
             <a:r>
               <a:rPr lang="en-US" dirty="0"/>
-              <a:t>CVAE)</a:t>
+              <a:t>VAE)</a:t>
             </a:r>
             <a:endParaRPr lang="ru-RU" dirty="0"/>
           </a:p>
@@ -6743,21 +6364,56 @@
             <a:pPr lvl="1"/>
             <a:r>
               <a:rPr lang="ru-RU" dirty="0"/>
-              <a:t>График функции потерь</a:t>
+              <a:t>Выход декодера при подаче ему </a:t>
+            </a:r>
+            <a:r>
+              <a:rPr lang="ru-RU" dirty="0" err="1"/>
+              <a:t>рандомного</a:t>
+            </a:r>
+            <a:r>
+              <a:rPr lang="ru-RU" dirty="0"/>
+              <a:t> нормально </a:t>
+            </a:r>
+            <a:r>
+              <a:rPr lang="ru-RU" dirty="0" err="1"/>
+              <a:t>сгенеренного</a:t>
+            </a:r>
+            <a:r>
+              <a:rPr lang="ru-RU" dirty="0"/>
+              <a:t> кода</a:t>
             </a:r>
           </a:p>
           <a:p>
             <a:pPr lvl="1"/>
             <a:endParaRPr lang="ru-RU" dirty="0"/>
           </a:p>
+          <a:p>
+            <a:pPr lvl="1"/>
+            <a:endParaRPr lang="ru-RU" dirty="0"/>
+          </a:p>
+          <a:p>
+            <a:pPr lvl="1"/>
+            <a:endParaRPr lang="ru-RU" dirty="0"/>
+          </a:p>
+          <a:p>
+            <a:pPr lvl="1"/>
+            <a:r>
+              <a:rPr lang="ru-RU" dirty="0"/>
+              <a:t>Проглядываются какие-то очертания, но все равно что-то непонятное</a:t>
+            </a:r>
+          </a:p>
+          <a:p>
+            <a:pPr lvl="1"/>
+            <a:endParaRPr lang="ru-RU" dirty="0"/>
+          </a:p>
         </p:txBody>
       </p:sp>
       <p:pic>
         <p:nvPicPr>
-          <p:cNvPr id="6" name="Рисунок 5" descr="Изображение выглядит как цепь&#10;&#10;Автоматически созданное описание">
+          <p:cNvPr id="6" name="Рисунок 5" descr="Изображение выглядит как сидит, рисунок, белый&#10;&#10;Автоматически созданное описание">
             <a:extLst>
               <a:ext uri="{FF2B5EF4-FFF2-40B4-BE49-F238E27FC236}">
-                <a16:creationId xmlns:a16="http://schemas.microsoft.com/office/drawing/2014/main" id="{22985409-16E5-46D1-AED8-3EA06EE14B3E}"/>
+                <a16:creationId xmlns="" xmlns:a16="http://schemas.microsoft.com/office/drawing/2014/main" id="{9AC82B66-C038-46C2-9C11-1FA15E48AD29}"/>
               </a:ext>
             </a:extLst>
           </p:cNvPr>
@@ -6767,10 +6423,10 @@
           <p:nvPr/>
         </p:nvPicPr>
         <p:blipFill>
-          <a:blip r:embed="rId2">
+          <a:blip r:embed="rId2" cstate="print">
             <a:extLst>
               <a:ext uri="{28A0092B-C50C-407E-A947-70E740481C1C}">
-                <a14:useLocalDpi xmlns:a14="http://schemas.microsoft.com/office/drawing/2010/main" val="0"/>
+                <a14:useLocalDpi xmlns="" xmlns:a14="http://schemas.microsoft.com/office/drawing/2010/main" val="0"/>
               </a:ext>
             </a:extLst>
           </a:blip>
@@ -6780,90 +6436,18 @@
         </p:blipFill>
         <p:spPr>
           <a:xfrm>
-            <a:off x="1691679" y="2276872"/>
-            <a:ext cx="5760642" cy="3606036"/>
+            <a:off x="539552" y="2636912"/>
+            <a:ext cx="8064896" cy="919616"/>
           </a:xfrm>
           <a:prstGeom prst="rect">
             <a:avLst/>
           </a:prstGeom>
         </p:spPr>
       </p:pic>
-      <p:sp>
-        <p:nvSpPr>
-          <p:cNvPr id="8" name="TextBox 7">
-            <a:extLst>
-              <a:ext uri="{FF2B5EF4-FFF2-40B4-BE49-F238E27FC236}">
-                <a16:creationId xmlns:a16="http://schemas.microsoft.com/office/drawing/2014/main" id="{402F2230-147C-4719-BA5A-E516A06DD27E}"/>
-              </a:ext>
-            </a:extLst>
-          </p:cNvPr>
-          <p:cNvSpPr txBox="1"/>
-          <p:nvPr/>
-        </p:nvSpPr>
-        <p:spPr>
-          <a:xfrm>
-            <a:off x="4175956" y="5972294"/>
-            <a:ext cx="792088" cy="369332"/>
-          </a:xfrm>
-          <a:prstGeom prst="rect">
-            <a:avLst/>
-          </a:prstGeom>
-          <a:noFill/>
-        </p:spPr>
-        <p:txBody>
-          <a:bodyPr wrap="square" rtlCol="0">
-            <a:spAutoFit/>
-          </a:bodyPr>
-          <a:lstStyle/>
-          <a:p>
-            <a:r>
-              <a:rPr lang="en-US" dirty="0"/>
-              <a:t>Epoch</a:t>
-            </a:r>
-            <a:endParaRPr lang="ru-RU" dirty="0"/>
-          </a:p>
-        </p:txBody>
-      </p:sp>
-      <p:sp>
-        <p:nvSpPr>
-          <p:cNvPr id="9" name="TextBox 8">
-            <a:extLst>
-              <a:ext uri="{FF2B5EF4-FFF2-40B4-BE49-F238E27FC236}">
-                <a16:creationId xmlns:a16="http://schemas.microsoft.com/office/drawing/2014/main" id="{71F353FC-BC67-493E-A615-48731828AA41}"/>
-              </a:ext>
-            </a:extLst>
-          </p:cNvPr>
-          <p:cNvSpPr txBox="1"/>
-          <p:nvPr/>
-        </p:nvSpPr>
-        <p:spPr>
-          <a:xfrm rot="16200000">
-            <a:off x="1217040" y="3895224"/>
-            <a:ext cx="648072" cy="369332"/>
-          </a:xfrm>
-          <a:prstGeom prst="rect">
-            <a:avLst/>
-          </a:prstGeom>
-          <a:noFill/>
-        </p:spPr>
-        <p:txBody>
-          <a:bodyPr wrap="square" rtlCol="0">
-            <a:spAutoFit/>
-          </a:bodyPr>
-          <a:lstStyle/>
-          <a:p>
-            <a:r>
-              <a:rPr lang="en-US" dirty="0"/>
-              <a:t>Loss</a:t>
-            </a:r>
-            <a:endParaRPr lang="ru-RU" dirty="0"/>
-          </a:p>
-        </p:txBody>
-      </p:sp>
     </p:spTree>
     <p:extLst>
       <p:ext uri="{BB962C8B-B14F-4D97-AF65-F5344CB8AC3E}">
-        <p14:creationId xmlns:p14="http://schemas.microsoft.com/office/powerpoint/2010/main" val="4071101620"/>
+        <p14:creationId xmlns="" xmlns:p14="http://schemas.microsoft.com/office/powerpoint/2010/main" val="1852978300"/>
       </p:ext>
     </p:extLst>
   </p:cSld>
@@ -6973,23 +6557,7 @@
             <a:pPr lvl="1"/>
             <a:r>
               <a:rPr lang="ru-RU" dirty="0"/>
-              <a:t>Выход декодера при подаче ему </a:t>
-            </a:r>
-            <a:r>
-              <a:rPr lang="ru-RU" dirty="0" err="1"/>
-              <a:t>рандомного</a:t>
-            </a:r>
-            <a:r>
-              <a:rPr lang="ru-RU" dirty="0"/>
-              <a:t> нормально </a:t>
-            </a:r>
-            <a:r>
-              <a:rPr lang="ru-RU" dirty="0" err="1"/>
-              <a:t>сгенеренного</a:t>
-            </a:r>
-            <a:r>
-              <a:rPr lang="ru-RU" dirty="0"/>
-              <a:t> кода и номер цифры от 0 до 9</a:t>
+              <a:t>График функции потерь</a:t>
             </a:r>
           </a:p>
           <a:p>
@@ -7000,10 +6568,10 @@
       </p:sp>
       <p:pic>
         <p:nvPicPr>
-          <p:cNvPr id="6" name="Рисунок 5" descr="Изображение выглядит как клавиатура, электроника, компьютер, пишущая машинка&#10;&#10;Автоматически созданное описание">
+          <p:cNvPr id="6" name="Рисунок 5" descr="Изображение выглядит как цепь&#10;&#10;Автоматически созданное описание">
             <a:extLst>
               <a:ext uri="{FF2B5EF4-FFF2-40B4-BE49-F238E27FC236}">
-                <a16:creationId xmlns:a16="http://schemas.microsoft.com/office/drawing/2014/main" id="{9CDA5993-82B4-4E00-A396-7DBDD82EB554}"/>
+                <a16:creationId xmlns="" xmlns:a16="http://schemas.microsoft.com/office/drawing/2014/main" id="{22985409-16E5-46D1-AED8-3EA06EE14B3E}"/>
               </a:ext>
             </a:extLst>
           </p:cNvPr>
@@ -7016,7 +6584,7 @@
           <a:blip r:embed="rId2" cstate="print">
             <a:extLst>
               <a:ext uri="{28A0092B-C50C-407E-A947-70E740481C1C}">
-                <a14:useLocalDpi xmlns:a14="http://schemas.microsoft.com/office/drawing/2010/main" val="0"/>
+                <a14:useLocalDpi xmlns="" xmlns:a14="http://schemas.microsoft.com/office/drawing/2010/main" val="0"/>
               </a:ext>
             </a:extLst>
           </a:blip>
@@ -7026,18 +6594,90 @@
         </p:blipFill>
         <p:spPr>
           <a:xfrm>
-            <a:off x="2771800" y="2534140"/>
-            <a:ext cx="3600400" cy="3600400"/>
+            <a:off x="1691679" y="2276872"/>
+            <a:ext cx="5760642" cy="3606036"/>
           </a:xfrm>
           <a:prstGeom prst="rect">
             <a:avLst/>
           </a:prstGeom>
         </p:spPr>
       </p:pic>
+      <p:sp>
+        <p:nvSpPr>
+          <p:cNvPr id="8" name="TextBox 7">
+            <a:extLst>
+              <a:ext uri="{FF2B5EF4-FFF2-40B4-BE49-F238E27FC236}">
+                <a16:creationId xmlns="" xmlns:a16="http://schemas.microsoft.com/office/drawing/2014/main" id="{402F2230-147C-4719-BA5A-E516A06DD27E}"/>
+              </a:ext>
+            </a:extLst>
+          </p:cNvPr>
+          <p:cNvSpPr txBox="1"/>
+          <p:nvPr/>
+        </p:nvSpPr>
+        <p:spPr>
+          <a:xfrm>
+            <a:off x="4175956" y="5972294"/>
+            <a:ext cx="792088" cy="369332"/>
+          </a:xfrm>
+          <a:prstGeom prst="rect">
+            <a:avLst/>
+          </a:prstGeom>
+          <a:noFill/>
+        </p:spPr>
+        <p:txBody>
+          <a:bodyPr wrap="square" rtlCol="0">
+            <a:spAutoFit/>
+          </a:bodyPr>
+          <a:lstStyle/>
+          <a:p>
+            <a:r>
+              <a:rPr lang="en-US" dirty="0"/>
+              <a:t>Epoch</a:t>
+            </a:r>
+            <a:endParaRPr lang="ru-RU" dirty="0"/>
+          </a:p>
+        </p:txBody>
+      </p:sp>
+      <p:sp>
+        <p:nvSpPr>
+          <p:cNvPr id="9" name="TextBox 8">
+            <a:extLst>
+              <a:ext uri="{FF2B5EF4-FFF2-40B4-BE49-F238E27FC236}">
+                <a16:creationId xmlns="" xmlns:a16="http://schemas.microsoft.com/office/drawing/2014/main" id="{71F353FC-BC67-493E-A615-48731828AA41}"/>
+              </a:ext>
+            </a:extLst>
+          </p:cNvPr>
+          <p:cNvSpPr txBox="1"/>
+          <p:nvPr/>
+        </p:nvSpPr>
+        <p:spPr>
+          <a:xfrm rot="16200000">
+            <a:off x="1217040" y="3895224"/>
+            <a:ext cx="648072" cy="369332"/>
+          </a:xfrm>
+          <a:prstGeom prst="rect">
+            <a:avLst/>
+          </a:prstGeom>
+          <a:noFill/>
+        </p:spPr>
+        <p:txBody>
+          <a:bodyPr wrap="square" rtlCol="0">
+            <a:spAutoFit/>
+          </a:bodyPr>
+          <a:lstStyle/>
+          <a:p>
+            <a:r>
+              <a:rPr lang="en-US" dirty="0"/>
+              <a:t>Loss</a:t>
+            </a:r>
+            <a:endParaRPr lang="ru-RU" dirty="0"/>
+          </a:p>
+        </p:txBody>
+      </p:sp>
     </p:spTree>
     <p:extLst>
       <p:ext uri="{BB962C8B-B14F-4D97-AF65-F5344CB8AC3E}">
-        <p14:creationId xmlns:p14="http://schemas.microsoft.com/office/powerpoint/2010/main" val="1169530567"/>
+        <p14:creationId xmlns="" xmlns:p14="http://schemas.microsoft.com/office/powerpoint/2010/main" val="4071101620"/>
       </p:ext>
     </p:extLst>
   </p:cSld>
@@ -7066,13 +6706,7 @@
       </p:grpSpPr>
       <p:sp>
         <p:nvSpPr>
-          <p:cNvPr id="2" name="Заголовок 1">
-            <a:extLst>
-              <a:ext uri="{FF2B5EF4-FFF2-40B4-BE49-F238E27FC236}">
-                <a16:creationId xmlns:a16="http://schemas.microsoft.com/office/drawing/2014/main" id="{9102DFEE-3DD7-42B4-ACCD-30677C4B2EC8}"/>
-              </a:ext>
-            </a:extLst>
-          </p:cNvPr>
+          <p:cNvPr id="2" name="Заголовок 1"/>
           <p:cNvSpPr>
             <a:spLocks noGrp="1"/>
           </p:cNvSpPr>
@@ -7094,13 +6728,7 @@
       </p:sp>
       <p:sp>
         <p:nvSpPr>
-          <p:cNvPr id="3" name="Номер слайда 2">
-            <a:extLst>
-              <a:ext uri="{FF2B5EF4-FFF2-40B4-BE49-F238E27FC236}">
-                <a16:creationId xmlns:a16="http://schemas.microsoft.com/office/drawing/2014/main" id="{CFF141A9-D8B1-4DAE-A521-F4EF94D14291}"/>
-              </a:ext>
-            </a:extLst>
-          </p:cNvPr>
+          <p:cNvPr id="3" name="Номер слайда 2"/>
           <p:cNvSpPr>
             <a:spLocks noGrp="1"/>
           </p:cNvSpPr>
@@ -7124,45 +6752,72 @@
       </p:sp>
       <p:sp>
         <p:nvSpPr>
-          <p:cNvPr id="4" name="Объект 3">
+          <p:cNvPr id="4" name="Объект 3"/>
+          <p:cNvSpPr>
+            <a:spLocks noGrp="1"/>
+          </p:cNvSpPr>
+          <p:nvPr>
+            <p:ph sz="quarter" idx="1"/>
+          </p:nvPr>
+        </p:nvSpPr>
+        <p:spPr/>
+        <p:txBody>
+          <a:bodyPr/>
+          <a:lstStyle/>
+          <a:p>
+            <a:r>
+              <a:rPr lang="ru-RU" dirty="0"/>
+              <a:t>Условный вариационный </a:t>
+            </a:r>
+            <a:r>
+              <a:rPr lang="ru-RU" dirty="0" err="1"/>
+              <a:t>автокодер</a:t>
+            </a:r>
+            <a:r>
+              <a:rPr lang="ru-RU" dirty="0"/>
+              <a:t> (</a:t>
+            </a:r>
+            <a:r>
+              <a:rPr lang="en-US" dirty="0"/>
+              <a:t>CVAE)</a:t>
+            </a:r>
+            <a:endParaRPr lang="ru-RU" dirty="0"/>
+          </a:p>
+          <a:p>
+            <a:pPr lvl="1"/>
+            <a:r>
+              <a:rPr lang="ru-RU" dirty="0"/>
+              <a:t>Выход декодера при подаче ему </a:t>
+            </a:r>
+            <a:r>
+              <a:rPr lang="ru-RU" dirty="0" err="1"/>
+              <a:t>рандомного</a:t>
+            </a:r>
+            <a:r>
+              <a:rPr lang="ru-RU" dirty="0"/>
+              <a:t> нормально </a:t>
+            </a:r>
+            <a:r>
+              <a:rPr lang="ru-RU" dirty="0" err="1"/>
+              <a:t>сгенеренного</a:t>
+            </a:r>
+            <a:r>
+              <a:rPr lang="ru-RU" dirty="0"/>
+              <a:t> кода и номер цифры от 0 до 9</a:t>
+            </a:r>
+          </a:p>
+          <a:p>
+            <a:pPr lvl="1"/>
+            <a:endParaRPr lang="ru-RU" dirty="0"/>
+          </a:p>
+        </p:txBody>
+      </p:sp>
+      <p:pic>
+        <p:nvPicPr>
+          <p:cNvPr id="6" name="Рисунок 5" descr="Изображение выглядит как клавиатура, электроника, компьютер, пишущая машинка&#10;&#10;Автоматически созданное описание">
             <a:extLst>
               <a:ext uri="{FF2B5EF4-FFF2-40B4-BE49-F238E27FC236}">
-                <a16:creationId xmlns:a16="http://schemas.microsoft.com/office/drawing/2014/main" id="{B18BBA32-2202-47B3-BC24-51D1CB78DDBD}"/>
-              </a:ext>
-            </a:extLst>
-          </p:cNvPr>
-          <p:cNvSpPr>
-            <a:spLocks noGrp="1"/>
-          </p:cNvSpPr>
-          <p:nvPr>
-            <p:ph sz="quarter" idx="1"/>
-          </p:nvPr>
-        </p:nvSpPr>
-        <p:spPr/>
-        <p:txBody>
-          <a:bodyPr/>
-          <a:lstStyle/>
-          <a:p>
-            <a:r>
-              <a:rPr lang="en-US" dirty="0"/>
-              <a:t>Sliced Wasserstein Autoencoder (SWAE)</a:t>
-            </a:r>
-          </a:p>
-          <a:p>
-            <a:pPr lvl="1"/>
-            <a:r>
-              <a:rPr lang="ru-RU" dirty="0"/>
-              <a:t>Размерность скрытого пространства - 2</a:t>
-            </a:r>
-          </a:p>
-        </p:txBody>
-      </p:sp>
-      <p:pic>
-        <p:nvPicPr>
-          <p:cNvPr id="6" name="Рисунок 5" descr="Изображение выглядит как электроника, клавиатура, компьютер, сидит&#10;&#10;Автоматически созданное описание">
-            <a:extLst>
-              <a:ext uri="{FF2B5EF4-FFF2-40B4-BE49-F238E27FC236}">
-                <a16:creationId xmlns:a16="http://schemas.microsoft.com/office/drawing/2014/main" id="{2A354FAD-41D7-483A-A064-84CEDC98EA71}"/>
+                <a16:creationId xmlns="" xmlns:a16="http://schemas.microsoft.com/office/drawing/2014/main" id="{9CDA5993-82B4-4E00-A396-7DBDD82EB554}"/>
               </a:ext>
             </a:extLst>
           </p:cNvPr>
@@ -7172,10 +6827,10 @@
           <p:nvPr/>
         </p:nvPicPr>
         <p:blipFill>
-          <a:blip r:embed="rId2">
+          <a:blip r:embed="rId2" cstate="print">
             <a:extLst>
               <a:ext uri="{28A0092B-C50C-407E-A947-70E740481C1C}">
-                <a14:useLocalDpi xmlns:a14="http://schemas.microsoft.com/office/drawing/2010/main" val="0"/>
+                <a14:useLocalDpi xmlns="" xmlns:a14="http://schemas.microsoft.com/office/drawing/2010/main" val="0"/>
               </a:ext>
             </a:extLst>
           </a:blip>
@@ -7185,44 +6840,8 @@
         </p:blipFill>
         <p:spPr>
           <a:xfrm>
-            <a:off x="643204" y="2132856"/>
-            <a:ext cx="3928796" cy="3888432"/>
-          </a:xfrm>
-          <a:prstGeom prst="rect">
-            <a:avLst/>
-          </a:prstGeom>
-        </p:spPr>
-      </p:pic>
-      <p:pic>
-        <p:nvPicPr>
-          <p:cNvPr id="8" name="Рисунок 7" descr="Изображение выглядит как снимок экрана&#10;&#10;Автоматически созданное описание">
-            <a:extLst>
-              <a:ext uri="{FF2B5EF4-FFF2-40B4-BE49-F238E27FC236}">
-                <a16:creationId xmlns:a16="http://schemas.microsoft.com/office/drawing/2014/main" id="{A139BA92-2F6B-4157-95CF-17FAFF076B81}"/>
-              </a:ext>
-            </a:extLst>
-          </p:cNvPr>
-          <p:cNvPicPr>
-            <a:picLocks noChangeAspect="1"/>
-          </p:cNvPicPr>
-          <p:nvPr/>
-        </p:nvPicPr>
-        <p:blipFill>
-          <a:blip r:embed="rId3">
-            <a:extLst>
-              <a:ext uri="{28A0092B-C50C-407E-A947-70E740481C1C}">
-                <a14:useLocalDpi xmlns:a14="http://schemas.microsoft.com/office/drawing/2010/main" val="0"/>
-              </a:ext>
-            </a:extLst>
-          </a:blip>
-          <a:stretch>
-            <a:fillRect/>
-          </a:stretch>
-        </p:blipFill>
-        <p:spPr>
-          <a:xfrm>
-            <a:off x="4629292" y="2183866"/>
-            <a:ext cx="3871504" cy="3790846"/>
+            <a:off x="2771800" y="2534140"/>
+            <a:ext cx="3600400" cy="3600400"/>
           </a:xfrm>
           <a:prstGeom prst="rect">
             <a:avLst/>
@@ -7232,7 +6851,7 @@
     </p:spTree>
     <p:extLst>
       <p:ext uri="{BB962C8B-B14F-4D97-AF65-F5344CB8AC3E}">
-        <p14:creationId xmlns:p14="http://schemas.microsoft.com/office/powerpoint/2010/main" val="2760546178"/>
+        <p14:creationId xmlns="" xmlns:p14="http://schemas.microsoft.com/office/powerpoint/2010/main" val="1169530567"/>
       </p:ext>
     </p:extLst>
   </p:cSld>
@@ -7264,7 +6883,7 @@
           <p:cNvPr id="2" name="Заголовок 1">
             <a:extLst>
               <a:ext uri="{FF2B5EF4-FFF2-40B4-BE49-F238E27FC236}">
-                <a16:creationId xmlns:a16="http://schemas.microsoft.com/office/drawing/2014/main" id="{0AB20D01-14CE-4A86-95DB-1BF9E6A2267F}"/>
+                <a16:creationId xmlns="" xmlns:a16="http://schemas.microsoft.com/office/drawing/2014/main" id="{9102DFEE-3DD7-42B4-ACCD-30677C4B2EC8}"/>
               </a:ext>
             </a:extLst>
           </p:cNvPr>
@@ -7292,7 +6911,7 @@
           <p:cNvPr id="3" name="Номер слайда 2">
             <a:extLst>
               <a:ext uri="{FF2B5EF4-FFF2-40B4-BE49-F238E27FC236}">
-                <a16:creationId xmlns:a16="http://schemas.microsoft.com/office/drawing/2014/main" id="{443416CE-CDBF-46B6-9DA6-BD41C98C55FC}"/>
+                <a16:creationId xmlns="" xmlns:a16="http://schemas.microsoft.com/office/drawing/2014/main" id="{CFF141A9-D8B1-4DAE-A521-F4EF94D14291}"/>
               </a:ext>
             </a:extLst>
           </p:cNvPr>
@@ -7322,7 +6941,7 @@
           <p:cNvPr id="4" name="Объект 3">
             <a:extLst>
               <a:ext uri="{FF2B5EF4-FFF2-40B4-BE49-F238E27FC236}">
-                <a16:creationId xmlns:a16="http://schemas.microsoft.com/office/drawing/2014/main" id="{8C20E4AF-349C-40D4-9F51-970ACD835B80}"/>
+                <a16:creationId xmlns="" xmlns:a16="http://schemas.microsoft.com/office/drawing/2014/main" id="{B18BBA32-2202-47B3-BC24-51D1CB78DDBD}"/>
               </a:ext>
             </a:extLst>
           </p:cNvPr>
@@ -7347,17 +6966,17 @@
             <a:pPr lvl="1"/>
             <a:r>
               <a:rPr lang="ru-RU" dirty="0"/>
-              <a:t>Размерность скрытого пространства - 100</a:t>
+              <a:t>Размерность скрытого пространства - 2</a:t>
             </a:r>
           </a:p>
         </p:txBody>
       </p:sp>
       <p:pic>
         <p:nvPicPr>
-          <p:cNvPr id="6" name="Рисунок 5" descr="Изображение выглядит как клавиатура, сидит, белый, компьютер&#10;&#10;Автоматически созданное описание">
+          <p:cNvPr id="6" name="Рисунок 5" descr="Изображение выглядит как электроника, клавиатура, компьютер, сидит&#10;&#10;Автоматически созданное описание">
             <a:extLst>
               <a:ext uri="{FF2B5EF4-FFF2-40B4-BE49-F238E27FC236}">
-                <a16:creationId xmlns:a16="http://schemas.microsoft.com/office/drawing/2014/main" id="{4DE05CE6-5115-4D86-8602-86AE1D1F9CA0}"/>
+                <a16:creationId xmlns="" xmlns:a16="http://schemas.microsoft.com/office/drawing/2014/main" id="{2A354FAD-41D7-483A-A064-84CEDC98EA71}"/>
               </a:ext>
             </a:extLst>
           </p:cNvPr>
@@ -7370,7 +6989,7 @@
           <a:blip r:embed="rId2" cstate="print">
             <a:extLst>
               <a:ext uri="{28A0092B-C50C-407E-A947-70E740481C1C}">
-                <a14:useLocalDpi xmlns:a14="http://schemas.microsoft.com/office/drawing/2010/main" val="0"/>
+                <a14:useLocalDpi xmlns="" xmlns:a14="http://schemas.microsoft.com/office/drawing/2010/main" val="0"/>
               </a:ext>
             </a:extLst>
           </a:blip>
@@ -7380,8 +6999,8 @@
         </p:blipFill>
         <p:spPr>
           <a:xfrm>
-            <a:off x="677846" y="2132856"/>
-            <a:ext cx="3899734" cy="3899734"/>
+            <a:off x="643204" y="2132856"/>
+            <a:ext cx="3928796" cy="3888432"/>
           </a:xfrm>
           <a:prstGeom prst="rect">
             <a:avLst/>
@@ -7390,10 +7009,10 @@
       </p:pic>
       <p:pic>
         <p:nvPicPr>
-          <p:cNvPr id="8" name="Рисунок 7" descr="Изображение выглядит как птица&#10;&#10;Автоматически созданное описание">
+          <p:cNvPr id="8" name="Рисунок 7" descr="Изображение выглядит как снимок экрана&#10;&#10;Автоматически созданное описание">
             <a:extLst>
               <a:ext uri="{FF2B5EF4-FFF2-40B4-BE49-F238E27FC236}">
-                <a16:creationId xmlns:a16="http://schemas.microsoft.com/office/drawing/2014/main" id="{6EA491D2-CCF3-4EAC-AF4B-3C2345477B4C}"/>
+                <a16:creationId xmlns="" xmlns:a16="http://schemas.microsoft.com/office/drawing/2014/main" id="{A139BA92-2F6B-4157-95CF-17FAFF076B81}"/>
               </a:ext>
             </a:extLst>
           </p:cNvPr>
@@ -7403,10 +7022,10 @@
           <p:nvPr/>
         </p:nvPicPr>
         <p:blipFill>
-          <a:blip r:embed="rId3">
+          <a:blip r:embed="rId3" cstate="print">
             <a:extLst>
               <a:ext uri="{28A0092B-C50C-407E-A947-70E740481C1C}">
-                <a14:useLocalDpi xmlns:a14="http://schemas.microsoft.com/office/drawing/2010/main" val="0"/>
+                <a14:useLocalDpi xmlns="" xmlns:a14="http://schemas.microsoft.com/office/drawing/2010/main" val="0"/>
               </a:ext>
             </a:extLst>
           </a:blip>
@@ -7416,8 +7035,8 @@
         </p:blipFill>
         <p:spPr>
           <a:xfrm>
-            <a:off x="4572000" y="2090102"/>
-            <a:ext cx="4064296" cy="3985242"/>
+            <a:off x="4629292" y="2183866"/>
+            <a:ext cx="3871504" cy="3790846"/>
           </a:xfrm>
           <a:prstGeom prst="rect">
             <a:avLst/>
@@ -7427,7 +7046,7 @@
     </p:spTree>
     <p:extLst>
       <p:ext uri="{BB962C8B-B14F-4D97-AF65-F5344CB8AC3E}">
-        <p14:creationId xmlns:p14="http://schemas.microsoft.com/office/powerpoint/2010/main" val="2611659872"/>
+        <p14:creationId xmlns="" xmlns:p14="http://schemas.microsoft.com/office/powerpoint/2010/main" val="2760546178"/>
       </p:ext>
     </p:extLst>
   </p:cSld>
@@ -7471,12 +7090,17 @@
           <a:p>
             <a:r>
               <a:rPr lang="ru-RU" dirty="0" err="1"/>
-              <a:t>Генеративно</a:t>
-            </a:r>
-            <a:r>
-              <a:rPr lang="ru-RU" dirty="0"/>
-              <a:t>-состязательные сети (ГСС)</a:t>
-            </a:r>
+              <a:t>Генеративно-состязательные</a:t>
+            </a:r>
+            <a:r>
+              <a:rPr lang="ru-RU" dirty="0"/>
+              <a:t> сети </a:t>
+            </a:r>
+            <a:r>
+              <a:rPr lang="ru-RU" dirty="0" smtClean="0"/>
+              <a:t>(ГСС)</a:t>
+            </a:r>
+            <a:endParaRPr lang="ru-RU" dirty="0"/>
           </a:p>
         </p:txBody>
       </p:sp>
@@ -7522,8 +7146,13 @@
             <a:pPr algn="just"/>
             <a:r>
               <a:rPr lang="ru-RU" dirty="0"/>
-              <a:t>ГСС - архитектура, состоящая из генератора и дискриминатора, настроенных на работу друг против друга.</a:t>
-            </a:r>
+              <a:t>ГСС </a:t>
+            </a:r>
+            <a:r>
+              <a:rPr lang="ru-RU" dirty="0" smtClean="0"/>
+              <a:t>– алгоритм машинного обучения без учителя, построенный на комбинации из двух нейронных сетей – генератора и дискриминатора.</a:t>
+            </a:r>
+            <a:endParaRPr lang="ru-RU" dirty="0"/>
           </a:p>
         </p:txBody>
       </p:sp>
@@ -7536,10 +7165,10 @@
           <p:nvPr/>
         </p:nvPicPr>
         <p:blipFill>
-          <a:blip r:embed="rId2">
+          <a:blip r:embed="rId2" cstate="print">
             <a:extLst>
               <a:ext uri="{28A0092B-C50C-407E-A947-70E740481C1C}">
-                <a14:useLocalDpi xmlns:a14="http://schemas.microsoft.com/office/drawing/2010/main" val="0"/>
+                <a14:useLocalDpi xmlns="" xmlns:a14="http://schemas.microsoft.com/office/drawing/2010/main" val="0"/>
               </a:ext>
             </a:extLst>
           </a:blip>
@@ -7559,7 +7188,7 @@
           <a:noFill/>
           <a:extLst>
             <a:ext uri="{909E8E84-426E-40DD-AFC4-6F175D3DCCD1}">
-              <a14:hiddenFill xmlns:a14="http://schemas.microsoft.com/office/drawing/2010/main">
+              <a14:hiddenFill xmlns="" xmlns:a14="http://schemas.microsoft.com/office/drawing/2010/main">
                 <a:solidFill>
                   <a:srgbClr val="FFFFFF"/>
                 </a:solidFill>
@@ -7571,7 +7200,7 @@
     </p:spTree>
     <p:extLst>
       <p:ext uri="{BB962C8B-B14F-4D97-AF65-F5344CB8AC3E}">
-        <p14:creationId xmlns:p14="http://schemas.microsoft.com/office/powerpoint/2010/main" val="1681532095"/>
+        <p14:creationId xmlns="" xmlns:p14="http://schemas.microsoft.com/office/powerpoint/2010/main" val="1681532095"/>
       </p:ext>
     </p:extLst>
   </p:cSld>
@@ -7603,7 +7232,7 @@
           <p:cNvPr id="2" name="Заголовок 1">
             <a:extLst>
               <a:ext uri="{FF2B5EF4-FFF2-40B4-BE49-F238E27FC236}">
-                <a16:creationId xmlns:a16="http://schemas.microsoft.com/office/drawing/2014/main" id="{B28F9BAA-6460-45E6-8A97-791C8574BC2A}"/>
+                <a16:creationId xmlns="" xmlns:a16="http://schemas.microsoft.com/office/drawing/2014/main" id="{0AB20D01-14CE-4A86-95DB-1BF9E6A2267F}"/>
               </a:ext>
             </a:extLst>
           </p:cNvPr>
@@ -7621,7 +7250,7 @@
           <a:p>
             <a:r>
               <a:rPr lang="ru-RU" dirty="0"/>
-              <a:t>Комбинация декодера и ГСС</a:t>
+              <a:t>Результаты обучения</a:t>
             </a:r>
           </a:p>
         </p:txBody>
@@ -7631,7 +7260,7 @@
           <p:cNvPr id="3" name="Номер слайда 2">
             <a:extLst>
               <a:ext uri="{FF2B5EF4-FFF2-40B4-BE49-F238E27FC236}">
-                <a16:creationId xmlns:a16="http://schemas.microsoft.com/office/drawing/2014/main" id="{C8DC7E43-D7B7-45F7-ABC4-4DED44B0B412}"/>
+                <a16:creationId xmlns="" xmlns:a16="http://schemas.microsoft.com/office/drawing/2014/main" id="{443416CE-CDBF-46B6-9DA6-BD41C98C55FC}"/>
               </a:ext>
             </a:extLst>
           </p:cNvPr>
@@ -7661,7 +7290,7 @@
           <p:cNvPr id="4" name="Объект 3">
             <a:extLst>
               <a:ext uri="{FF2B5EF4-FFF2-40B4-BE49-F238E27FC236}">
-                <a16:creationId xmlns:a16="http://schemas.microsoft.com/office/drawing/2014/main" id="{1562EC21-8F26-44CF-AED4-4D50496FF80D}"/>
+                <a16:creationId xmlns="" xmlns:a16="http://schemas.microsoft.com/office/drawing/2014/main" id="{8C20E4AF-349C-40D4-9F51-970ACD835B80}"/>
               </a:ext>
             </a:extLst>
           </p:cNvPr>
@@ -7677,72 +7306,96 @@
           <a:bodyPr/>
           <a:lstStyle/>
           <a:p>
-            <a:pPr algn="just"/>
-            <a:r>
-              <a:rPr lang="ru-RU" dirty="0"/>
-              <a:t>Основная идея – использовать </a:t>
-            </a:r>
-            <a:r>
-              <a:rPr lang="ru-RU" dirty="0" err="1"/>
-              <a:t>предобученный</a:t>
-            </a:r>
-            <a:r>
-              <a:rPr lang="ru-RU" dirty="0"/>
-              <a:t> декодер как генератор в ГСС.</a:t>
-            </a:r>
-          </a:p>
-          <a:p>
-            <a:pPr algn="just"/>
-            <a:r>
-              <a:rPr lang="ru-RU" dirty="0"/>
-              <a:t>Рассмотренные ГСС:</a:t>
-            </a:r>
-          </a:p>
-          <a:p>
-            <a:pPr lvl="1" algn="just"/>
-            <a:r>
-              <a:rPr lang="ru-RU" dirty="0"/>
-              <a:t>Глубокая </a:t>
-            </a:r>
-            <a:r>
-              <a:rPr lang="ru-RU" dirty="0" err="1"/>
-              <a:t>сверточная</a:t>
-            </a:r>
-            <a:r>
-              <a:rPr lang="ru-RU" dirty="0"/>
-              <a:t> ГСС (</a:t>
-            </a:r>
             <a:r>
               <a:rPr lang="en-US" dirty="0"/>
-              <a:t>DCGAN)</a:t>
-            </a:r>
-          </a:p>
-          <a:p>
-            <a:pPr lvl="1" algn="just"/>
-            <a:r>
-              <a:rPr lang="ru-RU" dirty="0"/>
-              <a:t>Улучшенная версия </a:t>
-            </a:r>
-            <a:r>
-              <a:rPr lang="ru-RU" dirty="0" err="1"/>
-              <a:t>Вассерштейн</a:t>
-            </a:r>
-            <a:r>
-              <a:rPr lang="ru-RU" dirty="0"/>
-              <a:t> ГСС (</a:t>
-            </a:r>
-            <a:r>
-              <a:rPr lang="en-US" dirty="0"/>
-              <a:t>WGAN-GP)</a:t>
-            </a:r>
-            <a:endParaRPr lang="ru-RU" dirty="0"/>
-          </a:p>
-        </p:txBody>
-      </p:sp>
+              <a:t>Sliced Wasserstein Autoencoder (SWAE)</a:t>
+            </a:r>
+          </a:p>
+          <a:p>
+            <a:pPr lvl="1"/>
+            <a:r>
+              <a:rPr lang="ru-RU" dirty="0"/>
+              <a:t>Размерность скрытого пространства - 100</a:t>
+            </a:r>
+          </a:p>
+        </p:txBody>
+      </p:sp>
+      <p:pic>
+        <p:nvPicPr>
+          <p:cNvPr id="6" name="Рисунок 5" descr="Изображение выглядит как клавиатура, сидит, белый, компьютер&#10;&#10;Автоматически созданное описание">
+            <a:extLst>
+              <a:ext uri="{FF2B5EF4-FFF2-40B4-BE49-F238E27FC236}">
+                <a16:creationId xmlns="" xmlns:a16="http://schemas.microsoft.com/office/drawing/2014/main" id="{4DE05CE6-5115-4D86-8602-86AE1D1F9CA0}"/>
+              </a:ext>
+            </a:extLst>
+          </p:cNvPr>
+          <p:cNvPicPr>
+            <a:picLocks noChangeAspect="1"/>
+          </p:cNvPicPr>
+          <p:nvPr/>
+        </p:nvPicPr>
+        <p:blipFill>
+          <a:blip r:embed="rId2" cstate="print">
+            <a:extLst>
+              <a:ext uri="{28A0092B-C50C-407E-A947-70E740481C1C}">
+                <a14:useLocalDpi xmlns="" xmlns:a14="http://schemas.microsoft.com/office/drawing/2010/main" val="0"/>
+              </a:ext>
+            </a:extLst>
+          </a:blip>
+          <a:stretch>
+            <a:fillRect/>
+          </a:stretch>
+        </p:blipFill>
+        <p:spPr>
+          <a:xfrm>
+            <a:off x="677846" y="2132856"/>
+            <a:ext cx="3899734" cy="3899734"/>
+          </a:xfrm>
+          <a:prstGeom prst="rect">
+            <a:avLst/>
+          </a:prstGeom>
+        </p:spPr>
+      </p:pic>
+      <p:pic>
+        <p:nvPicPr>
+          <p:cNvPr id="8" name="Рисунок 7" descr="Изображение выглядит как птица&#10;&#10;Автоматически созданное описание">
+            <a:extLst>
+              <a:ext uri="{FF2B5EF4-FFF2-40B4-BE49-F238E27FC236}">
+                <a16:creationId xmlns="" xmlns:a16="http://schemas.microsoft.com/office/drawing/2014/main" id="{6EA491D2-CCF3-4EAC-AF4B-3C2345477B4C}"/>
+              </a:ext>
+            </a:extLst>
+          </p:cNvPr>
+          <p:cNvPicPr>
+            <a:picLocks noChangeAspect="1"/>
+          </p:cNvPicPr>
+          <p:nvPr/>
+        </p:nvPicPr>
+        <p:blipFill>
+          <a:blip r:embed="rId3" cstate="print">
+            <a:extLst>
+              <a:ext uri="{28A0092B-C50C-407E-A947-70E740481C1C}">
+                <a14:useLocalDpi xmlns="" xmlns:a14="http://schemas.microsoft.com/office/drawing/2010/main" val="0"/>
+              </a:ext>
+            </a:extLst>
+          </a:blip>
+          <a:stretch>
+            <a:fillRect/>
+          </a:stretch>
+        </p:blipFill>
+        <p:spPr>
+          <a:xfrm>
+            <a:off x="4572000" y="2090102"/>
+            <a:ext cx="4064296" cy="3985242"/>
+          </a:xfrm>
+          <a:prstGeom prst="rect">
+            <a:avLst/>
+          </a:prstGeom>
+        </p:spPr>
+      </p:pic>
     </p:spTree>
     <p:extLst>
       <p:ext uri="{BB962C8B-B14F-4D97-AF65-F5344CB8AC3E}">
-        <p14:creationId xmlns:p14="http://schemas.microsoft.com/office/powerpoint/2010/main" val="1512366969"/>
+        <p14:creationId xmlns="" xmlns:p14="http://schemas.microsoft.com/office/powerpoint/2010/main" val="2611659872"/>
       </p:ext>
     </p:extLst>
   </p:cSld>
@@ -7774,7 +7427,7 @@
           <p:cNvPr id="2" name="Заголовок 1">
             <a:extLst>
               <a:ext uri="{FF2B5EF4-FFF2-40B4-BE49-F238E27FC236}">
-                <a16:creationId xmlns:a16="http://schemas.microsoft.com/office/drawing/2014/main" id="{6D8E493B-BA62-4522-B5F8-9C3FEEF558A0}"/>
+                <a16:creationId xmlns="" xmlns:a16="http://schemas.microsoft.com/office/drawing/2014/main" id="{B28F9BAA-6460-45E6-8A97-791C8574BC2A}"/>
               </a:ext>
             </a:extLst>
           </p:cNvPr>
@@ -7791,10 +7444,9 @@
           <a:lstStyle/>
           <a:p>
             <a:r>
-              <a:rPr lang="en-US" dirty="0"/>
-              <a:t>WGAN-GP</a:t>
-            </a:r>
-            <a:endParaRPr lang="ru-RU" dirty="0"/>
+              <a:rPr lang="ru-RU" dirty="0"/>
+              <a:t>Комбинация декодера и ГСС</a:t>
+            </a:r>
           </a:p>
         </p:txBody>
       </p:sp>
@@ -7803,7 +7455,7 @@
           <p:cNvPr id="3" name="Номер слайда 2">
             <a:extLst>
               <a:ext uri="{FF2B5EF4-FFF2-40B4-BE49-F238E27FC236}">
-                <a16:creationId xmlns:a16="http://schemas.microsoft.com/office/drawing/2014/main" id="{F1BDAE38-6DAC-42A0-90D2-C89BCFA8F54C}"/>
+                <a16:creationId xmlns="" xmlns:a16="http://schemas.microsoft.com/office/drawing/2014/main" id="{C8DC7E43-D7B7-45F7-ABC4-4DED44B0B412}"/>
               </a:ext>
             </a:extLst>
           </p:cNvPr>
@@ -7833,7 +7485,7 @@
           <p:cNvPr id="4" name="Объект 3">
             <a:extLst>
               <a:ext uri="{FF2B5EF4-FFF2-40B4-BE49-F238E27FC236}">
-                <a16:creationId xmlns:a16="http://schemas.microsoft.com/office/drawing/2014/main" id="{6BB0B705-974B-43E4-92B9-4A9839C9D029}"/>
+                <a16:creationId xmlns="" xmlns:a16="http://schemas.microsoft.com/office/drawing/2014/main" id="{1562EC21-8F26-44CF-AED4-4D50496FF80D}"/>
               </a:ext>
             </a:extLst>
           </p:cNvPr>
@@ -7849,71 +7501,72 @@
           <a:bodyPr/>
           <a:lstStyle/>
           <a:p>
+            <a:pPr algn="just"/>
+            <a:r>
+              <a:rPr lang="ru-RU" dirty="0"/>
+              <a:t>Основная идея – использовать </a:t>
+            </a:r>
             <a:r>
               <a:rPr lang="ru-RU" dirty="0" err="1"/>
-              <a:t>Гиперпараметры</a:t>
-            </a:r>
-            <a:r>
-              <a:rPr lang="ru-RU" dirty="0"/>
-              <a:t> обучения:</a:t>
-            </a:r>
-          </a:p>
-          <a:p>
-            <a:pPr lvl="1"/>
-            <a:r>
-              <a:rPr lang="ru-RU" dirty="0"/>
-              <a:t>Количество эпох обучения – 100</a:t>
-            </a:r>
-          </a:p>
-          <a:p>
-            <a:pPr lvl="1"/>
-            <a:r>
-              <a:rPr lang="ru-RU" dirty="0"/>
-              <a:t>Размерность скрытого пространства – 100</a:t>
-            </a:r>
-          </a:p>
-        </p:txBody>
-      </p:sp>
-      <p:pic>
-        <p:nvPicPr>
-          <p:cNvPr id="6" name="Рисунок 5" descr="Изображение выглядит как белый, клавиатура, стол, сторона&#10;&#10;Автоматически созданное описание">
-            <a:extLst>
-              <a:ext uri="{FF2B5EF4-FFF2-40B4-BE49-F238E27FC236}">
-                <a16:creationId xmlns:a16="http://schemas.microsoft.com/office/drawing/2014/main" id="{2356BF54-E229-4326-8AD9-16602E4482A6}"/>
-              </a:ext>
-            </a:extLst>
-          </p:cNvPr>
-          <p:cNvPicPr>
-            <a:picLocks noChangeAspect="1"/>
-          </p:cNvPicPr>
-          <p:nvPr/>
-        </p:nvPicPr>
-        <p:blipFill>
-          <a:blip r:embed="rId2" cstate="print">
-            <a:extLst>
-              <a:ext uri="{28A0092B-C50C-407E-A947-70E740481C1C}">
-                <a14:useLocalDpi xmlns:a14="http://schemas.microsoft.com/office/drawing/2010/main" val="0"/>
-              </a:ext>
-            </a:extLst>
-          </a:blip>
-          <a:stretch>
-            <a:fillRect/>
-          </a:stretch>
-        </p:blipFill>
-        <p:spPr>
-          <a:xfrm>
-            <a:off x="2593848" y="2528788"/>
-            <a:ext cx="3628172" cy="3628172"/>
-          </a:xfrm>
-          <a:prstGeom prst="rect">
-            <a:avLst/>
-          </a:prstGeom>
-        </p:spPr>
-      </p:pic>
+              <a:t>предобученный</a:t>
+            </a:r>
+            <a:r>
+              <a:rPr lang="ru-RU" dirty="0"/>
+              <a:t> декодер как генератор в ГСС.</a:t>
+            </a:r>
+          </a:p>
+          <a:p>
+            <a:pPr algn="just"/>
+            <a:r>
+              <a:rPr lang="ru-RU" dirty="0"/>
+              <a:t>Рассмотренные ГСС:</a:t>
+            </a:r>
+          </a:p>
+          <a:p>
+            <a:pPr lvl="1" algn="just"/>
+            <a:r>
+              <a:rPr lang="ru-RU" dirty="0"/>
+              <a:t>Глубокая </a:t>
+            </a:r>
+            <a:r>
+              <a:rPr lang="ru-RU" dirty="0" err="1"/>
+              <a:t>сверточная</a:t>
+            </a:r>
+            <a:r>
+              <a:rPr lang="ru-RU" dirty="0"/>
+              <a:t> ГСС (</a:t>
+            </a:r>
+            <a:r>
+              <a:rPr lang="en-US" dirty="0"/>
+              <a:t>DCGAN)</a:t>
+            </a:r>
+          </a:p>
+          <a:p>
+            <a:pPr lvl="1" algn="just"/>
+            <a:r>
+              <a:rPr lang="ru-RU" dirty="0"/>
+              <a:t>Улучшенная версия </a:t>
+            </a:r>
+            <a:r>
+              <a:rPr lang="ru-RU" dirty="0" err="1"/>
+              <a:t>Вассерштейн</a:t>
+            </a:r>
+            <a:r>
+              <a:rPr lang="ru-RU" dirty="0"/>
+              <a:t> ГСС (</a:t>
+            </a:r>
+            <a:r>
+              <a:rPr lang="en-US" dirty="0"/>
+              <a:t>WGAN-GP)</a:t>
+            </a:r>
+            <a:endParaRPr lang="ru-RU" dirty="0"/>
+          </a:p>
+        </p:txBody>
+      </p:sp>
     </p:spTree>
     <p:extLst>
       <p:ext uri="{BB962C8B-B14F-4D97-AF65-F5344CB8AC3E}">
-        <p14:creationId xmlns:p14="http://schemas.microsoft.com/office/powerpoint/2010/main" val="1293365252"/>
+        <p14:creationId xmlns="" xmlns:p14="http://schemas.microsoft.com/office/powerpoint/2010/main" val="1512366969"/>
       </p:ext>
     </p:extLst>
   </p:cSld>
@@ -7945,7 +7598,7 @@
           <p:cNvPr id="2" name="Заголовок 1">
             <a:extLst>
               <a:ext uri="{FF2B5EF4-FFF2-40B4-BE49-F238E27FC236}">
-                <a16:creationId xmlns:a16="http://schemas.microsoft.com/office/drawing/2014/main" id="{E14F121B-4F72-4AF6-9D77-4ACEBE8F25FB}"/>
+                <a16:creationId xmlns="" xmlns:a16="http://schemas.microsoft.com/office/drawing/2014/main" id="{6D8E493B-BA62-4522-B5F8-9C3FEEF558A0}"/>
               </a:ext>
             </a:extLst>
           </p:cNvPr>
@@ -7974,7 +7627,7 @@
           <p:cNvPr id="3" name="Номер слайда 2">
             <a:extLst>
               <a:ext uri="{FF2B5EF4-FFF2-40B4-BE49-F238E27FC236}">
-                <a16:creationId xmlns:a16="http://schemas.microsoft.com/office/drawing/2014/main" id="{A614470B-47F7-4178-BD08-2D62E8939083}"/>
+                <a16:creationId xmlns="" xmlns:a16="http://schemas.microsoft.com/office/drawing/2014/main" id="{F1BDAE38-6DAC-42A0-90D2-C89BCFA8F54C}"/>
               </a:ext>
             </a:extLst>
           </p:cNvPr>
@@ -8004,7 +7657,7 @@
           <p:cNvPr id="4" name="Объект 3">
             <a:extLst>
               <a:ext uri="{FF2B5EF4-FFF2-40B4-BE49-F238E27FC236}">
-                <a16:creationId xmlns:a16="http://schemas.microsoft.com/office/drawing/2014/main" id="{ED5C85A9-A8E0-46CB-BDAB-068337E5656E}"/>
+                <a16:creationId xmlns="" xmlns:a16="http://schemas.microsoft.com/office/drawing/2014/main" id="{6BB0B705-974B-43E4-92B9-4A9839C9D029}"/>
               </a:ext>
             </a:extLst>
           </p:cNvPr>
@@ -8020,20 +7673,37 @@
           <a:bodyPr/>
           <a:lstStyle/>
           <a:p>
-            <a:pPr algn="just"/>
-            <a:r>
-              <a:rPr lang="ru-RU" dirty="0"/>
-              <a:t>Графики функций потерь генератора и дискриминатора (слева направо)</a:t>
+            <a:r>
+              <a:rPr lang="ru-RU" dirty="0" err="1"/>
+              <a:t>Гиперпараметры</a:t>
+            </a:r>
+            <a:r>
+              <a:rPr lang="ru-RU" dirty="0"/>
+              <a:t> обучения:</a:t>
+            </a:r>
+          </a:p>
+          <a:p>
+            <a:pPr lvl="1"/>
+            <a:r>
+              <a:rPr lang="ru-RU" dirty="0"/>
+              <a:t>Количество эпох обучения – 100</a:t>
+            </a:r>
+          </a:p>
+          <a:p>
+            <a:pPr lvl="1"/>
+            <a:r>
+              <a:rPr lang="ru-RU" dirty="0"/>
+              <a:t>Размерность скрытого пространства – 100</a:t>
             </a:r>
           </a:p>
         </p:txBody>
       </p:sp>
       <p:pic>
         <p:nvPicPr>
-          <p:cNvPr id="6" name="Рисунок 5">
+          <p:cNvPr id="6" name="Рисунок 5" descr="Изображение выглядит как белый, клавиатура, стол, сторона&#10;&#10;Автоматически созданное описание">
             <a:extLst>
               <a:ext uri="{FF2B5EF4-FFF2-40B4-BE49-F238E27FC236}">
-                <a16:creationId xmlns:a16="http://schemas.microsoft.com/office/drawing/2014/main" id="{ECFE7461-FE70-424C-8E69-8335E8E668E1}"/>
+                <a16:creationId xmlns="" xmlns:a16="http://schemas.microsoft.com/office/drawing/2014/main" id="{2356BF54-E229-4326-8AD9-16602E4482A6}"/>
               </a:ext>
             </a:extLst>
           </p:cNvPr>
@@ -8043,10 +7713,10 @@
           <p:nvPr/>
         </p:nvPicPr>
         <p:blipFill>
-          <a:blip r:embed="rId2">
+          <a:blip r:embed="rId2" cstate="print">
             <a:extLst>
               <a:ext uri="{28A0092B-C50C-407E-A947-70E740481C1C}">
-                <a14:useLocalDpi xmlns:a14="http://schemas.microsoft.com/office/drawing/2010/main" val="0"/>
+                <a14:useLocalDpi xmlns="" xmlns:a14="http://schemas.microsoft.com/office/drawing/2010/main" val="0"/>
               </a:ext>
             </a:extLst>
           </a:blip>
@@ -8056,44 +7726,8 @@
         </p:blipFill>
         <p:spPr>
           <a:xfrm>
-            <a:off x="488480" y="2187967"/>
-            <a:ext cx="4171722" cy="4015102"/>
-          </a:xfrm>
-          <a:prstGeom prst="rect">
-            <a:avLst/>
-          </a:prstGeom>
-        </p:spPr>
-      </p:pic>
-      <p:pic>
-        <p:nvPicPr>
-          <p:cNvPr id="8" name="Рисунок 7" descr="Изображение выглядит как снимок экрана, птица&#10;&#10;Автоматически созданное описание">
-            <a:extLst>
-              <a:ext uri="{FF2B5EF4-FFF2-40B4-BE49-F238E27FC236}">
-                <a16:creationId xmlns:a16="http://schemas.microsoft.com/office/drawing/2014/main" id="{B4C398BB-E7BC-4A22-9FD2-D9C336E3E51D}"/>
-              </a:ext>
-            </a:extLst>
-          </p:cNvPr>
-          <p:cNvPicPr>
-            <a:picLocks noChangeAspect="1"/>
-          </p:cNvPicPr>
-          <p:nvPr/>
-        </p:nvPicPr>
-        <p:blipFill>
-          <a:blip r:embed="rId3">
-            <a:extLst>
-              <a:ext uri="{28A0092B-C50C-407E-A947-70E740481C1C}">
-                <a14:useLocalDpi xmlns:a14="http://schemas.microsoft.com/office/drawing/2010/main" val="0"/>
-              </a:ext>
-            </a:extLst>
-          </a:blip>
-          <a:stretch>
-            <a:fillRect/>
-          </a:stretch>
-        </p:blipFill>
-        <p:spPr>
-          <a:xfrm>
-            <a:off x="4660202" y="2191706"/>
-            <a:ext cx="4176466" cy="4015102"/>
+            <a:off x="2593848" y="2528788"/>
+            <a:ext cx="3628172" cy="3628172"/>
           </a:xfrm>
           <a:prstGeom prst="rect">
             <a:avLst/>
@@ -8103,7 +7737,7 @@
     </p:spTree>
     <p:extLst>
       <p:ext uri="{BB962C8B-B14F-4D97-AF65-F5344CB8AC3E}">
-        <p14:creationId xmlns:p14="http://schemas.microsoft.com/office/powerpoint/2010/main" val="844442544"/>
+        <p14:creationId xmlns="" xmlns:p14="http://schemas.microsoft.com/office/powerpoint/2010/main" val="1293365252"/>
       </p:ext>
     </p:extLst>
   </p:cSld>
@@ -8132,7 +7766,13 @@
       </p:grpSpPr>
       <p:sp>
         <p:nvSpPr>
-          <p:cNvPr id="2" name="Заголовок 1"/>
+          <p:cNvPr id="2" name="Заголовок 1">
+            <a:extLst>
+              <a:ext uri="{FF2B5EF4-FFF2-40B4-BE49-F238E27FC236}">
+                <a16:creationId xmlns="" xmlns:a16="http://schemas.microsoft.com/office/drawing/2014/main" id="{E14F121B-4F72-4AF6-9D77-4ACEBE8F25FB}"/>
+              </a:ext>
+            </a:extLst>
+          </p:cNvPr>
           <p:cNvSpPr>
             <a:spLocks noGrp="1"/>
           </p:cNvSpPr>
@@ -8142,26 +7782,12 @@
         </p:nvSpPr>
         <p:spPr/>
         <p:txBody>
-          <a:bodyPr>
-            <a:normAutofit fontScale="90000"/>
-          </a:bodyPr>
-          <a:lstStyle/>
-          <a:p>
-            <a:r>
-              <a:rPr lang="ru-RU" dirty="0"/>
-              <a:t>Результат обучения комбинации декодера </a:t>
-            </a:r>
+          <a:bodyPr/>
+          <a:lstStyle/>
+          <a:p>
             <a:r>
               <a:rPr lang="en-US" dirty="0"/>
-              <a:t>CVAE </a:t>
-            </a:r>
-            <a:r>
-              <a:rPr lang="ru-RU" dirty="0"/>
-              <a:t>и </a:t>
-            </a:r>
-            <a:r>
-              <a:rPr lang="en-US" dirty="0"/>
-              <a:t>DCGAN</a:t>
+              <a:t>WGAN-GP</a:t>
             </a:r>
             <a:endParaRPr lang="ru-RU" dirty="0"/>
           </a:p>
@@ -8169,7 +7795,13 @@
       </p:sp>
       <p:sp>
         <p:nvSpPr>
-          <p:cNvPr id="3" name="Номер слайда 2"/>
+          <p:cNvPr id="3" name="Номер слайда 2">
+            <a:extLst>
+              <a:ext uri="{FF2B5EF4-FFF2-40B4-BE49-F238E27FC236}">
+                <a16:creationId xmlns="" xmlns:a16="http://schemas.microsoft.com/office/drawing/2014/main" id="{A614470B-47F7-4178-BD08-2D62E8939083}"/>
+              </a:ext>
+            </a:extLst>
+          </p:cNvPr>
           <p:cNvSpPr>
             <a:spLocks noGrp="1"/>
           </p:cNvSpPr>
@@ -8191,12 +7823,41 @@
           </a:p>
         </p:txBody>
       </p:sp>
+      <p:sp>
+        <p:nvSpPr>
+          <p:cNvPr id="4" name="Объект 3">
+            <a:extLst>
+              <a:ext uri="{FF2B5EF4-FFF2-40B4-BE49-F238E27FC236}">
+                <a16:creationId xmlns="" xmlns:a16="http://schemas.microsoft.com/office/drawing/2014/main" id="{ED5C85A9-A8E0-46CB-BDAB-068337E5656E}"/>
+              </a:ext>
+            </a:extLst>
+          </p:cNvPr>
+          <p:cNvSpPr>
+            <a:spLocks noGrp="1"/>
+          </p:cNvSpPr>
+          <p:nvPr>
+            <p:ph sz="quarter" idx="1"/>
+          </p:nvPr>
+        </p:nvSpPr>
+        <p:spPr/>
+        <p:txBody>
+          <a:bodyPr/>
+          <a:lstStyle/>
+          <a:p>
+            <a:pPr algn="just"/>
+            <a:r>
+              <a:rPr lang="ru-RU" dirty="0"/>
+              <a:t>Графики функций потерь генератора и дискриминатора (слева направо)</a:t>
+            </a:r>
+          </a:p>
+        </p:txBody>
+      </p:sp>
       <p:pic>
         <p:nvPicPr>
-          <p:cNvPr id="5" name="Рисунок 4" descr="Изображение выглядит как клавиатура&#10;&#10;Автоматически созданное описание">
+          <p:cNvPr id="6" name="Рисунок 5">
             <a:extLst>
               <a:ext uri="{FF2B5EF4-FFF2-40B4-BE49-F238E27FC236}">
-                <a16:creationId xmlns:a16="http://schemas.microsoft.com/office/drawing/2014/main" id="{7112F075-DAF8-4063-9382-8829CF1DC04A}"/>
+                <a16:creationId xmlns="" xmlns:a16="http://schemas.microsoft.com/office/drawing/2014/main" id="{ECFE7461-FE70-424C-8E69-8335E8E668E1}"/>
               </a:ext>
             </a:extLst>
           </p:cNvPr>
@@ -8206,10 +7867,10 @@
           <p:nvPr/>
         </p:nvPicPr>
         <p:blipFill>
-          <a:blip r:embed="rId2">
+          <a:blip r:embed="rId2" cstate="print">
             <a:extLst>
               <a:ext uri="{28A0092B-C50C-407E-A947-70E740481C1C}">
-                <a14:useLocalDpi xmlns:a14="http://schemas.microsoft.com/office/drawing/2010/main" val="0"/>
+                <a14:useLocalDpi xmlns="" xmlns:a14="http://schemas.microsoft.com/office/drawing/2010/main" val="0"/>
               </a:ext>
             </a:extLst>
           </a:blip>
@@ -8219,70 +7880,56 @@
         </p:blipFill>
         <p:spPr>
           <a:xfrm>
-            <a:off x="593076" y="1301403"/>
-            <a:ext cx="4896544" cy="4896544"/>
+            <a:off x="488480" y="2187967"/>
+            <a:ext cx="4171722" cy="4015102"/>
           </a:xfrm>
           <a:prstGeom prst="rect">
             <a:avLst/>
           </a:prstGeom>
         </p:spPr>
       </p:pic>
-      <p:sp>
-        <p:nvSpPr>
-          <p:cNvPr id="4" name="TextBox 3">
+      <p:pic>
+        <p:nvPicPr>
+          <p:cNvPr id="8" name="Рисунок 7" descr="Изображение выглядит как снимок экрана, птица&#10;&#10;Автоматически созданное описание">
             <a:extLst>
               <a:ext uri="{FF2B5EF4-FFF2-40B4-BE49-F238E27FC236}">
-                <a16:creationId xmlns:a16="http://schemas.microsoft.com/office/drawing/2014/main" id="{83FD55F3-B9C7-45A5-BFF2-954C1B82496A}"/>
+                <a16:creationId xmlns="" xmlns:a16="http://schemas.microsoft.com/office/drawing/2014/main" id="{B4C398BB-E7BC-4A22-9FD2-D9C336E3E51D}"/>
               </a:ext>
             </a:extLst>
           </p:cNvPr>
-          <p:cNvSpPr txBox="1"/>
+          <p:cNvPicPr>
+            <a:picLocks noChangeAspect="1"/>
+          </p:cNvPicPr>
           <p:nvPr/>
-        </p:nvSpPr>
+        </p:nvPicPr>
+        <p:blipFill>
+          <a:blip r:embed="rId3" cstate="print">
+            <a:extLst>
+              <a:ext uri="{28A0092B-C50C-407E-A947-70E740481C1C}">
+                <a14:useLocalDpi xmlns="" xmlns:a14="http://schemas.microsoft.com/office/drawing/2010/main" val="0"/>
+              </a:ext>
+            </a:extLst>
+          </a:blip>
+          <a:stretch>
+            <a:fillRect/>
+          </a:stretch>
+        </p:blipFill>
         <p:spPr>
           <a:xfrm>
-            <a:off x="5652120" y="1301403"/>
-            <a:ext cx="3034680" cy="1200329"/>
+            <a:off x="4660202" y="2191706"/>
+            <a:ext cx="4176466" cy="4015102"/>
           </a:xfrm>
           <a:prstGeom prst="rect">
             <a:avLst/>
           </a:prstGeom>
-          <a:noFill/>
         </p:spPr>
-        <p:txBody>
-          <a:bodyPr wrap="square" rtlCol="0">
-            <a:spAutoFit/>
-          </a:bodyPr>
-          <a:lstStyle/>
-          <a:p>
-            <a:pPr marL="342900" indent="-342900">
-              <a:buFont typeface="Wingdings" panose="05000000000000000000" pitchFamily="2" charset="2"/>
-              <a:buChar char="Ø"/>
-            </a:pPr>
-            <a:r>
-              <a:rPr lang="ru-RU" dirty="0">
-                <a:latin typeface="Times New Roman" panose="02020603050405020304" pitchFamily="18" charset="0"/>
-                <a:cs typeface="Times New Roman" panose="02020603050405020304" pitchFamily="18" charset="0"/>
-              </a:rPr>
-              <a:t>Размерность скрытого пространства – 2</a:t>
-            </a:r>
-          </a:p>
-          <a:p>
-            <a:pPr marL="342900" indent="-342900">
-              <a:buFont typeface="Wingdings" panose="05000000000000000000" pitchFamily="2" charset="2"/>
-              <a:buChar char="Ø"/>
-            </a:pPr>
-            <a:r>
-              <a:rPr lang="ru-RU" dirty="0">
-                <a:latin typeface="Times New Roman" panose="02020603050405020304" pitchFamily="18" charset="0"/>
-                <a:cs typeface="Times New Roman" panose="02020603050405020304" pitchFamily="18" charset="0"/>
-              </a:rPr>
-              <a:t>Количество периодов обучения – 4000</a:t>
-            </a:r>
-          </a:p>
-        </p:txBody>
-      </p:sp>
+      </p:pic>
     </p:spTree>
+    <p:extLst>
+      <p:ext uri="{BB962C8B-B14F-4D97-AF65-F5344CB8AC3E}">
+        <p14:creationId xmlns="" xmlns:p14="http://schemas.microsoft.com/office/powerpoint/2010/main" val="844442544"/>
+      </p:ext>
+    </p:extLst>
   </p:cSld>
   <p:clrMapOvr>
     <a:masterClrMapping/>
@@ -8309,13 +7956,7 @@
       </p:grpSpPr>
       <p:sp>
         <p:nvSpPr>
-          <p:cNvPr id="2" name="Заголовок 1">
-            <a:extLst>
-              <a:ext uri="{FF2B5EF4-FFF2-40B4-BE49-F238E27FC236}">
-                <a16:creationId xmlns:a16="http://schemas.microsoft.com/office/drawing/2014/main" id="{3D30BE2A-7C96-4E1E-BC19-483D90611E64}"/>
-              </a:ext>
-            </a:extLst>
-          </p:cNvPr>
+          <p:cNvPr id="2" name="Заголовок 1"/>
           <p:cNvSpPr>
             <a:spLocks noGrp="1"/>
           </p:cNvSpPr>
@@ -8352,13 +7993,7 @@
       </p:sp>
       <p:sp>
         <p:nvSpPr>
-          <p:cNvPr id="3" name="Номер слайда 2">
-            <a:extLst>
-              <a:ext uri="{FF2B5EF4-FFF2-40B4-BE49-F238E27FC236}">
-                <a16:creationId xmlns:a16="http://schemas.microsoft.com/office/drawing/2014/main" id="{B2DCCF92-57E4-43A7-B148-904265C0C74E}"/>
-              </a:ext>
-            </a:extLst>
-          </p:cNvPr>
+          <p:cNvPr id="3" name="Номер слайда 2"/>
           <p:cNvSpPr>
             <a:spLocks noGrp="1"/>
           </p:cNvSpPr>
@@ -8382,25 +8017,23 @@
       </p:sp>
       <p:pic>
         <p:nvPicPr>
-          <p:cNvPr id="6" name="Объект 5" descr="Изображение выглядит как клавиатура, компьютер&#10;&#10;Автоматически созданное описание">
+          <p:cNvPr id="5" name="Рисунок 4" descr="Изображение выглядит как клавиатура&#10;&#10;Автоматически созданное описание">
             <a:extLst>
               <a:ext uri="{FF2B5EF4-FFF2-40B4-BE49-F238E27FC236}">
-                <a16:creationId xmlns:a16="http://schemas.microsoft.com/office/drawing/2014/main" id="{EB7AD522-5F74-4471-B23E-D570EF993C70}"/>
+                <a16:creationId xmlns="" xmlns:a16="http://schemas.microsoft.com/office/drawing/2014/main" id="{7112F075-DAF8-4063-9382-8829CF1DC04A}"/>
               </a:ext>
             </a:extLst>
           </p:cNvPr>
           <p:cNvPicPr>
-            <a:picLocks noGrp="1" noChangeAspect="1"/>
+            <a:picLocks noChangeAspect="1"/>
           </p:cNvPicPr>
-          <p:nvPr>
-            <p:ph sz="quarter" idx="1"/>
-          </p:nvPr>
+          <p:nvPr/>
         </p:nvPicPr>
         <p:blipFill>
-          <a:blip r:embed="rId2">
+          <a:blip r:embed="rId2" cstate="print">
             <a:extLst>
               <a:ext uri="{28A0092B-C50C-407E-A947-70E740481C1C}">
-                <a14:useLocalDpi xmlns:a14="http://schemas.microsoft.com/office/drawing/2010/main" val="0"/>
+                <a14:useLocalDpi xmlns="" xmlns:a14="http://schemas.microsoft.com/office/drawing/2010/main" val="0"/>
               </a:ext>
             </a:extLst>
           </a:blip>
@@ -8410,17 +8043,20 @@
         </p:blipFill>
         <p:spPr>
           <a:xfrm>
-            <a:off x="570979" y="1281112"/>
-            <a:ext cx="4937125" cy="4937125"/>
+            <a:off x="593076" y="1301403"/>
+            <a:ext cx="4896544" cy="4896544"/>
           </a:xfrm>
+          <a:prstGeom prst="rect">
+            <a:avLst/>
+          </a:prstGeom>
         </p:spPr>
       </p:pic>
       <p:sp>
         <p:nvSpPr>
-          <p:cNvPr id="7" name="TextBox 6">
+          <p:cNvPr id="4" name="TextBox 3">
             <a:extLst>
               <a:ext uri="{FF2B5EF4-FFF2-40B4-BE49-F238E27FC236}">
-                <a16:creationId xmlns:a16="http://schemas.microsoft.com/office/drawing/2014/main" id="{8AECDC75-9A1D-4B37-9C28-2D5641DBE703}"/>
+                <a16:creationId xmlns="" xmlns:a16="http://schemas.microsoft.com/office/drawing/2014/main" id="{83FD55F3-B9C7-45A5-BFF2-954C1B82496A}"/>
               </a:ext>
             </a:extLst>
           </p:cNvPr>
@@ -8452,7 +8088,7 @@
                 <a:latin typeface="Times New Roman" panose="02020603050405020304" pitchFamily="18" charset="0"/>
                 <a:cs typeface="Times New Roman" panose="02020603050405020304" pitchFamily="18" charset="0"/>
               </a:rPr>
-              <a:t>Размерность скрытого пространства – 49</a:t>
+              <a:t>Размерность скрытого пространства – 2</a:t>
             </a:r>
           </a:p>
           <a:p>
@@ -8465,17 +8101,12 @@
                 <a:latin typeface="Times New Roman" panose="02020603050405020304" pitchFamily="18" charset="0"/>
                 <a:cs typeface="Times New Roman" panose="02020603050405020304" pitchFamily="18" charset="0"/>
               </a:rPr>
-              <a:t>Количество периодов обучения – 8000</a:t>
+              <a:t>Количество периодов обучения – 4000</a:t>
             </a:r>
           </a:p>
         </p:txBody>
       </p:sp>
     </p:spTree>
-    <p:extLst>
-      <p:ext uri="{BB962C8B-B14F-4D97-AF65-F5344CB8AC3E}">
-        <p14:creationId xmlns:p14="http://schemas.microsoft.com/office/powerpoint/2010/main" val="189508857"/>
-      </p:ext>
-    </p:extLst>
   </p:cSld>
   <p:clrMapOvr>
     <a:masterClrMapping/>
@@ -8502,7 +8133,13 @@
       </p:grpSpPr>
       <p:sp>
         <p:nvSpPr>
-          <p:cNvPr id="2" name="Заголовок 1"/>
+          <p:cNvPr id="2" name="Заголовок 1">
+            <a:extLst>
+              <a:ext uri="{FF2B5EF4-FFF2-40B4-BE49-F238E27FC236}">
+                <a16:creationId xmlns="" xmlns:a16="http://schemas.microsoft.com/office/drawing/2014/main" id="{3D30BE2A-7C96-4E1E-BC19-483D90611E64}"/>
+              </a:ext>
+            </a:extLst>
+          </p:cNvPr>
           <p:cNvSpPr>
             <a:spLocks noGrp="1"/>
           </p:cNvSpPr>
@@ -8512,19 +8149,40 @@
         </p:nvSpPr>
         <p:spPr/>
         <p:txBody>
-          <a:bodyPr/>
-          <a:lstStyle/>
-          <a:p>
-            <a:r>
-              <a:rPr lang="ru-RU" dirty="0"/>
-              <a:t>Заключение и План работ</a:t>
-            </a:r>
-          </a:p>
-        </p:txBody>
-      </p:sp>
-      <p:sp>
-        <p:nvSpPr>
-          <p:cNvPr id="3" name="Номер слайда 2"/>
+          <a:bodyPr>
+            <a:normAutofit fontScale="90000"/>
+          </a:bodyPr>
+          <a:lstStyle/>
+          <a:p>
+            <a:r>
+              <a:rPr lang="ru-RU" dirty="0"/>
+              <a:t>Результат обучения комбинации декодера </a:t>
+            </a:r>
+            <a:r>
+              <a:rPr lang="en-US" dirty="0"/>
+              <a:t>CVAE </a:t>
+            </a:r>
+            <a:r>
+              <a:rPr lang="ru-RU" dirty="0"/>
+              <a:t>и </a:t>
+            </a:r>
+            <a:r>
+              <a:rPr lang="en-US" dirty="0"/>
+              <a:t>DCGAN</a:t>
+            </a:r>
+            <a:endParaRPr lang="ru-RU" dirty="0"/>
+          </a:p>
+        </p:txBody>
+      </p:sp>
+      <p:sp>
+        <p:nvSpPr>
+          <p:cNvPr id="3" name="Номер слайда 2">
+            <a:extLst>
+              <a:ext uri="{FF2B5EF4-FFF2-40B4-BE49-F238E27FC236}">
+                <a16:creationId xmlns="" xmlns:a16="http://schemas.microsoft.com/office/drawing/2014/main" id="{B2DCCF92-57E4-43A7-B148-904265C0C74E}"/>
+              </a:ext>
+            </a:extLst>
+          </p:cNvPr>
           <p:cNvSpPr>
             <a:spLocks noGrp="1"/>
           </p:cNvSpPr>
@@ -8546,6 +8204,172 @@
           </a:p>
         </p:txBody>
       </p:sp>
+      <p:pic>
+        <p:nvPicPr>
+          <p:cNvPr id="6" name="Объект 5" descr="Изображение выглядит как клавиатура, компьютер&#10;&#10;Автоматически созданное описание">
+            <a:extLst>
+              <a:ext uri="{FF2B5EF4-FFF2-40B4-BE49-F238E27FC236}">
+                <a16:creationId xmlns="" xmlns:a16="http://schemas.microsoft.com/office/drawing/2014/main" id="{EB7AD522-5F74-4471-B23E-D570EF993C70}"/>
+              </a:ext>
+            </a:extLst>
+          </p:cNvPr>
+          <p:cNvPicPr>
+            <a:picLocks noGrp="1" noChangeAspect="1"/>
+          </p:cNvPicPr>
+          <p:nvPr>
+            <p:ph sz="quarter" idx="1"/>
+          </p:nvPr>
+        </p:nvPicPr>
+        <p:blipFill>
+          <a:blip r:embed="rId2" cstate="print">
+            <a:extLst>
+              <a:ext uri="{28A0092B-C50C-407E-A947-70E740481C1C}">
+                <a14:useLocalDpi xmlns="" xmlns:a14="http://schemas.microsoft.com/office/drawing/2010/main" val="0"/>
+              </a:ext>
+            </a:extLst>
+          </a:blip>
+          <a:stretch>
+            <a:fillRect/>
+          </a:stretch>
+        </p:blipFill>
+        <p:spPr>
+          <a:xfrm>
+            <a:off x="570979" y="1281112"/>
+            <a:ext cx="4937125" cy="4937125"/>
+          </a:xfrm>
+        </p:spPr>
+      </p:pic>
+      <p:sp>
+        <p:nvSpPr>
+          <p:cNvPr id="7" name="TextBox 6">
+            <a:extLst>
+              <a:ext uri="{FF2B5EF4-FFF2-40B4-BE49-F238E27FC236}">
+                <a16:creationId xmlns="" xmlns:a16="http://schemas.microsoft.com/office/drawing/2014/main" id="{8AECDC75-9A1D-4B37-9C28-2D5641DBE703}"/>
+              </a:ext>
+            </a:extLst>
+          </p:cNvPr>
+          <p:cNvSpPr txBox="1"/>
+          <p:nvPr/>
+        </p:nvSpPr>
+        <p:spPr>
+          <a:xfrm>
+            <a:off x="5652120" y="1301403"/>
+            <a:ext cx="3034680" cy="1200329"/>
+          </a:xfrm>
+          <a:prstGeom prst="rect">
+            <a:avLst/>
+          </a:prstGeom>
+          <a:noFill/>
+        </p:spPr>
+        <p:txBody>
+          <a:bodyPr wrap="square" rtlCol="0">
+            <a:spAutoFit/>
+          </a:bodyPr>
+          <a:lstStyle/>
+          <a:p>
+            <a:pPr marL="342900" indent="-342900">
+              <a:buFont typeface="Wingdings" panose="05000000000000000000" pitchFamily="2" charset="2"/>
+              <a:buChar char="Ø"/>
+            </a:pPr>
+            <a:r>
+              <a:rPr lang="ru-RU" dirty="0">
+                <a:latin typeface="Times New Roman" panose="02020603050405020304" pitchFamily="18" charset="0"/>
+                <a:cs typeface="Times New Roman" panose="02020603050405020304" pitchFamily="18" charset="0"/>
+              </a:rPr>
+              <a:t>Размерность скрытого пространства – 49</a:t>
+            </a:r>
+          </a:p>
+          <a:p>
+            <a:pPr marL="342900" indent="-342900">
+              <a:buFont typeface="Wingdings" panose="05000000000000000000" pitchFamily="2" charset="2"/>
+              <a:buChar char="Ø"/>
+            </a:pPr>
+            <a:r>
+              <a:rPr lang="ru-RU" dirty="0">
+                <a:latin typeface="Times New Roman" panose="02020603050405020304" pitchFamily="18" charset="0"/>
+                <a:cs typeface="Times New Roman" panose="02020603050405020304" pitchFamily="18" charset="0"/>
+              </a:rPr>
+              <a:t>Количество периодов обучения – 8000</a:t>
+            </a:r>
+          </a:p>
+        </p:txBody>
+      </p:sp>
+    </p:spTree>
+    <p:extLst>
+      <p:ext uri="{BB962C8B-B14F-4D97-AF65-F5344CB8AC3E}">
+        <p14:creationId xmlns="" xmlns:p14="http://schemas.microsoft.com/office/powerpoint/2010/main" val="189508857"/>
+      </p:ext>
+    </p:extLst>
+  </p:cSld>
+  <p:clrMapOvr>
+    <a:masterClrMapping/>
+  </p:clrMapOvr>
+</p:sld>
+</file>
+
+<file path=ppt/slides/slide26.xml><?xml version="1.0" encoding="utf-8"?>
+<p:sld xmlns:a="http://schemas.openxmlformats.org/drawingml/2006/main" xmlns:r="http://schemas.openxmlformats.org/officeDocument/2006/relationships" xmlns:p="http://schemas.openxmlformats.org/presentationml/2006/main">
+  <p:cSld>
+    <p:spTree>
+      <p:nvGrpSpPr>
+        <p:cNvPr id="1" name=""/>
+        <p:cNvGrpSpPr/>
+        <p:nvPr/>
+      </p:nvGrpSpPr>
+      <p:grpSpPr>
+        <a:xfrm>
+          <a:off x="0" y="0"/>
+          <a:ext cx="0" cy="0"/>
+          <a:chOff x="0" y="0"/>
+          <a:chExt cx="0" cy="0"/>
+        </a:xfrm>
+      </p:grpSpPr>
+      <p:sp>
+        <p:nvSpPr>
+          <p:cNvPr id="2" name="Заголовок 1"/>
+          <p:cNvSpPr>
+            <a:spLocks noGrp="1"/>
+          </p:cNvSpPr>
+          <p:nvPr>
+            <p:ph type="title"/>
+          </p:nvPr>
+        </p:nvSpPr>
+        <p:spPr/>
+        <p:txBody>
+          <a:bodyPr/>
+          <a:lstStyle/>
+          <a:p>
+            <a:r>
+              <a:rPr lang="ru-RU" dirty="0"/>
+              <a:t>Заключение и План работ</a:t>
+            </a:r>
+          </a:p>
+        </p:txBody>
+      </p:sp>
+      <p:sp>
+        <p:nvSpPr>
+          <p:cNvPr id="3" name="Номер слайда 2"/>
+          <p:cNvSpPr>
+            <a:spLocks noGrp="1"/>
+          </p:cNvSpPr>
+          <p:nvPr>
+            <p:ph type="sldNum" sz="quarter" idx="12"/>
+          </p:nvPr>
+        </p:nvSpPr>
+        <p:spPr/>
+        <p:txBody>
+          <a:bodyPr/>
+          <a:lstStyle/>
+          <a:p>
+            <a:fld id="{B19B0651-EE4F-4900-A07F-96A6BFA9D0F0}" type="slidenum">
+              <a:rPr lang="ru-RU" smtClean="0"/>
+              <a:pPr/>
+              <a:t>26</a:t>
+            </a:fld>
+            <a:endParaRPr lang="ru-RU"/>
+          </a:p>
+        </p:txBody>
+      </p:sp>
       <p:sp>
         <p:nvSpPr>
           <p:cNvPr id="4" name="Объект 3"/>
@@ -8636,7 +8460,7 @@
     </p:spTree>
     <p:extLst>
       <p:ext uri="{BB962C8B-B14F-4D97-AF65-F5344CB8AC3E}">
-        <p14:creationId xmlns:p14="http://schemas.microsoft.com/office/powerpoint/2010/main" val="1074246837"/>
+        <p14:creationId xmlns="" xmlns:p14="http://schemas.microsoft.com/office/powerpoint/2010/main" val="1074246837"/>
       </p:ext>
     </p:extLst>
   </p:cSld>
@@ -8679,21 +8503,10 @@
           <a:lstStyle/>
           <a:p>
             <a:r>
-              <a:rPr lang="ru-RU" dirty="0" err="1"/>
+              <a:rPr lang="ru-RU" dirty="0" err="1" smtClean="0"/>
               <a:t>Автокодеры</a:t>
             </a:r>
-            <a:r>
-              <a:rPr lang="ru-RU" dirty="0"/>
-              <a:t> (</a:t>
-            </a:r>
-            <a:r>
-              <a:rPr lang="ru-RU" dirty="0" err="1"/>
-              <a:t>автоэнкодеры</a:t>
-            </a:r>
-            <a:r>
-              <a:rPr lang="ru-RU" dirty="0"/>
-              <a:t>)</a:t>
-            </a:r>
+            <a:endParaRPr lang="ru-RU" dirty="0"/>
           </a:p>
         </p:txBody>
       </p:sp>
@@ -8721,235 +8534,44 @@
           </a:p>
         </p:txBody>
       </p:sp>
-      <mc:AlternateContent xmlns:mc="http://schemas.openxmlformats.org/markup-compatibility/2006" xmlns:a14="http://schemas.microsoft.com/office/drawing/2010/main">
-        <mc:Choice Requires="a14">
-          <p:sp>
-            <p:nvSpPr>
-              <p:cNvPr id="4" name="Объект 3"/>
-              <p:cNvSpPr>
-                <a:spLocks noGrp="1"/>
-              </p:cNvSpPr>
-              <p:nvPr>
-                <p:ph sz="quarter" idx="1"/>
-              </p:nvPr>
-            </p:nvSpPr>
-            <p:spPr/>
-            <p:txBody>
-              <a:bodyPr>
-                <a:normAutofit lnSpcReduction="10000"/>
-              </a:bodyPr>
-              <a:lstStyle/>
-              <a:p>
-                <a:pPr algn="just"/>
-                <a:r>
-                  <a:rPr lang="ru-RU" dirty="0"/>
-                  <a:t>Автокодер - нейронная сеть, которая копирует входные данные на выход.</a:t>
-                </a:r>
-              </a:p>
-              <a:p>
-                <a:pPr algn="just"/>
-                <a:endParaRPr lang="ru-RU" dirty="0"/>
-              </a:p>
-              <a:p>
-                <a:pPr algn="just"/>
-                <a:endParaRPr lang="ru-RU" dirty="0"/>
-              </a:p>
-              <a:p>
-                <a:pPr algn="just"/>
-                <a:endParaRPr lang="ru-RU" dirty="0"/>
-              </a:p>
-              <a:p>
-                <a:pPr algn="just"/>
-                <a:endParaRPr lang="ru-RU" dirty="0"/>
-              </a:p>
-              <a:p>
-                <a:pPr algn="just"/>
-                <a:endParaRPr lang="ru-RU" dirty="0"/>
-              </a:p>
-              <a:p>
-                <a:pPr algn="just"/>
-                <a:r>
-                  <a:rPr lang="ru-RU" b="1" dirty="0" err="1"/>
-                  <a:t>Энкодер</a:t>
-                </a:r>
-                <a:r>
-                  <a:rPr lang="ru-RU" dirty="0"/>
-                  <a:t>: отвечает за сжатие входа в </a:t>
-                </a:r>
-                <a:r>
-                  <a:rPr lang="ru-RU" i="1" dirty="0" err="1"/>
-                  <a:t>latent-space</a:t>
-                </a:r>
-                <a:r>
-                  <a:rPr lang="ru-RU" dirty="0"/>
-                  <a:t>. Представлен функцией кодирования </a:t>
-                </a:r>
-                <a14:m>
-                  <m:oMath xmlns:m="http://schemas.openxmlformats.org/officeDocument/2006/math">
-                    <m:r>
-                      <a:rPr lang="ru-RU" i="1" dirty="0" smtClean="0">
-                        <a:latin typeface="Cambria Math" panose="02040503050406030204" pitchFamily="18" charset="0"/>
-                      </a:rPr>
-                      <m:t>h</m:t>
-                    </m:r>
-                    <m:r>
-                      <a:rPr lang="ru-RU" i="1" dirty="0" smtClean="0">
-                        <a:latin typeface="Cambria Math" panose="02040503050406030204" pitchFamily="18" charset="0"/>
-                      </a:rPr>
-                      <m:t> = </m:t>
-                    </m:r>
-                    <m:r>
-                      <a:rPr lang="ru-RU" i="1" dirty="0" smtClean="0">
-                        <a:latin typeface="Cambria Math" panose="02040503050406030204" pitchFamily="18" charset="0"/>
-                      </a:rPr>
-                      <m:t>𝑓</m:t>
-                    </m:r>
-                    <m:r>
-                      <a:rPr lang="ru-RU" i="1" dirty="0" smtClean="0">
-                        <a:latin typeface="Cambria Math" panose="02040503050406030204" pitchFamily="18" charset="0"/>
-                      </a:rPr>
-                      <m:t> </m:t>
-                    </m:r>
-                    <m:d>
-                      <m:dPr>
-                        <m:ctrlPr>
-                          <a:rPr lang="ru-RU" i="1" dirty="0" smtClean="0">
-                            <a:latin typeface="Cambria Math" panose="02040503050406030204" pitchFamily="18" charset="0"/>
-                          </a:rPr>
-                        </m:ctrlPr>
-                      </m:dPr>
-                      <m:e>
-                        <m:r>
-                          <a:rPr lang="ru-RU" i="1" dirty="0" smtClean="0">
-                            <a:latin typeface="Cambria Math" panose="02040503050406030204" pitchFamily="18" charset="0"/>
-                          </a:rPr>
-                          <m:t>𝑥</m:t>
-                        </m:r>
-                      </m:e>
-                    </m:d>
-                  </m:oMath>
-                </a14:m>
-                <a:endParaRPr lang="ru-RU" dirty="0"/>
-              </a:p>
-              <a:p>
-                <a:pPr algn="just"/>
-                <a:r>
-                  <a:rPr lang="ru-RU" b="1" dirty="0"/>
-                  <a:t>Декодер</a:t>
-                </a:r>
-                <a:r>
-                  <a:rPr lang="ru-RU" dirty="0"/>
-                  <a:t>: предназначен для восстановления ввода из </a:t>
-                </a:r>
-                <a:r>
-                  <a:rPr lang="ru-RU" i="1" dirty="0" err="1"/>
-                  <a:t>latent-space</a:t>
-                </a:r>
-                <a:r>
-                  <a:rPr lang="ru-RU" dirty="0"/>
-                  <a:t>. Представлен функцией декодирования </a:t>
-                </a:r>
-                <a14:m>
-                  <m:oMath xmlns:m="http://schemas.openxmlformats.org/officeDocument/2006/math">
-                    <m:r>
-                      <m:rPr>
-                        <m:sty m:val="p"/>
-                      </m:rPr>
-                      <a:rPr lang="en-US" b="0" i="0" dirty="0" smtClean="0">
-                        <a:latin typeface="Cambria Math" panose="02040503050406030204" pitchFamily="18" charset="0"/>
-                      </a:rPr>
-                      <m:t>r</m:t>
-                    </m:r>
-                    <m:r>
-                      <a:rPr lang="ru-RU" i="1" dirty="0" smtClean="0">
-                        <a:latin typeface="Cambria Math" panose="02040503050406030204" pitchFamily="18" charset="0"/>
-                      </a:rPr>
-                      <m:t> =</m:t>
-                    </m:r>
-                    <m:r>
-                      <a:rPr lang="en-US" b="0" i="1" dirty="0" smtClean="0">
-                        <a:latin typeface="Cambria Math" panose="02040503050406030204" pitchFamily="18" charset="0"/>
-                      </a:rPr>
-                      <m:t>𝑔</m:t>
-                    </m:r>
-                    <m:r>
-                      <a:rPr lang="ru-RU" i="1" dirty="0" smtClean="0">
-                        <a:latin typeface="Cambria Math" panose="02040503050406030204" pitchFamily="18" charset="0"/>
-                      </a:rPr>
-                      <m:t> (</m:t>
-                    </m:r>
-                    <m:r>
-                      <a:rPr lang="en-US" b="0" i="1" dirty="0" smtClean="0">
-                        <a:latin typeface="Cambria Math" panose="02040503050406030204" pitchFamily="18" charset="0"/>
-                      </a:rPr>
-                      <m:t>h</m:t>
-                    </m:r>
-                    <m:r>
-                      <a:rPr lang="ru-RU" i="1" dirty="0" smtClean="0">
-                        <a:latin typeface="Cambria Math" panose="02040503050406030204" pitchFamily="18" charset="0"/>
-                      </a:rPr>
-                      <m:t>)</m:t>
-                    </m:r>
-                  </m:oMath>
-                </a14:m>
-                <a:r>
-                  <a:rPr lang="ru-RU" dirty="0"/>
-                  <a:t>.</a:t>
-                </a:r>
-              </a:p>
-            </p:txBody>
-          </p:sp>
-        </mc:Choice>
-        <mc:Fallback xmlns="">
-          <p:sp>
-            <p:nvSpPr>
-              <p:cNvPr id="4" name="Объект 3"/>
-              <p:cNvSpPr>
-                <a:spLocks noGrp="1" noRot="1" noChangeAspect="1" noMove="1" noResize="1" noEditPoints="1" noAdjustHandles="1" noChangeArrowheads="1" noChangeShapeType="1" noTextEdit="1"/>
-              </p:cNvSpPr>
-              <p:nvPr>
-                <p:ph sz="quarter" idx="1"/>
-              </p:nvPr>
-            </p:nvSpPr>
-            <p:spPr>
-              <a:blipFill>
-                <a:blip r:embed="rId2"/>
-                <a:stretch>
-                  <a:fillRect l="-667" t="-1975" r="-1333" b="-2346"/>
-                </a:stretch>
-              </a:blipFill>
-            </p:spPr>
-            <p:txBody>
-              <a:bodyPr/>
-              <a:lstStyle/>
-              <a:p>
-                <a:r>
-                  <a:rPr lang="ru-RU">
-                    <a:noFill/>
-                  </a:rPr>
-                  <a:t> </a:t>
-                </a:r>
-              </a:p>
-            </p:txBody>
-          </p:sp>
-        </mc:Fallback>
-      </mc:AlternateContent>
+      <p:sp>
+        <p:nvSpPr>
+          <p:cNvPr id="4" name="Содержимое 3"/>
+          <p:cNvSpPr>
+            <a:spLocks noGrp="1"/>
+          </p:cNvSpPr>
+          <p:nvPr>
+            <p:ph sz="quarter" idx="1"/>
+          </p:nvPr>
+        </p:nvSpPr>
+        <p:spPr/>
+        <p:txBody>
+          <a:bodyPr/>
+          <a:lstStyle/>
+          <a:p>
+            <a:pPr algn="just"/>
+            <a:r>
+              <a:rPr lang="ru-RU" dirty="0" err="1" smtClean="0"/>
+              <a:t>Автокодеры</a:t>
+            </a:r>
+            <a:r>
+              <a:rPr lang="ru-RU" dirty="0" smtClean="0"/>
+              <a:t> – нейронные сети прямого распространения, которые восстанавливают входной сигнал на выходе.</a:t>
+            </a:r>
+            <a:endParaRPr lang="ru-RU" dirty="0"/>
+          </a:p>
+        </p:txBody>
+      </p:sp>
       <p:pic>
         <p:nvPicPr>
-          <p:cNvPr id="2050" name="Picture 2" descr="Архитектура автокодеров"/>
+          <p:cNvPr id="45058" name="Picture 2" descr="https://habrastorage.org/web/cf6/228/613/cf6228613fdc4f8fb819cbd41bb677eb.png"/>
           <p:cNvPicPr>
             <a:picLocks noChangeAspect="1" noChangeArrowheads="1"/>
           </p:cNvPicPr>
           <p:nvPr/>
         </p:nvPicPr>
         <p:blipFill>
-          <a:blip r:embed="rId3">
-            <a:extLst>
-              <a:ext uri="{28A0092B-C50C-407E-A947-70E740481C1C}">
-                <a14:useLocalDpi xmlns:a14="http://schemas.microsoft.com/office/drawing/2010/main" val="0"/>
-              </a:ext>
-            </a:extLst>
-          </a:blip>
+          <a:blip r:embed="rId2" cstate="print"/>
           <a:srcRect/>
           <a:stretch>
             <a:fillRect/>
@@ -8957,30 +8579,16 @@
         </p:blipFill>
         <p:spPr bwMode="auto">
           <a:xfrm>
-            <a:off x="318245" y="2060872"/>
-            <a:ext cx="8507510" cy="2088208"/>
+            <a:off x="2771800" y="2564904"/>
+            <a:ext cx="3789312" cy="3568814"/>
           </a:xfrm>
           <a:prstGeom prst="rect">
             <a:avLst/>
           </a:prstGeom>
           <a:noFill/>
-          <a:extLst>
-            <a:ext uri="{909E8E84-426E-40DD-AFC4-6F175D3DCCD1}">
-              <a14:hiddenFill xmlns:a14="http://schemas.microsoft.com/office/drawing/2010/main">
-                <a:solidFill>
-                  <a:srgbClr val="FFFFFF"/>
-                </a:solidFill>
-              </a14:hiddenFill>
-            </a:ext>
-          </a:extLst>
         </p:spPr>
       </p:pic>
     </p:spTree>
-    <p:extLst>
-      <p:ext uri="{BB962C8B-B14F-4D97-AF65-F5344CB8AC3E}">
-        <p14:creationId xmlns:p14="http://schemas.microsoft.com/office/powerpoint/2010/main" val="900228501"/>
-      </p:ext>
-    </p:extLst>
   </p:cSld>
   <p:clrMapOvr>
     <a:masterClrMapping/>
@@ -9021,9 +8629,10 @@
           <a:lstStyle/>
           <a:p>
             <a:r>
-              <a:rPr lang="ru-RU" dirty="0"/>
-              <a:t>Идея</a:t>
-            </a:r>
+              <a:rPr lang="ru-RU" dirty="0" err="1" smtClean="0"/>
+              <a:t>Автокодеры</a:t>
+            </a:r>
+            <a:endParaRPr lang="ru-RU" dirty="0"/>
           </a:p>
         </p:txBody>
       </p:sp>
@@ -9053,7 +8662,7 @@
       </p:sp>
       <p:sp>
         <p:nvSpPr>
-          <p:cNvPr id="4" name="Объект 3"/>
+          <p:cNvPr id="4" name="Содержимое 3"/>
           <p:cNvSpPr>
             <a:spLocks noGrp="1"/>
           </p:cNvSpPr>
@@ -9068,66 +8677,269 @@
           <a:p>
             <a:pPr algn="just"/>
             <a:r>
-              <a:rPr lang="ru-RU" dirty="0"/>
-              <a:t>ГСС</a:t>
-            </a:r>
-            <a:r>
-              <a:rPr lang="en-US" dirty="0"/>
-              <a:t> </a:t>
-            </a:r>
-            <a:r>
-              <a:rPr lang="ru-RU" dirty="0"/>
-              <a:t>требуют много времени на тренировку. На одном GPU тренировка может занимать часы, а на одном CPU — более одного дня.</a:t>
-            </a:r>
+              <a:rPr lang="ru-RU" dirty="0" err="1" smtClean="0"/>
+              <a:t>Автокодеры</a:t>
+            </a:r>
+            <a:r>
+              <a:rPr lang="ru-RU" dirty="0" smtClean="0"/>
+              <a:t> состоят из двух частей: </a:t>
+            </a:r>
+            <a:r>
+              <a:rPr lang="ru-RU" dirty="0" err="1" smtClean="0"/>
+              <a:t>энкодера</a:t>
+            </a:r>
+            <a:r>
+              <a:rPr lang="ru-RU" dirty="0" smtClean="0"/>
+              <a:t> </a:t>
+            </a:r>
+            <a:r>
+              <a:rPr lang="en-US" i="1" dirty="0" smtClean="0"/>
+              <a:t>g</a:t>
+            </a:r>
+            <a:r>
+              <a:rPr lang="ru-RU" dirty="0" smtClean="0"/>
+              <a:t> и декодера </a:t>
+            </a:r>
+            <a:r>
+              <a:rPr lang="en-US" i="1" dirty="0" smtClean="0"/>
+              <a:t>f</a:t>
+            </a:r>
+            <a:r>
+              <a:rPr lang="ru-RU" dirty="0" smtClean="0"/>
+              <a:t>. </a:t>
+            </a:r>
+            <a:r>
+              <a:rPr lang="ru-RU" dirty="0" err="1" smtClean="0"/>
+              <a:t>Энкодер</a:t>
+            </a:r>
+            <a:r>
+              <a:rPr lang="ru-RU" dirty="0" smtClean="0"/>
+              <a:t> переводит входной сигнал в его представление (</a:t>
+            </a:r>
+            <a:r>
+              <a:rPr lang="ru-RU" i="1" dirty="0" smtClean="0"/>
+              <a:t>код</a:t>
+            </a:r>
+            <a:r>
+              <a:rPr lang="ru-RU" dirty="0" smtClean="0"/>
+              <a:t>): </a:t>
+            </a:r>
+            <a:r>
+              <a:rPr lang="en-US" i="1" dirty="0" smtClean="0"/>
+              <a:t>h = g(x)</a:t>
+            </a:r>
+            <a:r>
+              <a:rPr lang="ru-RU" dirty="0" smtClean="0"/>
+              <a:t>, а декодер восстанавливает сигнал по его </a:t>
+            </a:r>
+            <a:r>
+              <a:rPr lang="ru-RU" i="1" dirty="0" smtClean="0"/>
+              <a:t>коду</a:t>
+            </a:r>
+            <a:r>
+              <a:rPr lang="ru-RU" dirty="0" smtClean="0"/>
+              <a:t>: </a:t>
+            </a:r>
+            <a:r>
+              <a:rPr lang="en-US" i="1" dirty="0" smtClean="0"/>
+              <a:t>x = f(h)</a:t>
+            </a:r>
+            <a:r>
+              <a:rPr lang="ru-RU" dirty="0" smtClean="0"/>
+              <a:t>.</a:t>
+            </a:r>
+            <a:endParaRPr lang="en-US" dirty="0" smtClean="0"/>
           </a:p>
           <a:p>
             <a:pPr algn="just"/>
             <a:r>
-              <a:rPr lang="ru-RU" dirty="0"/>
-              <a:t>Можно использовать </a:t>
-            </a:r>
-            <a:r>
-              <a:rPr lang="ru-RU" dirty="0" err="1"/>
-              <a:t>предобученный</a:t>
-            </a:r>
-            <a:r>
-              <a:rPr lang="ru-RU" dirty="0"/>
-              <a:t> </a:t>
-            </a:r>
-            <a:r>
-              <a:rPr lang="ru-RU" i="1" dirty="0"/>
-              <a:t>декодер</a:t>
-            </a:r>
-            <a:r>
-              <a:rPr lang="ru-RU" dirty="0"/>
-              <a:t> из </a:t>
-            </a:r>
-            <a:r>
-              <a:rPr lang="ru-RU" dirty="0" err="1"/>
-              <a:t>автокодера</a:t>
-            </a:r>
-            <a:r>
-              <a:rPr lang="ru-RU" dirty="0"/>
-              <a:t>. </a:t>
-            </a:r>
-            <a:r>
-              <a:rPr lang="ru-RU" dirty="0" err="1"/>
-              <a:t>Автокодеры</a:t>
-            </a:r>
-            <a:r>
-              <a:rPr lang="ru-RU" dirty="0"/>
-              <a:t> обучаются быстро по сравнению с ГСС.</a:t>
+              <a:rPr lang="ru-RU" dirty="0" err="1" smtClean="0"/>
+              <a:t>Автоэнкодер</a:t>
+            </a:r>
+            <a:r>
+              <a:rPr lang="ru-RU" dirty="0" smtClean="0"/>
+              <a:t>, изменяя </a:t>
+            </a:r>
+            <a:r>
+              <a:rPr lang="en-US" i="1" dirty="0" smtClean="0"/>
+              <a:t>f</a:t>
+            </a:r>
+            <a:r>
+              <a:rPr lang="ru-RU" dirty="0" smtClean="0"/>
+              <a:t> и </a:t>
+            </a:r>
+            <a:r>
+              <a:rPr lang="en-US" i="1" dirty="0" smtClean="0"/>
+              <a:t>g</a:t>
+            </a:r>
+            <a:r>
+              <a:rPr lang="ru-RU" dirty="0" smtClean="0"/>
+              <a:t>, стремится выучить тождественную функцию </a:t>
+            </a:r>
+            <a:r>
+              <a:rPr lang="en-US" i="1" dirty="0" smtClean="0"/>
+              <a:t>x = f(g(x))</a:t>
+            </a:r>
+            <a:r>
+              <a:rPr lang="ru-RU" dirty="0" smtClean="0"/>
+              <a:t>, </a:t>
+            </a:r>
+            <a:r>
+              <a:rPr lang="ru-RU" dirty="0" err="1" smtClean="0"/>
+              <a:t>минимизируя</a:t>
+            </a:r>
+            <a:r>
+              <a:rPr lang="ru-RU" dirty="0" smtClean="0"/>
+              <a:t> какой-то функционал ошибки</a:t>
+            </a:r>
+            <a:r>
+              <a:rPr lang="en-US" dirty="0" smtClean="0"/>
+              <a:t>:</a:t>
             </a:r>
             <a:endParaRPr lang="ru-RU" i="1" dirty="0"/>
           </a:p>
         </p:txBody>
       </p:sp>
+      <p:sp>
+        <p:nvSpPr>
+          <p:cNvPr id="46082" name="Rectangle 2"/>
+          <p:cNvSpPr>
+            <a:spLocks noChangeArrowheads="1"/>
+          </p:cNvSpPr>
+          <p:nvPr/>
+        </p:nvSpPr>
+        <p:spPr bwMode="auto">
+          <a:xfrm>
+            <a:off x="0" y="0"/>
+            <a:ext cx="9144000" cy="457200"/>
+          </a:xfrm>
+          <a:prstGeom prst="rect">
+            <a:avLst/>
+          </a:prstGeom>
+          <a:noFill/>
+          <a:ln w="9525">
+            <a:noFill/>
+            <a:miter lim="800000"/>
+            <a:headEnd/>
+            <a:tailEnd/>
+          </a:ln>
+          <a:effectLst/>
+        </p:spPr>
+        <p:txBody>
+          <a:bodyPr vert="horz" wrap="none" lIns="91440" tIns="45720" rIns="91440" bIns="45720" numCol="1" anchor="ctr" anchorCtr="0" compatLnSpc="1">
+            <a:prstTxWarp prst="textNoShape">
+              <a:avLst/>
+            </a:prstTxWarp>
+            <a:spAutoFit/>
+          </a:bodyPr>
+          <a:lstStyle/>
+          <a:p>
+            <a:endParaRPr lang="ru-RU"/>
+          </a:p>
+        </p:txBody>
+      </p:sp>
+      <p:pic>
+        <p:nvPicPr>
+          <p:cNvPr id="46081" name="Picture 1"/>
+          <p:cNvPicPr>
+            <a:picLocks noChangeAspect="1" noChangeArrowheads="1"/>
+          </p:cNvPicPr>
+          <p:nvPr/>
+        </p:nvPicPr>
+        <p:blipFill>
+          <a:blip r:embed="rId2" cstate="print">
+            <a:clrChange>
+              <a:clrFrom>
+                <a:srgbClr val="FFFFFF"/>
+              </a:clrFrom>
+              <a:clrTo>
+                <a:srgbClr val="FFFFFF">
+                  <a:alpha val="0"/>
+                </a:srgbClr>
+              </a:clrTo>
+            </a:clrChange>
+          </a:blip>
+          <a:srcRect/>
+          <a:stretch>
+            <a:fillRect/>
+          </a:stretch>
+        </p:blipFill>
+        <p:spPr bwMode="auto">
+          <a:xfrm>
+            <a:off x="3203848" y="4293096"/>
+            <a:ext cx="2828925" cy="600075"/>
+          </a:xfrm>
+          <a:prstGeom prst="rect">
+            <a:avLst/>
+          </a:prstGeom>
+          <a:noFill/>
+        </p:spPr>
+      </p:pic>
+      <p:sp>
+        <p:nvSpPr>
+          <p:cNvPr id="46083" name="Rectangle 3"/>
+          <p:cNvSpPr>
+            <a:spLocks noChangeArrowheads="1"/>
+          </p:cNvSpPr>
+          <p:nvPr/>
+        </p:nvSpPr>
+        <p:spPr bwMode="auto">
+          <a:xfrm>
+            <a:off x="0" y="1057275"/>
+            <a:ext cx="9144000" cy="457200"/>
+          </a:xfrm>
+          <a:prstGeom prst="rect">
+            <a:avLst/>
+          </a:prstGeom>
+          <a:noFill/>
+          <a:ln w="9525">
+            <a:noFill/>
+            <a:miter lim="800000"/>
+            <a:headEnd/>
+            <a:tailEnd/>
+          </a:ln>
+          <a:effectLst/>
+        </p:spPr>
+        <p:txBody>
+          <a:bodyPr vert="horz" wrap="none" lIns="91440" tIns="45720" rIns="91440" bIns="45720" numCol="1" anchor="ctr" anchorCtr="0" compatLnSpc="1">
+            <a:prstTxWarp prst="textNoShape">
+              <a:avLst/>
+            </a:prstTxWarp>
+            <a:spAutoFit/>
+          </a:bodyPr>
+          <a:lstStyle/>
+          <a:p>
+            <a:pPr marL="0" marR="0" lvl="0" indent="0" algn="l" defTabSz="914400" rtl="0" eaLnBrk="1" fontAlgn="base" latinLnBrk="0" hangingPunct="1">
+              <a:lnSpc>
+                <a:spcPct val="100000"/>
+              </a:lnSpc>
+              <a:spcBef>
+                <a:spcPct val="0"/>
+              </a:spcBef>
+              <a:spcAft>
+                <a:spcPct val="0"/>
+              </a:spcAft>
+              <a:buClrTx/>
+              <a:buSzTx/>
+              <a:buFontTx/>
+              <a:buNone/>
+              <a:tabLst/>
+            </a:pPr>
+            <a:endParaRPr kumimoji="0" lang="ru-RU" sz="1800" b="0" i="0" u="none" strike="noStrike" cap="none" normalizeH="0" baseline="0" smtClean="0">
+              <a:ln>
+                <a:noFill/>
+              </a:ln>
+              <a:solidFill>
+                <a:schemeClr val="tx1"/>
+              </a:solidFill>
+              <a:effectLst/>
+              <a:latin typeface="Arial" pitchFamily="34" charset="0"/>
+              <a:cs typeface="Arial" pitchFamily="34" charset="0"/>
+            </a:endParaRPr>
+          </a:p>
+        </p:txBody>
+      </p:sp>
     </p:spTree>
-    <p:extLst>
-      <p:ext uri="{BB962C8B-B14F-4D97-AF65-F5344CB8AC3E}">
-        <p14:creationId xmlns:p14="http://schemas.microsoft.com/office/powerpoint/2010/main" val="934157509"/>
-      </p:ext>
-    </p:extLst>
   </p:cSld>
   <p:clrMapOvr>
     <a:masterClrMapping/>
@@ -9169,13 +8981,8 @@
           <a:p>
             <a:r>
               <a:rPr lang="ru-RU" dirty="0"/>
-              <a:t>Рассмотренные </a:t>
-            </a:r>
-            <a:r>
-              <a:rPr lang="ru-RU" dirty="0" err="1"/>
-              <a:t>автокодеры</a:t>
-            </a:r>
-            <a:endParaRPr lang="ru-RU" dirty="0"/>
+              <a:t>Идея</a:t>
+            </a:r>
           </a:p>
         </p:txBody>
       </p:sp>
@@ -9215,111 +9022,101 @@
         </p:nvSpPr>
         <p:spPr/>
         <p:txBody>
-          <a:bodyPr>
-            <a:normAutofit fontScale="92500" lnSpcReduction="20000"/>
-          </a:bodyPr>
-          <a:lstStyle/>
-          <a:p>
-            <a:r>
-              <a:rPr lang="ru-RU" dirty="0"/>
-              <a:t>Глубокий </a:t>
+          <a:bodyPr/>
+          <a:lstStyle/>
+          <a:p>
+            <a:pPr algn="just"/>
+            <a:r>
+              <a:rPr lang="ru-RU" dirty="0"/>
+              <a:t>ГСС</a:t>
+            </a:r>
+            <a:r>
+              <a:rPr lang="en-US" dirty="0"/>
+              <a:t> </a:t>
+            </a:r>
+            <a:r>
+              <a:rPr lang="ru-RU" dirty="0"/>
+              <a:t>требуют </a:t>
+            </a:r>
+            <a:r>
+              <a:rPr lang="ru-RU" dirty="0" smtClean="0"/>
+              <a:t>очень много </a:t>
+            </a:r>
+            <a:r>
+              <a:rPr lang="ru-RU" dirty="0"/>
+              <a:t>времени на тренировку</a:t>
+            </a:r>
+            <a:r>
+              <a:rPr lang="ru-RU" dirty="0" smtClean="0"/>
+              <a:t>.</a:t>
+            </a:r>
+          </a:p>
+          <a:p>
+            <a:pPr algn="just"/>
+            <a:r>
+              <a:rPr lang="ru-RU" dirty="0" err="1" smtClean="0"/>
+              <a:t>Автокодеры</a:t>
+            </a:r>
+            <a:r>
+              <a:rPr lang="ru-RU" dirty="0" smtClean="0"/>
+              <a:t>, по </a:t>
+            </a:r>
+            <a:r>
+              <a:rPr lang="ru-RU" dirty="0" err="1" smtClean="0"/>
+              <a:t>сранению</a:t>
+            </a:r>
+            <a:r>
+              <a:rPr lang="ru-RU" dirty="0" smtClean="0"/>
+              <a:t> с ГСС, обучаются быстрее.</a:t>
+            </a:r>
+            <a:endParaRPr lang="ru-RU" dirty="0"/>
+          </a:p>
+          <a:p>
+            <a:pPr algn="just"/>
+            <a:r>
+              <a:rPr lang="ru-RU" dirty="0"/>
+              <a:t>Можно использовать </a:t>
             </a:r>
             <a:r>
               <a:rPr lang="ru-RU" dirty="0" err="1"/>
-              <a:t>сверточный</a:t>
+              <a:t>предобученный</a:t>
             </a:r>
             <a:r>
               <a:rPr lang="ru-RU" dirty="0"/>
               <a:t> </a:t>
             </a:r>
             <a:r>
-              <a:rPr lang="en-US" dirty="0"/>
-              <a:t>(Convolutional AE)</a:t>
-            </a:r>
-            <a:endParaRPr lang="ru-RU" dirty="0"/>
-          </a:p>
-          <a:p>
-            <a:r>
-              <a:rPr lang="ru-RU" dirty="0"/>
-              <a:t>Вариационный (</a:t>
-            </a:r>
-            <a:r>
-              <a:rPr lang="en-US" dirty="0"/>
-              <a:t>VAE)</a:t>
-            </a:r>
-            <a:endParaRPr lang="ru-RU" dirty="0"/>
-          </a:p>
-          <a:p>
-            <a:r>
-              <a:rPr lang="ru-RU" dirty="0"/>
-              <a:t>Условный вариационный</a:t>
-            </a:r>
-            <a:r>
-              <a:rPr lang="en-US" dirty="0"/>
-              <a:t> (CVAE)</a:t>
-            </a:r>
-          </a:p>
-          <a:p>
-            <a:r>
-              <a:rPr lang="ru-RU" dirty="0"/>
-              <a:t>Так называемый </a:t>
-            </a:r>
-            <a:r>
-              <a:rPr lang="en-US" dirty="0"/>
-              <a:t>“Sliced Wasserstein Autoencoder” (SWAE)</a:t>
-            </a:r>
-            <a:endParaRPr lang="ru-RU" dirty="0"/>
-          </a:p>
-          <a:p>
-            <a:endParaRPr lang="ru-RU" dirty="0"/>
-          </a:p>
-          <a:p>
-            <a:endParaRPr lang="ru-RU" dirty="0"/>
-          </a:p>
-          <a:p>
-            <a:endParaRPr lang="ru-RU" dirty="0"/>
-          </a:p>
-          <a:p>
-            <a:endParaRPr lang="ru-RU" dirty="0"/>
-          </a:p>
-          <a:p>
-            <a:pPr marL="0" indent="0">
-              <a:buNone/>
-            </a:pPr>
-            <a:endParaRPr lang="ru-RU" dirty="0"/>
-          </a:p>
-          <a:p>
-            <a:r>
               <a:rPr lang="ru-RU" i="1" dirty="0"/>
-              <a:t>Замечание:</a:t>
-            </a:r>
-            <a:r>
-              <a:rPr lang="ru-RU" dirty="0"/>
-              <a:t> стоит отметить, что все </a:t>
-            </a:r>
-            <a:r>
-              <a:rPr lang="ru-RU" dirty="0" err="1"/>
-              <a:t>автокодеры</a:t>
-            </a:r>
-            <a:r>
-              <a:rPr lang="ru-RU" dirty="0"/>
-              <a:t> </a:t>
-            </a:r>
-            <a:r>
-              <a:rPr lang="ru-RU" dirty="0" err="1"/>
-              <a:t>сверточные</a:t>
-            </a:r>
-            <a:r>
-              <a:rPr lang="ru-RU" dirty="0"/>
-              <a:t> для эффективной работы с изображениями.</a:t>
-            </a:r>
+              <a:t>декодер</a:t>
+            </a:r>
+            <a:r>
+              <a:rPr lang="ru-RU" dirty="0"/>
+              <a:t> из </a:t>
+            </a:r>
+            <a:r>
+              <a:rPr lang="ru-RU" dirty="0" err="1" smtClean="0"/>
+              <a:t>автокодера</a:t>
+            </a:r>
+            <a:r>
+              <a:rPr lang="ru-RU" dirty="0" smtClean="0"/>
+              <a:t> в качестве </a:t>
+            </a:r>
+            <a:r>
+              <a:rPr lang="ru-RU" i="1" dirty="0" smtClean="0"/>
+              <a:t>генератора</a:t>
+            </a:r>
+            <a:r>
+              <a:rPr lang="ru-RU" dirty="0" smtClean="0"/>
+              <a:t> в ГСС. </a:t>
+            </a:r>
+            <a:endParaRPr lang="ru-RU" i="1" dirty="0"/>
           </a:p>
         </p:txBody>
       </p:sp>
     </p:spTree>
     <p:extLst>
       <p:ext uri="{BB962C8B-B14F-4D97-AF65-F5344CB8AC3E}">
-        <p14:creationId xmlns:p14="http://schemas.microsoft.com/office/powerpoint/2010/main" val="2351319620"/>
+        <p14:creationId xmlns="" xmlns:p14="http://schemas.microsoft.com/office/powerpoint/2010/main" val="934157509"/>
       </p:ext>
     </p:extLst>
   </p:cSld>
@@ -9363,19 +9160,11 @@
           <a:p>
             <a:r>
               <a:rPr lang="ru-RU" dirty="0"/>
-              <a:t>Глубокий </a:t>
+              <a:t>Рассмотренные </a:t>
             </a:r>
             <a:r>
               <a:rPr lang="ru-RU" dirty="0" err="1"/>
-              <a:t>сверточный</a:t>
-            </a:r>
-            <a:r>
-              <a:rPr lang="ru-RU" dirty="0"/>
-              <a:t> </a:t>
-            </a:r>
-            <a:r>
-              <a:rPr lang="ru-RU" dirty="0" err="1"/>
-              <a:t>автокодер</a:t>
+              <a:t>автокодеры</a:t>
             </a:r>
             <a:endParaRPr lang="ru-RU" dirty="0"/>
           </a:p>
@@ -9400,6 +9189,208 @@
               <a:rPr lang="ru-RU" smtClean="0"/>
               <a:pPr/>
               <a:t>6</a:t>
+            </a:fld>
+            <a:endParaRPr lang="ru-RU"/>
+          </a:p>
+        </p:txBody>
+      </p:sp>
+      <p:sp>
+        <p:nvSpPr>
+          <p:cNvPr id="4" name="Объект 3"/>
+          <p:cNvSpPr>
+            <a:spLocks noGrp="1"/>
+          </p:cNvSpPr>
+          <p:nvPr>
+            <p:ph sz="quarter" idx="1"/>
+          </p:nvPr>
+        </p:nvSpPr>
+        <p:spPr/>
+        <p:txBody>
+          <a:bodyPr>
+            <a:normAutofit fontScale="92500" lnSpcReduction="20000"/>
+          </a:bodyPr>
+          <a:lstStyle/>
+          <a:p>
+            <a:r>
+              <a:rPr lang="ru-RU" dirty="0"/>
+              <a:t>Глубокий </a:t>
+            </a:r>
+            <a:r>
+              <a:rPr lang="ru-RU" dirty="0" err="1"/>
+              <a:t>сверточный</a:t>
+            </a:r>
+            <a:r>
+              <a:rPr lang="ru-RU" dirty="0"/>
+              <a:t> </a:t>
+            </a:r>
+            <a:r>
+              <a:rPr lang="en-US" dirty="0"/>
+              <a:t>(Convolutional AE)</a:t>
+            </a:r>
+            <a:endParaRPr lang="ru-RU" dirty="0"/>
+          </a:p>
+          <a:p>
+            <a:r>
+              <a:rPr lang="ru-RU" dirty="0"/>
+              <a:t>Вариационный (</a:t>
+            </a:r>
+            <a:r>
+              <a:rPr lang="en-US" dirty="0"/>
+              <a:t>VAE)</a:t>
+            </a:r>
+            <a:endParaRPr lang="ru-RU" dirty="0"/>
+          </a:p>
+          <a:p>
+            <a:r>
+              <a:rPr lang="ru-RU" dirty="0"/>
+              <a:t>Условный вариационный</a:t>
+            </a:r>
+            <a:r>
+              <a:rPr lang="en-US" dirty="0"/>
+              <a:t> (CVAE)</a:t>
+            </a:r>
+          </a:p>
+          <a:p>
+            <a:r>
+              <a:rPr lang="ru-RU" dirty="0"/>
+              <a:t>Так называемый </a:t>
+            </a:r>
+            <a:r>
+              <a:rPr lang="en-US" dirty="0"/>
+              <a:t>“Sliced Wasserstein Autoencoder” (SWAE)</a:t>
+            </a:r>
+            <a:endParaRPr lang="ru-RU" dirty="0"/>
+          </a:p>
+          <a:p>
+            <a:endParaRPr lang="ru-RU" dirty="0"/>
+          </a:p>
+          <a:p>
+            <a:endParaRPr lang="ru-RU" dirty="0"/>
+          </a:p>
+          <a:p>
+            <a:endParaRPr lang="ru-RU" dirty="0"/>
+          </a:p>
+          <a:p>
+            <a:endParaRPr lang="ru-RU" dirty="0"/>
+          </a:p>
+          <a:p>
+            <a:pPr marL="0" indent="0">
+              <a:buNone/>
+            </a:pPr>
+            <a:endParaRPr lang="ru-RU" dirty="0"/>
+          </a:p>
+          <a:p>
+            <a:r>
+              <a:rPr lang="ru-RU" i="1" dirty="0"/>
+              <a:t>Замечание:</a:t>
+            </a:r>
+            <a:r>
+              <a:rPr lang="ru-RU" dirty="0"/>
+              <a:t> стоит отметить, что все </a:t>
+            </a:r>
+            <a:r>
+              <a:rPr lang="ru-RU" dirty="0" err="1"/>
+              <a:t>автокодеры</a:t>
+            </a:r>
+            <a:r>
+              <a:rPr lang="ru-RU" dirty="0"/>
+              <a:t> </a:t>
+            </a:r>
+            <a:r>
+              <a:rPr lang="ru-RU" dirty="0" err="1"/>
+              <a:t>сверточные</a:t>
+            </a:r>
+            <a:r>
+              <a:rPr lang="ru-RU" dirty="0"/>
+              <a:t> для эффективной работы с изображениями.</a:t>
+            </a:r>
+          </a:p>
+        </p:txBody>
+      </p:sp>
+    </p:spTree>
+    <p:extLst>
+      <p:ext uri="{BB962C8B-B14F-4D97-AF65-F5344CB8AC3E}">
+        <p14:creationId xmlns="" xmlns:p14="http://schemas.microsoft.com/office/powerpoint/2010/main" val="2351319620"/>
+      </p:ext>
+    </p:extLst>
+  </p:cSld>
+  <p:clrMapOvr>
+    <a:masterClrMapping/>
+  </p:clrMapOvr>
+</p:sld>
+</file>
+
+<file path=ppt/slides/slide7.xml><?xml version="1.0" encoding="utf-8"?>
+<p:sld xmlns:a="http://schemas.openxmlformats.org/drawingml/2006/main" xmlns:r="http://schemas.openxmlformats.org/officeDocument/2006/relationships" xmlns:p="http://schemas.openxmlformats.org/presentationml/2006/main">
+  <p:cSld>
+    <p:spTree>
+      <p:nvGrpSpPr>
+        <p:cNvPr id="1" name=""/>
+        <p:cNvGrpSpPr/>
+        <p:nvPr/>
+      </p:nvGrpSpPr>
+      <p:grpSpPr>
+        <a:xfrm>
+          <a:off x="0" y="0"/>
+          <a:ext cx="0" cy="0"/>
+          <a:chOff x="0" y="0"/>
+          <a:chExt cx="0" cy="0"/>
+        </a:xfrm>
+      </p:grpSpPr>
+      <p:sp>
+        <p:nvSpPr>
+          <p:cNvPr id="2" name="Заголовок 1"/>
+          <p:cNvSpPr>
+            <a:spLocks noGrp="1"/>
+          </p:cNvSpPr>
+          <p:nvPr>
+            <p:ph type="title"/>
+          </p:nvPr>
+        </p:nvSpPr>
+        <p:spPr/>
+        <p:txBody>
+          <a:bodyPr/>
+          <a:lstStyle/>
+          <a:p>
+            <a:r>
+              <a:rPr lang="ru-RU" dirty="0"/>
+              <a:t>Глубокий </a:t>
+            </a:r>
+            <a:r>
+              <a:rPr lang="ru-RU" dirty="0" err="1"/>
+              <a:t>сверточный</a:t>
+            </a:r>
+            <a:r>
+              <a:rPr lang="ru-RU" dirty="0"/>
+              <a:t> </a:t>
+            </a:r>
+            <a:r>
+              <a:rPr lang="ru-RU" dirty="0" err="1"/>
+              <a:t>автокодер</a:t>
+            </a:r>
+            <a:endParaRPr lang="ru-RU" dirty="0"/>
+          </a:p>
+        </p:txBody>
+      </p:sp>
+      <p:sp>
+        <p:nvSpPr>
+          <p:cNvPr id="3" name="Номер слайда 2"/>
+          <p:cNvSpPr>
+            <a:spLocks noGrp="1"/>
+          </p:cNvSpPr>
+          <p:nvPr>
+            <p:ph type="sldNum" sz="quarter" idx="12"/>
+          </p:nvPr>
+        </p:nvSpPr>
+        <p:spPr/>
+        <p:txBody>
+          <a:bodyPr/>
+          <a:lstStyle/>
+          <a:p>
+            <a:fld id="{B19B0651-EE4F-4900-A07F-96A6BFA9D0F0}" type="slidenum">
+              <a:rPr lang="ru-RU" smtClean="0"/>
+              <a:pPr/>
+              <a:t>7</a:t>
             </a:fld>
             <a:endParaRPr lang="ru-RU"/>
           </a:p>
@@ -9478,7 +9469,7 @@
           <p:nvPr/>
         </p:nvPicPr>
         <p:blipFill>
-          <a:blip r:embed="rId2"/>
+          <a:blip r:embed="rId2" cstate="print"/>
           <a:stretch>
             <a:fillRect/>
           </a:stretch>
@@ -9502,10 +9493,10 @@
           <p:nvPr/>
         </p:nvPicPr>
         <p:blipFill>
-          <a:blip r:embed="rId3">
+          <a:blip r:embed="rId3" cstate="print">
             <a:extLst>
               <a:ext uri="{28A0092B-C50C-407E-A947-70E740481C1C}">
-                <a14:useLocalDpi xmlns:a14="http://schemas.microsoft.com/office/drawing/2010/main" val="0"/>
+                <a14:useLocalDpi xmlns="" xmlns:a14="http://schemas.microsoft.com/office/drawing/2010/main" val="0"/>
               </a:ext>
             </a:extLst>
           </a:blip>
@@ -9531,7 +9522,7 @@
 </p:sld>
 </file>
 
-<file path=ppt/slides/slide7.xml><?xml version="1.0" encoding="utf-8"?>
+<file path=ppt/slides/slide8.xml><?xml version="1.0" encoding="utf-8"?>
 <p:sld xmlns:a="http://schemas.openxmlformats.org/drawingml/2006/main" xmlns:r="http://schemas.openxmlformats.org/officeDocument/2006/relationships" xmlns:p="http://schemas.openxmlformats.org/presentationml/2006/main">
   <p:cSld>
     <p:spTree>
@@ -9601,7 +9592,7 @@
             <a:fld id="{B19B0651-EE4F-4900-A07F-96A6BFA9D0F0}" type="slidenum">
               <a:rPr lang="ru-RU" smtClean="0"/>
               <a:pPr/>
-              <a:t>7</a:t>
+              <a:t>8</a:t>
             </a:fld>
             <a:endParaRPr lang="ru-RU"/>
           </a:p>
@@ -9659,10 +9650,10 @@
           <p:nvPr/>
         </p:nvPicPr>
         <p:blipFill>
-          <a:blip r:embed="rId2">
+          <a:blip r:embed="rId2" cstate="print">
             <a:extLst>
               <a:ext uri="{28A0092B-C50C-407E-A947-70E740481C1C}">
-                <a14:useLocalDpi xmlns:a14="http://schemas.microsoft.com/office/drawing/2010/main" val="0"/>
+                <a14:useLocalDpi xmlns="" xmlns:a14="http://schemas.microsoft.com/office/drawing/2010/main" val="0"/>
               </a:ext>
             </a:extLst>
           </a:blip>
@@ -9683,171 +9674,7 @@
     </p:spTree>
     <p:extLst>
       <p:ext uri="{BB962C8B-B14F-4D97-AF65-F5344CB8AC3E}">
-        <p14:creationId xmlns:p14="http://schemas.microsoft.com/office/powerpoint/2010/main" val="2566190300"/>
-      </p:ext>
-    </p:extLst>
-  </p:cSld>
-  <p:clrMapOvr>
-    <a:masterClrMapping/>
-  </p:clrMapOvr>
-</p:sld>
-</file>
-
-<file path=ppt/slides/slide8.xml><?xml version="1.0" encoding="utf-8"?>
-<p:sld xmlns:a="http://schemas.openxmlformats.org/drawingml/2006/main" xmlns:r="http://schemas.openxmlformats.org/officeDocument/2006/relationships" xmlns:p="http://schemas.openxmlformats.org/presentationml/2006/main">
-  <p:cSld>
-    <p:spTree>
-      <p:nvGrpSpPr>
-        <p:cNvPr id="1" name=""/>
-        <p:cNvGrpSpPr/>
-        <p:nvPr/>
-      </p:nvGrpSpPr>
-      <p:grpSpPr>
-        <a:xfrm>
-          <a:off x="0" y="0"/>
-          <a:ext cx="0" cy="0"/>
-          <a:chOff x="0" y="0"/>
-          <a:chExt cx="0" cy="0"/>
-        </a:xfrm>
-      </p:grpSpPr>
-      <p:sp>
-        <p:nvSpPr>
-          <p:cNvPr id="2" name="Заголовок 1"/>
-          <p:cNvSpPr>
-            <a:spLocks noGrp="1"/>
-          </p:cNvSpPr>
-          <p:nvPr>
-            <p:ph type="title"/>
-          </p:nvPr>
-        </p:nvSpPr>
-        <p:spPr/>
-        <p:txBody>
-          <a:bodyPr/>
-          <a:lstStyle/>
-          <a:p>
-            <a:r>
-              <a:rPr lang="ru-RU" dirty="0"/>
-              <a:t>Условный вариационный </a:t>
-            </a:r>
-            <a:r>
-              <a:rPr lang="ru-RU" dirty="0" err="1"/>
-              <a:t>автокодер</a:t>
-            </a:r>
-            <a:r>
-              <a:rPr lang="ru-RU" dirty="0"/>
-              <a:t> (</a:t>
-            </a:r>
-            <a:r>
-              <a:rPr lang="en-US" dirty="0"/>
-              <a:t>CVAE)</a:t>
-            </a:r>
-            <a:endParaRPr lang="ru-RU" dirty="0"/>
-          </a:p>
-        </p:txBody>
-      </p:sp>
-      <p:sp>
-        <p:nvSpPr>
-          <p:cNvPr id="3" name="Номер слайда 2"/>
-          <p:cNvSpPr>
-            <a:spLocks noGrp="1"/>
-          </p:cNvSpPr>
-          <p:nvPr>
-            <p:ph type="sldNum" sz="quarter" idx="12"/>
-          </p:nvPr>
-        </p:nvSpPr>
-        <p:spPr/>
-        <p:txBody>
-          <a:bodyPr/>
-          <a:lstStyle/>
-          <a:p>
-            <a:fld id="{B19B0651-EE4F-4900-A07F-96A6BFA9D0F0}" type="slidenum">
-              <a:rPr lang="ru-RU" smtClean="0"/>
-              <a:pPr/>
-              <a:t>8</a:t>
-            </a:fld>
-            <a:endParaRPr lang="ru-RU"/>
-          </a:p>
-        </p:txBody>
-      </p:sp>
-      <p:sp>
-        <p:nvSpPr>
-          <p:cNvPr id="4" name="Объект 3"/>
-          <p:cNvSpPr>
-            <a:spLocks noGrp="1"/>
-          </p:cNvSpPr>
-          <p:nvPr>
-            <p:ph sz="quarter" idx="1"/>
-          </p:nvPr>
-        </p:nvSpPr>
-        <p:spPr/>
-        <p:txBody>
-          <a:bodyPr/>
-          <a:lstStyle/>
-          <a:p>
-            <a:pPr algn="just"/>
-            <a:r>
-              <a:rPr lang="ru-RU" dirty="0"/>
-              <a:t>Архитектура и схема обучения такая же, как у вариационного </a:t>
-            </a:r>
-            <a:r>
-              <a:rPr lang="ru-RU" dirty="0" err="1"/>
-              <a:t>автокодера</a:t>
-            </a:r>
-            <a:r>
-              <a:rPr lang="ru-RU" dirty="0"/>
-              <a:t>, но на вход помимо самой картинки еще передается ее лейбл (к какому классу относится картинка).</a:t>
-            </a:r>
-          </a:p>
-          <a:p>
-            <a:endParaRPr lang="ru-RU" dirty="0"/>
-          </a:p>
-        </p:txBody>
-      </p:sp>
-      <p:pic>
-        <p:nvPicPr>
-          <p:cNvPr id="3074" name="Picture 2" descr="https://habrastorage.org/web/5aa/22a/e7f/5aa22ae7f85540b289c2f37fdafeb862.png"/>
-          <p:cNvPicPr>
-            <a:picLocks noChangeAspect="1" noChangeArrowheads="1"/>
-          </p:cNvPicPr>
-          <p:nvPr/>
-        </p:nvPicPr>
-        <p:blipFill>
-          <a:blip r:embed="rId2">
-            <a:extLst>
-              <a:ext uri="{28A0092B-C50C-407E-A947-70E740481C1C}">
-                <a14:useLocalDpi xmlns:a14="http://schemas.microsoft.com/office/drawing/2010/main" val="0"/>
-              </a:ext>
-            </a:extLst>
-          </a:blip>
-          <a:srcRect/>
-          <a:stretch>
-            <a:fillRect/>
-          </a:stretch>
-        </p:blipFill>
-        <p:spPr bwMode="auto">
-          <a:xfrm>
-            <a:off x="2771800" y="3026764"/>
-            <a:ext cx="3600400" cy="3099436"/>
-          </a:xfrm>
-          <a:prstGeom prst="rect">
-            <a:avLst/>
-          </a:prstGeom>
-          <a:noFill/>
-          <a:extLst>
-            <a:ext uri="{909E8E84-426E-40DD-AFC4-6F175D3DCCD1}">
-              <a14:hiddenFill xmlns:a14="http://schemas.microsoft.com/office/drawing/2010/main">
-                <a:solidFill>
-                  <a:srgbClr val="FFFFFF"/>
-                </a:solidFill>
-              </a14:hiddenFill>
-            </a:ext>
-          </a:extLst>
-        </p:spPr>
-      </p:pic>
-    </p:spTree>
-    <p:extLst>
-      <p:ext uri="{BB962C8B-B14F-4D97-AF65-F5344CB8AC3E}">
-        <p14:creationId xmlns:p14="http://schemas.microsoft.com/office/powerpoint/2010/main" val="2217415514"/>
+        <p14:creationId xmlns="" xmlns:p14="http://schemas.microsoft.com/office/powerpoint/2010/main" val="2566190300"/>
       </p:ext>
     </p:extLst>
   </p:cSld>
@@ -9876,13 +9703,7 @@
       </p:grpSpPr>
       <p:sp>
         <p:nvSpPr>
-          <p:cNvPr id="2" name="Заголовок 1">
-            <a:extLst>
-              <a:ext uri="{FF2B5EF4-FFF2-40B4-BE49-F238E27FC236}">
-                <a16:creationId xmlns:a16="http://schemas.microsoft.com/office/drawing/2014/main" id="{552B8678-5173-4EAF-8A04-6F68BDC4A9C4}"/>
-              </a:ext>
-            </a:extLst>
-          </p:cNvPr>
+          <p:cNvPr id="2" name="Заголовок 1"/>
           <p:cNvSpPr>
             <a:spLocks noGrp="1"/>
           </p:cNvSpPr>
@@ -9896,8 +9717,20 @@
           <a:lstStyle/>
           <a:p>
             <a:r>
+              <a:rPr lang="ru-RU" dirty="0"/>
+              <a:t>Условный вариационный </a:t>
+            </a:r>
+            <a:r>
+              <a:rPr lang="ru-RU" dirty="0" err="1"/>
+              <a:t>автокодер</a:t>
+            </a:r>
+            <a:r>
+              <a:rPr lang="ru-RU" dirty="0"/>
+              <a:t> (</a:t>
+            </a:r>
+            <a:r>
               <a:rPr lang="en-US" dirty="0"/>
-              <a:t>Sliced Wasserstein Autoencoder (SWAE)</a:t>
+              <a:t>CVAE)</a:t>
             </a:r>
             <a:endParaRPr lang="ru-RU" dirty="0"/>
           </a:p>
@@ -9905,13 +9738,7 @@
       </p:sp>
       <p:sp>
         <p:nvSpPr>
-          <p:cNvPr id="3" name="Номер слайда 2">
-            <a:extLst>
-              <a:ext uri="{FF2B5EF4-FFF2-40B4-BE49-F238E27FC236}">
-                <a16:creationId xmlns:a16="http://schemas.microsoft.com/office/drawing/2014/main" id="{769AB2FC-8479-4A54-B548-CDCC288C53FE}"/>
-              </a:ext>
-            </a:extLst>
-          </p:cNvPr>
+          <p:cNvPr id="3" name="Номер слайда 2"/>
           <p:cNvSpPr>
             <a:spLocks noGrp="1"/>
           </p:cNvSpPr>
@@ -9935,103 +9762,83 @@
       </p:sp>
       <p:sp>
         <p:nvSpPr>
-          <p:cNvPr id="4" name="Объект 3">
+          <p:cNvPr id="4" name="Объект 3"/>
+          <p:cNvSpPr>
+            <a:spLocks noGrp="1"/>
+          </p:cNvSpPr>
+          <p:nvPr>
+            <p:ph sz="quarter" idx="1"/>
+          </p:nvPr>
+        </p:nvSpPr>
+        <p:spPr/>
+        <p:txBody>
+          <a:bodyPr/>
+          <a:lstStyle/>
+          <a:p>
+            <a:pPr algn="just"/>
+            <a:r>
+              <a:rPr lang="ru-RU" dirty="0"/>
+              <a:t>Архитектура и схема обучения такая же, как у вариационного </a:t>
+            </a:r>
+            <a:r>
+              <a:rPr lang="ru-RU" dirty="0" err="1"/>
+              <a:t>автокодера</a:t>
+            </a:r>
+            <a:r>
+              <a:rPr lang="ru-RU" dirty="0"/>
+              <a:t>, но на вход помимо самой картинки еще передается ее лейбл (к какому классу относится картинка).</a:t>
+            </a:r>
+          </a:p>
+          <a:p>
+            <a:endParaRPr lang="ru-RU" dirty="0"/>
+          </a:p>
+        </p:txBody>
+      </p:sp>
+      <p:pic>
+        <p:nvPicPr>
+          <p:cNvPr id="3074" name="Picture 2" descr="https://habrastorage.org/web/5aa/22a/e7f/5aa22ae7f85540b289c2f37fdafeb862.png"/>
+          <p:cNvPicPr>
+            <a:picLocks noChangeAspect="1" noChangeArrowheads="1"/>
+          </p:cNvPicPr>
+          <p:nvPr/>
+        </p:nvPicPr>
+        <p:blipFill>
+          <a:blip r:embed="rId2" cstate="print">
             <a:extLst>
-              <a:ext uri="{FF2B5EF4-FFF2-40B4-BE49-F238E27FC236}">
-                <a16:creationId xmlns:a16="http://schemas.microsoft.com/office/drawing/2014/main" id="{DE374E55-057E-4BBC-B6B5-EDC1FC11EDBD}"/>
+              <a:ext uri="{28A0092B-C50C-407E-A947-70E740481C1C}">
+                <a14:useLocalDpi xmlns="" xmlns:a14="http://schemas.microsoft.com/office/drawing/2010/main" val="0"/>
               </a:ext>
             </a:extLst>
-          </p:cNvPr>
-          <p:cNvSpPr>
-            <a:spLocks noGrp="1"/>
-          </p:cNvSpPr>
-          <p:nvPr>
-            <p:ph sz="quarter" idx="1"/>
-          </p:nvPr>
-        </p:nvSpPr>
-        <p:spPr/>
-        <p:txBody>
-          <a:bodyPr/>
-          <a:lstStyle/>
-          <a:p>
-            <a:pPr algn="just"/>
-            <a:r>
-              <a:rPr lang="ru-RU" dirty="0"/>
-              <a:t>Архитектура такая же, как у глубокого </a:t>
-            </a:r>
-            <a:r>
-              <a:rPr lang="ru-RU" dirty="0" err="1"/>
-              <a:t>сверточного</a:t>
-            </a:r>
-            <a:r>
-              <a:rPr lang="ru-RU" dirty="0"/>
-              <a:t> </a:t>
-            </a:r>
-            <a:r>
-              <a:rPr lang="ru-RU" dirty="0" err="1"/>
-              <a:t>автокодера</a:t>
-            </a:r>
-            <a:r>
-              <a:rPr lang="ru-RU" dirty="0"/>
-              <a:t>. Отличается схема обучения.</a:t>
-            </a:r>
-          </a:p>
-          <a:p>
-            <a:pPr algn="just"/>
-            <a:r>
-              <a:rPr lang="ru-RU" dirty="0"/>
-              <a:t>Расстояние </a:t>
-            </a:r>
-            <a:r>
-              <a:rPr lang="ru-RU" dirty="0" err="1"/>
-              <a:t>Вассерштейна</a:t>
-            </a:r>
-            <a:r>
-              <a:rPr lang="ru-RU" dirty="0"/>
-              <a:t> (</a:t>
-            </a:r>
-            <a:r>
-              <a:rPr lang="en-US" dirty="0"/>
-              <a:t>Wasserstein Distance)</a:t>
-            </a:r>
-          </a:p>
-          <a:p>
-            <a:pPr algn="just"/>
-            <a:r>
-              <a:rPr lang="en-US" dirty="0"/>
-              <a:t>Sliced Wasserstein Distance – </a:t>
-            </a:r>
-            <a:r>
-              <a:rPr lang="ru-RU" dirty="0"/>
-              <a:t>разбиваем два </a:t>
-            </a:r>
-            <a:r>
-              <a:rPr lang="en-US" i="1" dirty="0"/>
-              <a:t>n</a:t>
-            </a:r>
-            <a:r>
-              <a:rPr lang="en-US" dirty="0"/>
-              <a:t>-</a:t>
-            </a:r>
-            <a:r>
-              <a:rPr lang="ru-RU" dirty="0"/>
-              <a:t>мерных распределений на множество одномерных и сравниваем их друг с другом, используя </a:t>
-            </a:r>
-            <a:r>
-              <a:rPr lang="en-US" dirty="0"/>
-              <a:t>Wasserstein Distance </a:t>
-            </a:r>
-            <a:r>
-              <a:rPr lang="ru-RU" dirty="0"/>
-              <a:t>для одномерного случая</a:t>
-            </a:r>
-          </a:p>
-        </p:txBody>
-      </p:sp>
+          </a:blip>
+          <a:srcRect/>
+          <a:stretch>
+            <a:fillRect/>
+          </a:stretch>
+        </p:blipFill>
+        <p:spPr bwMode="auto">
+          <a:xfrm>
+            <a:off x="2771800" y="3026764"/>
+            <a:ext cx="3600400" cy="3099436"/>
+          </a:xfrm>
+          <a:prstGeom prst="rect">
+            <a:avLst/>
+          </a:prstGeom>
+          <a:noFill/>
+          <a:extLst>
+            <a:ext uri="{909E8E84-426E-40DD-AFC4-6F175D3DCCD1}">
+              <a14:hiddenFill xmlns="" xmlns:a14="http://schemas.microsoft.com/office/drawing/2010/main">
+                <a:solidFill>
+                  <a:srgbClr val="FFFFFF"/>
+                </a:solidFill>
+              </a14:hiddenFill>
+            </a:ext>
+          </a:extLst>
+        </p:spPr>
+      </p:pic>
     </p:spTree>
     <p:extLst>
       <p:ext uri="{BB962C8B-B14F-4D97-AF65-F5344CB8AC3E}">
-        <p14:creationId xmlns:p14="http://schemas.microsoft.com/office/powerpoint/2010/main" val="4205654514"/>
+        <p14:creationId xmlns="" xmlns:p14="http://schemas.microsoft.com/office/powerpoint/2010/main" val="2217415514"/>
       </p:ext>
     </p:extLst>
   </p:cSld>
